--- a/SELAIN SISTEM/LAPORAN/ppt KP.pptx
+++ b/SELAIN SISTEM/LAPORAN/ppt KP.pptx
@@ -118,7 +118,7 @@
   </p:defaultTextStyle>
   <p:extLst>
     <p:ext uri="{EFAFB233-063F-42B5-8137-9DF3F51BA10A}">
-      <p15:sldGuideLst xmlns:p15="http://schemas.microsoft.com/office/powerpoint/2012/main" xmlns="">
+      <p15:sldGuideLst xmlns:p15="http://schemas.microsoft.com/office/powerpoint/2012/main">
         <p15:guide id="1" orient="horz" pos="2064" userDrawn="1">
           <p15:clr>
             <a:srgbClr val="A4A3A4"/>
@@ -142,7 +142,7 @@
       </p15:sldGuideLst>
     </p:ext>
     <p:ext uri="{2D200454-40CA-4A62-9FC3-DE9A4176ACB9}">
-      <p15:notesGuideLst xmlns:p15="http://schemas.microsoft.com/office/powerpoint/2012/main" xmlns=""/>
+      <p15:notesGuideLst xmlns:p15="http://schemas.microsoft.com/office/powerpoint/2012/main"/>
     </p:ext>
   </p:extLst>
 </p:presentation>
@@ -175,7 +175,7 @@
           <p:cNvPr id="2" name="Header Placeholder 1">
             <a:extLst>
               <a:ext uri="{FF2B5EF4-FFF2-40B4-BE49-F238E27FC236}">
-                <a16:creationId xmlns:a16="http://schemas.microsoft.com/office/drawing/2014/main" xmlns="" id="{2AF506F9-91AB-457B-A321-BA32DFC452D4}"/>
+                <a16:creationId xmlns:a16="http://schemas.microsoft.com/office/drawing/2014/main" id="{2AF506F9-91AB-457B-A321-BA32DFC452D4}"/>
               </a:ext>
             </a:extLst>
           </p:cNvPr>
@@ -212,7 +212,7 @@
           <p:cNvPr id="3" name="Date Placeholder 2">
             <a:extLst>
               <a:ext uri="{FF2B5EF4-FFF2-40B4-BE49-F238E27FC236}">
-                <a16:creationId xmlns:a16="http://schemas.microsoft.com/office/drawing/2014/main" xmlns="" id="{EE71BC67-B9B6-41AE-BB4E-51234F209844}"/>
+                <a16:creationId xmlns:a16="http://schemas.microsoft.com/office/drawing/2014/main" id="{EE71BC67-B9B6-41AE-BB4E-51234F209844}"/>
               </a:ext>
             </a:extLst>
           </p:cNvPr>
@@ -242,7 +242,7 @@
           <a:p>
             <a:fld id="{519C063D-436A-410C-A490-190D73BB5D3E}" type="datetimeFigureOut">
               <a:rPr lang="en-US" smtClean="0"/>
-              <a:t>12/9/2019</a:t>
+              <a:t>12/10/2019</a:t>
             </a:fld>
             <a:endParaRPr lang="en-US" dirty="0"/>
           </a:p>
@@ -253,7 +253,7 @@
           <p:cNvPr id="4" name="Footer Placeholder 3">
             <a:extLst>
               <a:ext uri="{FF2B5EF4-FFF2-40B4-BE49-F238E27FC236}">
-                <a16:creationId xmlns:a16="http://schemas.microsoft.com/office/drawing/2014/main" xmlns="" id="{A0E2BB79-F5ED-4C7F-A869-D9A323F2CA07}"/>
+                <a16:creationId xmlns:a16="http://schemas.microsoft.com/office/drawing/2014/main" id="{A0E2BB79-F5ED-4C7F-A869-D9A323F2CA07}"/>
               </a:ext>
             </a:extLst>
           </p:cNvPr>
@@ -290,7 +290,7 @@
           <p:cNvPr id="5" name="Slide Number Placeholder 4">
             <a:extLst>
               <a:ext uri="{FF2B5EF4-FFF2-40B4-BE49-F238E27FC236}">
-                <a16:creationId xmlns:a16="http://schemas.microsoft.com/office/drawing/2014/main" xmlns="" id="{A40207CB-184F-4400-BBE4-E0B71DE06267}"/>
+                <a16:creationId xmlns:a16="http://schemas.microsoft.com/office/drawing/2014/main" id="{A40207CB-184F-4400-BBE4-E0B71DE06267}"/>
               </a:ext>
             </a:extLst>
           </p:cNvPr>
@@ -419,7 +419,7 @@
           <a:p>
             <a:fld id="{ACB8BDD7-4F37-46AB-9A13-BF4D77EDD71D}" type="datetimeFigureOut">
               <a:rPr lang="en-US" smtClean="0"/>
-              <a:t>12/9/2019</a:t>
+              <a:t>12/10/2019</a:t>
             </a:fld>
             <a:endParaRPr lang="en-US" dirty="0"/>
           </a:p>
@@ -1299,7 +1299,7 @@
           <p:cNvPr id="2" name="Title 1">
             <a:extLst>
               <a:ext uri="{FF2B5EF4-FFF2-40B4-BE49-F238E27FC236}">
-                <a16:creationId xmlns:a16="http://schemas.microsoft.com/office/drawing/2014/main" xmlns="" id="{1DB0BBB5-FEB0-47AD-A01D-A9D3462038F2}"/>
+                <a16:creationId xmlns:a16="http://schemas.microsoft.com/office/drawing/2014/main" id="{1DB0BBB5-FEB0-47AD-A01D-A9D3462038F2}"/>
               </a:ext>
             </a:extLst>
           </p:cNvPr>
@@ -1337,7 +1337,7 @@
           <p:cNvPr id="3" name="Subtitle 2">
             <a:extLst>
               <a:ext uri="{FF2B5EF4-FFF2-40B4-BE49-F238E27FC236}">
-                <a16:creationId xmlns:a16="http://schemas.microsoft.com/office/drawing/2014/main" xmlns="" id="{58207C41-C17D-4E84-B9CC-CA142B94C10D}"/>
+                <a16:creationId xmlns:a16="http://schemas.microsoft.com/office/drawing/2014/main" id="{58207C41-C17D-4E84-B9CC-CA142B94C10D}"/>
               </a:ext>
             </a:extLst>
           </p:cNvPr>
@@ -1408,7 +1408,7 @@
           <p:cNvPr id="4" name="Date Placeholder 3">
             <a:extLst>
               <a:ext uri="{FF2B5EF4-FFF2-40B4-BE49-F238E27FC236}">
-                <a16:creationId xmlns:a16="http://schemas.microsoft.com/office/drawing/2014/main" xmlns="" id="{7245F25D-6082-47DE-9B2C-675944DD1812}"/>
+                <a16:creationId xmlns:a16="http://schemas.microsoft.com/office/drawing/2014/main" id="{7245F25D-6082-47DE-9B2C-675944DD1812}"/>
               </a:ext>
             </a:extLst>
           </p:cNvPr>
@@ -1426,7 +1426,7 @@
           <a:p>
             <a:fld id="{9294036C-9E7C-4FFC-99FA-414B61E345DD}" type="datetimeFigureOut">
               <a:rPr lang="en-US" smtClean="0"/>
-              <a:t>12/9/2019</a:t>
+              <a:t>12/10/2019</a:t>
             </a:fld>
             <a:endParaRPr lang="en-US" dirty="0"/>
           </a:p>
@@ -1437,7 +1437,7 @@
           <p:cNvPr id="5" name="Footer Placeholder 4">
             <a:extLst>
               <a:ext uri="{FF2B5EF4-FFF2-40B4-BE49-F238E27FC236}">
-                <a16:creationId xmlns:a16="http://schemas.microsoft.com/office/drawing/2014/main" xmlns="" id="{5E24B0FF-3B25-4E5C-A0A7-4E1636362153}"/>
+                <a16:creationId xmlns:a16="http://schemas.microsoft.com/office/drawing/2014/main" id="{5E24B0FF-3B25-4E5C-A0A7-4E1636362153}"/>
               </a:ext>
             </a:extLst>
           </p:cNvPr>
@@ -1462,7 +1462,7 @@
           <p:cNvPr id="6" name="Slide Number Placeholder 5">
             <a:extLst>
               <a:ext uri="{FF2B5EF4-FFF2-40B4-BE49-F238E27FC236}">
-                <a16:creationId xmlns:a16="http://schemas.microsoft.com/office/drawing/2014/main" xmlns="" id="{09377007-1A01-499B-ACAD-C9F9C20B76F8}"/>
+                <a16:creationId xmlns:a16="http://schemas.microsoft.com/office/drawing/2014/main" id="{09377007-1A01-499B-ACAD-C9F9C20B76F8}"/>
               </a:ext>
             </a:extLst>
           </p:cNvPr>
@@ -1521,7 +1521,7 @@
           <p:cNvPr id="2" name="Title 1">
             <a:extLst>
               <a:ext uri="{FF2B5EF4-FFF2-40B4-BE49-F238E27FC236}">
-                <a16:creationId xmlns:a16="http://schemas.microsoft.com/office/drawing/2014/main" xmlns="" id="{32081C24-32F4-4208-B651-CDCBFCD0312A}"/>
+                <a16:creationId xmlns:a16="http://schemas.microsoft.com/office/drawing/2014/main" id="{32081C24-32F4-4208-B651-CDCBFCD0312A}"/>
               </a:ext>
             </a:extLst>
           </p:cNvPr>
@@ -1549,7 +1549,7 @@
           <p:cNvPr id="3" name="Vertical Text Placeholder 2">
             <a:extLst>
               <a:ext uri="{FF2B5EF4-FFF2-40B4-BE49-F238E27FC236}">
-                <a16:creationId xmlns:a16="http://schemas.microsoft.com/office/drawing/2014/main" xmlns="" id="{48B74779-B577-461F-A409-71F6A5A11A01}"/>
+                <a16:creationId xmlns:a16="http://schemas.microsoft.com/office/drawing/2014/main" id="{48B74779-B577-461F-A409-71F6A5A11A01}"/>
               </a:ext>
             </a:extLst>
           </p:cNvPr>
@@ -1606,7 +1606,7 @@
           <p:cNvPr id="4" name="Date Placeholder 3">
             <a:extLst>
               <a:ext uri="{FF2B5EF4-FFF2-40B4-BE49-F238E27FC236}">
-                <a16:creationId xmlns:a16="http://schemas.microsoft.com/office/drawing/2014/main" xmlns="" id="{89B044BD-4FA0-432C-95D7-517D2DE8C4B6}"/>
+                <a16:creationId xmlns:a16="http://schemas.microsoft.com/office/drawing/2014/main" id="{89B044BD-4FA0-432C-95D7-517D2DE8C4B6}"/>
               </a:ext>
             </a:extLst>
           </p:cNvPr>
@@ -1624,7 +1624,7 @@
           <a:p>
             <a:fld id="{9294036C-9E7C-4FFC-99FA-414B61E345DD}" type="datetimeFigureOut">
               <a:rPr lang="en-US" smtClean="0"/>
-              <a:t>12/9/2019</a:t>
+              <a:t>12/10/2019</a:t>
             </a:fld>
             <a:endParaRPr lang="en-US" dirty="0"/>
           </a:p>
@@ -1635,7 +1635,7 @@
           <p:cNvPr id="5" name="Footer Placeholder 4">
             <a:extLst>
               <a:ext uri="{FF2B5EF4-FFF2-40B4-BE49-F238E27FC236}">
-                <a16:creationId xmlns:a16="http://schemas.microsoft.com/office/drawing/2014/main" xmlns="" id="{AD17F283-FE61-4C9A-9E39-74D429C582C2}"/>
+                <a16:creationId xmlns:a16="http://schemas.microsoft.com/office/drawing/2014/main" id="{AD17F283-FE61-4C9A-9E39-74D429C582C2}"/>
               </a:ext>
             </a:extLst>
           </p:cNvPr>
@@ -1660,7 +1660,7 @@
           <p:cNvPr id="6" name="Slide Number Placeholder 5">
             <a:extLst>
               <a:ext uri="{FF2B5EF4-FFF2-40B4-BE49-F238E27FC236}">
-                <a16:creationId xmlns:a16="http://schemas.microsoft.com/office/drawing/2014/main" xmlns="" id="{69F9B807-6FE9-4E47-846B-BCB39B7AE2D5}"/>
+                <a16:creationId xmlns:a16="http://schemas.microsoft.com/office/drawing/2014/main" id="{69F9B807-6FE9-4E47-846B-BCB39B7AE2D5}"/>
               </a:ext>
             </a:extLst>
           </p:cNvPr>
@@ -1719,7 +1719,7 @@
           <p:cNvPr id="2" name="Vertical Title 1">
             <a:extLst>
               <a:ext uri="{FF2B5EF4-FFF2-40B4-BE49-F238E27FC236}">
-                <a16:creationId xmlns:a16="http://schemas.microsoft.com/office/drawing/2014/main" xmlns="" id="{D42594DD-FFD4-4AA9-BCDA-0BA87C146391}"/>
+                <a16:creationId xmlns:a16="http://schemas.microsoft.com/office/drawing/2014/main" id="{D42594DD-FFD4-4AA9-BCDA-0BA87C146391}"/>
               </a:ext>
             </a:extLst>
           </p:cNvPr>
@@ -1752,7 +1752,7 @@
           <p:cNvPr id="3" name="Vertical Text Placeholder 2">
             <a:extLst>
               <a:ext uri="{FF2B5EF4-FFF2-40B4-BE49-F238E27FC236}">
-                <a16:creationId xmlns:a16="http://schemas.microsoft.com/office/drawing/2014/main" xmlns="" id="{B79C2B6E-24EB-42CE-8B4D-3178D08C7EB8}"/>
+                <a16:creationId xmlns:a16="http://schemas.microsoft.com/office/drawing/2014/main" id="{B79C2B6E-24EB-42CE-8B4D-3178D08C7EB8}"/>
               </a:ext>
             </a:extLst>
           </p:cNvPr>
@@ -1814,7 +1814,7 @@
           <p:cNvPr id="4" name="Date Placeholder 3">
             <a:extLst>
               <a:ext uri="{FF2B5EF4-FFF2-40B4-BE49-F238E27FC236}">
-                <a16:creationId xmlns:a16="http://schemas.microsoft.com/office/drawing/2014/main" xmlns="" id="{34C92C56-63F3-4246-AAEE-2FBC89E80248}"/>
+                <a16:creationId xmlns:a16="http://schemas.microsoft.com/office/drawing/2014/main" id="{34C92C56-63F3-4246-AAEE-2FBC89E80248}"/>
               </a:ext>
             </a:extLst>
           </p:cNvPr>
@@ -1832,7 +1832,7 @@
           <a:p>
             <a:fld id="{9294036C-9E7C-4FFC-99FA-414B61E345DD}" type="datetimeFigureOut">
               <a:rPr lang="en-US" smtClean="0"/>
-              <a:t>12/9/2019</a:t>
+              <a:t>12/10/2019</a:t>
             </a:fld>
             <a:endParaRPr lang="en-US" dirty="0"/>
           </a:p>
@@ -1843,7 +1843,7 @@
           <p:cNvPr id="5" name="Footer Placeholder 4">
             <a:extLst>
               <a:ext uri="{FF2B5EF4-FFF2-40B4-BE49-F238E27FC236}">
-                <a16:creationId xmlns:a16="http://schemas.microsoft.com/office/drawing/2014/main" xmlns="" id="{35C10319-C816-40EC-B1D0-FD9748E41D78}"/>
+                <a16:creationId xmlns:a16="http://schemas.microsoft.com/office/drawing/2014/main" id="{35C10319-C816-40EC-B1D0-FD9748E41D78}"/>
               </a:ext>
             </a:extLst>
           </p:cNvPr>
@@ -1868,7 +1868,7 @@
           <p:cNvPr id="6" name="Slide Number Placeholder 5">
             <a:extLst>
               <a:ext uri="{FF2B5EF4-FFF2-40B4-BE49-F238E27FC236}">
-                <a16:creationId xmlns:a16="http://schemas.microsoft.com/office/drawing/2014/main" xmlns="" id="{3854E9AB-6952-407A-9F06-2EB917172FBD}"/>
+                <a16:creationId xmlns:a16="http://schemas.microsoft.com/office/drawing/2014/main" id="{3854E9AB-6952-407A-9F06-2EB917172FBD}"/>
               </a:ext>
             </a:extLst>
           </p:cNvPr>
@@ -1927,7 +1927,7 @@
           <p:cNvPr id="2" name="Title 1">
             <a:extLst>
               <a:ext uri="{FF2B5EF4-FFF2-40B4-BE49-F238E27FC236}">
-                <a16:creationId xmlns:a16="http://schemas.microsoft.com/office/drawing/2014/main" xmlns="" id="{D0DADCE2-978E-4923-B0E9-4C966B6798C3}"/>
+                <a16:creationId xmlns:a16="http://schemas.microsoft.com/office/drawing/2014/main" id="{D0DADCE2-978E-4923-B0E9-4C966B6798C3}"/>
               </a:ext>
             </a:extLst>
           </p:cNvPr>
@@ -1955,7 +1955,7 @@
           <p:cNvPr id="3" name="Content Placeholder 2">
             <a:extLst>
               <a:ext uri="{FF2B5EF4-FFF2-40B4-BE49-F238E27FC236}">
-                <a16:creationId xmlns:a16="http://schemas.microsoft.com/office/drawing/2014/main" xmlns="" id="{6CEB0BD6-F012-4C6D-BDAD-9E90ED25A387}"/>
+                <a16:creationId xmlns:a16="http://schemas.microsoft.com/office/drawing/2014/main" id="{6CEB0BD6-F012-4C6D-BDAD-9E90ED25A387}"/>
               </a:ext>
             </a:extLst>
           </p:cNvPr>
@@ -2012,7 +2012,7 @@
           <p:cNvPr id="4" name="Date Placeholder 3">
             <a:extLst>
               <a:ext uri="{FF2B5EF4-FFF2-40B4-BE49-F238E27FC236}">
-                <a16:creationId xmlns:a16="http://schemas.microsoft.com/office/drawing/2014/main" xmlns="" id="{DEE2F9E5-192C-4E88-9147-D263893B1842}"/>
+                <a16:creationId xmlns:a16="http://schemas.microsoft.com/office/drawing/2014/main" id="{DEE2F9E5-192C-4E88-9147-D263893B1842}"/>
               </a:ext>
             </a:extLst>
           </p:cNvPr>
@@ -2030,7 +2030,7 @@
           <a:p>
             <a:fld id="{9294036C-9E7C-4FFC-99FA-414B61E345DD}" type="datetimeFigureOut">
               <a:rPr lang="en-US" smtClean="0"/>
-              <a:t>12/9/2019</a:t>
+              <a:t>12/10/2019</a:t>
             </a:fld>
             <a:endParaRPr lang="en-US" dirty="0"/>
           </a:p>
@@ -2041,7 +2041,7 @@
           <p:cNvPr id="5" name="Footer Placeholder 4">
             <a:extLst>
               <a:ext uri="{FF2B5EF4-FFF2-40B4-BE49-F238E27FC236}">
-                <a16:creationId xmlns:a16="http://schemas.microsoft.com/office/drawing/2014/main" xmlns="" id="{794A7138-3EAF-4C9D-903E-55D9BC040272}"/>
+                <a16:creationId xmlns:a16="http://schemas.microsoft.com/office/drawing/2014/main" id="{794A7138-3EAF-4C9D-903E-55D9BC040272}"/>
               </a:ext>
             </a:extLst>
           </p:cNvPr>
@@ -2066,7 +2066,7 @@
           <p:cNvPr id="6" name="Slide Number Placeholder 5">
             <a:extLst>
               <a:ext uri="{FF2B5EF4-FFF2-40B4-BE49-F238E27FC236}">
-                <a16:creationId xmlns:a16="http://schemas.microsoft.com/office/drawing/2014/main" xmlns="" id="{F8DB0B82-496D-45C3-A682-7AF9AFFB9693}"/>
+                <a16:creationId xmlns:a16="http://schemas.microsoft.com/office/drawing/2014/main" id="{F8DB0B82-496D-45C3-A682-7AF9AFFB9693}"/>
               </a:ext>
             </a:extLst>
           </p:cNvPr>
@@ -2125,7 +2125,7 @@
           <p:cNvPr id="2" name="Title 1">
             <a:extLst>
               <a:ext uri="{FF2B5EF4-FFF2-40B4-BE49-F238E27FC236}">
-                <a16:creationId xmlns:a16="http://schemas.microsoft.com/office/drawing/2014/main" xmlns="" id="{C193DAD0-5F6F-47DA-A010-1C4A30C88AB4}"/>
+                <a16:creationId xmlns:a16="http://schemas.microsoft.com/office/drawing/2014/main" id="{C193DAD0-5F6F-47DA-A010-1C4A30C88AB4}"/>
               </a:ext>
             </a:extLst>
           </p:cNvPr>
@@ -2162,7 +2162,7 @@
           <p:cNvPr id="3" name="Text Placeholder 2">
             <a:extLst>
               <a:ext uri="{FF2B5EF4-FFF2-40B4-BE49-F238E27FC236}">
-                <a16:creationId xmlns:a16="http://schemas.microsoft.com/office/drawing/2014/main" xmlns="" id="{AC8EFA6E-A768-42A8-B2C3-F100D82609A2}"/>
+                <a16:creationId xmlns:a16="http://schemas.microsoft.com/office/drawing/2014/main" id="{AC8EFA6E-A768-42A8-B2C3-F100D82609A2}"/>
               </a:ext>
             </a:extLst>
           </p:cNvPr>
@@ -2287,7 +2287,7 @@
           <p:cNvPr id="4" name="Date Placeholder 3">
             <a:extLst>
               <a:ext uri="{FF2B5EF4-FFF2-40B4-BE49-F238E27FC236}">
-                <a16:creationId xmlns:a16="http://schemas.microsoft.com/office/drawing/2014/main" xmlns="" id="{A2F46640-E89E-47CE-984D-0C0ECF7CF529}"/>
+                <a16:creationId xmlns:a16="http://schemas.microsoft.com/office/drawing/2014/main" id="{A2F46640-E89E-47CE-984D-0C0ECF7CF529}"/>
               </a:ext>
             </a:extLst>
           </p:cNvPr>
@@ -2305,7 +2305,7 @@
           <a:p>
             <a:fld id="{9294036C-9E7C-4FFC-99FA-414B61E345DD}" type="datetimeFigureOut">
               <a:rPr lang="en-US" smtClean="0"/>
-              <a:t>12/9/2019</a:t>
+              <a:t>12/10/2019</a:t>
             </a:fld>
             <a:endParaRPr lang="en-US" dirty="0"/>
           </a:p>
@@ -2316,7 +2316,7 @@
           <p:cNvPr id="5" name="Footer Placeholder 4">
             <a:extLst>
               <a:ext uri="{FF2B5EF4-FFF2-40B4-BE49-F238E27FC236}">
-                <a16:creationId xmlns:a16="http://schemas.microsoft.com/office/drawing/2014/main" xmlns="" id="{F4177A8F-F167-4C43-AEE7-45067080142F}"/>
+                <a16:creationId xmlns:a16="http://schemas.microsoft.com/office/drawing/2014/main" id="{F4177A8F-F167-4C43-AEE7-45067080142F}"/>
               </a:ext>
             </a:extLst>
           </p:cNvPr>
@@ -2341,7 +2341,7 @@
           <p:cNvPr id="6" name="Slide Number Placeholder 5">
             <a:extLst>
               <a:ext uri="{FF2B5EF4-FFF2-40B4-BE49-F238E27FC236}">
-                <a16:creationId xmlns:a16="http://schemas.microsoft.com/office/drawing/2014/main" xmlns="" id="{EA1DA754-ED79-4909-833D-55BF9A5D80BB}"/>
+                <a16:creationId xmlns:a16="http://schemas.microsoft.com/office/drawing/2014/main" id="{EA1DA754-ED79-4909-833D-55BF9A5D80BB}"/>
               </a:ext>
             </a:extLst>
           </p:cNvPr>
@@ -2400,7 +2400,7 @@
           <p:cNvPr id="2" name="Title 1">
             <a:extLst>
               <a:ext uri="{FF2B5EF4-FFF2-40B4-BE49-F238E27FC236}">
-                <a16:creationId xmlns:a16="http://schemas.microsoft.com/office/drawing/2014/main" xmlns="" id="{BE9AA026-BFE6-4D2A-9ABF-C593B5666574}"/>
+                <a16:creationId xmlns:a16="http://schemas.microsoft.com/office/drawing/2014/main" id="{BE9AA026-BFE6-4D2A-9ABF-C593B5666574}"/>
               </a:ext>
             </a:extLst>
           </p:cNvPr>
@@ -2428,7 +2428,7 @@
           <p:cNvPr id="3" name="Content Placeholder 2">
             <a:extLst>
               <a:ext uri="{FF2B5EF4-FFF2-40B4-BE49-F238E27FC236}">
-                <a16:creationId xmlns:a16="http://schemas.microsoft.com/office/drawing/2014/main" xmlns="" id="{214747E8-A36B-4B4A-B2A4-B5283152AB22}"/>
+                <a16:creationId xmlns:a16="http://schemas.microsoft.com/office/drawing/2014/main" id="{214747E8-A36B-4B4A-B2A4-B5283152AB22}"/>
               </a:ext>
             </a:extLst>
           </p:cNvPr>
@@ -2490,7 +2490,7 @@
           <p:cNvPr id="4" name="Content Placeholder 3">
             <a:extLst>
               <a:ext uri="{FF2B5EF4-FFF2-40B4-BE49-F238E27FC236}">
-                <a16:creationId xmlns:a16="http://schemas.microsoft.com/office/drawing/2014/main" xmlns="" id="{D6C6B59D-87BD-4F32-B9BC-31F9B1A5D7AD}"/>
+                <a16:creationId xmlns:a16="http://schemas.microsoft.com/office/drawing/2014/main" id="{D6C6B59D-87BD-4F32-B9BC-31F9B1A5D7AD}"/>
               </a:ext>
             </a:extLst>
           </p:cNvPr>
@@ -2552,7 +2552,7 @@
           <p:cNvPr id="5" name="Date Placeholder 4">
             <a:extLst>
               <a:ext uri="{FF2B5EF4-FFF2-40B4-BE49-F238E27FC236}">
-                <a16:creationId xmlns:a16="http://schemas.microsoft.com/office/drawing/2014/main" xmlns="" id="{85C49B47-0C41-4DCC-9902-126916D9C448}"/>
+                <a16:creationId xmlns:a16="http://schemas.microsoft.com/office/drawing/2014/main" id="{85C49B47-0C41-4DCC-9902-126916D9C448}"/>
               </a:ext>
             </a:extLst>
           </p:cNvPr>
@@ -2570,7 +2570,7 @@
           <a:p>
             <a:fld id="{9294036C-9E7C-4FFC-99FA-414B61E345DD}" type="datetimeFigureOut">
               <a:rPr lang="en-US" smtClean="0"/>
-              <a:t>12/9/2019</a:t>
+              <a:t>12/10/2019</a:t>
             </a:fld>
             <a:endParaRPr lang="en-US" dirty="0"/>
           </a:p>
@@ -2581,7 +2581,7 @@
           <p:cNvPr id="6" name="Footer Placeholder 5">
             <a:extLst>
               <a:ext uri="{FF2B5EF4-FFF2-40B4-BE49-F238E27FC236}">
-                <a16:creationId xmlns:a16="http://schemas.microsoft.com/office/drawing/2014/main" xmlns="" id="{B7CD28B7-2F2D-4E80-A107-C1F266C63064}"/>
+                <a16:creationId xmlns:a16="http://schemas.microsoft.com/office/drawing/2014/main" id="{B7CD28B7-2F2D-4E80-A107-C1F266C63064}"/>
               </a:ext>
             </a:extLst>
           </p:cNvPr>
@@ -2606,7 +2606,7 @@
           <p:cNvPr id="7" name="Slide Number Placeholder 6">
             <a:extLst>
               <a:ext uri="{FF2B5EF4-FFF2-40B4-BE49-F238E27FC236}">
-                <a16:creationId xmlns:a16="http://schemas.microsoft.com/office/drawing/2014/main" xmlns="" id="{835D650A-4D0F-46AE-A132-267FCD921E82}"/>
+                <a16:creationId xmlns:a16="http://schemas.microsoft.com/office/drawing/2014/main" id="{835D650A-4D0F-46AE-A132-267FCD921E82}"/>
               </a:ext>
             </a:extLst>
           </p:cNvPr>
@@ -2665,7 +2665,7 @@
           <p:cNvPr id="2" name="Title 1">
             <a:extLst>
               <a:ext uri="{FF2B5EF4-FFF2-40B4-BE49-F238E27FC236}">
-                <a16:creationId xmlns:a16="http://schemas.microsoft.com/office/drawing/2014/main" xmlns="" id="{BD64C6F9-F6F6-4EA1-98AA-81B84F7CC05D}"/>
+                <a16:creationId xmlns:a16="http://schemas.microsoft.com/office/drawing/2014/main" id="{BD64C6F9-F6F6-4EA1-98AA-81B84F7CC05D}"/>
               </a:ext>
             </a:extLst>
           </p:cNvPr>
@@ -2698,7 +2698,7 @@
           <p:cNvPr id="3" name="Text Placeholder 2">
             <a:extLst>
               <a:ext uri="{FF2B5EF4-FFF2-40B4-BE49-F238E27FC236}">
-                <a16:creationId xmlns:a16="http://schemas.microsoft.com/office/drawing/2014/main" xmlns="" id="{31B8B83E-B37C-46C9-8284-D6EBA0033C90}"/>
+                <a16:creationId xmlns:a16="http://schemas.microsoft.com/office/drawing/2014/main" id="{31B8B83E-B37C-46C9-8284-D6EBA0033C90}"/>
               </a:ext>
             </a:extLst>
           </p:cNvPr>
@@ -2769,7 +2769,7 @@
           <p:cNvPr id="4" name="Content Placeholder 3">
             <a:extLst>
               <a:ext uri="{FF2B5EF4-FFF2-40B4-BE49-F238E27FC236}">
-                <a16:creationId xmlns:a16="http://schemas.microsoft.com/office/drawing/2014/main" xmlns="" id="{19A150B8-0288-44AC-9CE7-E7BD9FB32EF9}"/>
+                <a16:creationId xmlns:a16="http://schemas.microsoft.com/office/drawing/2014/main" id="{19A150B8-0288-44AC-9CE7-E7BD9FB32EF9}"/>
               </a:ext>
             </a:extLst>
           </p:cNvPr>
@@ -2831,7 +2831,7 @@
           <p:cNvPr id="5" name="Text Placeholder 4">
             <a:extLst>
               <a:ext uri="{FF2B5EF4-FFF2-40B4-BE49-F238E27FC236}">
-                <a16:creationId xmlns:a16="http://schemas.microsoft.com/office/drawing/2014/main" xmlns="" id="{DCF5DCAE-6027-49B9-A818-F45FADE27B27}"/>
+                <a16:creationId xmlns:a16="http://schemas.microsoft.com/office/drawing/2014/main" id="{DCF5DCAE-6027-49B9-A818-F45FADE27B27}"/>
               </a:ext>
             </a:extLst>
           </p:cNvPr>
@@ -2902,7 +2902,7 @@
           <p:cNvPr id="6" name="Content Placeholder 5">
             <a:extLst>
               <a:ext uri="{FF2B5EF4-FFF2-40B4-BE49-F238E27FC236}">
-                <a16:creationId xmlns:a16="http://schemas.microsoft.com/office/drawing/2014/main" xmlns="" id="{684FAE16-DBCB-4A42-BFFC-053F2D529ABA}"/>
+                <a16:creationId xmlns:a16="http://schemas.microsoft.com/office/drawing/2014/main" id="{684FAE16-DBCB-4A42-BFFC-053F2D529ABA}"/>
               </a:ext>
             </a:extLst>
           </p:cNvPr>
@@ -2964,7 +2964,7 @@
           <p:cNvPr id="7" name="Date Placeholder 6">
             <a:extLst>
               <a:ext uri="{FF2B5EF4-FFF2-40B4-BE49-F238E27FC236}">
-                <a16:creationId xmlns:a16="http://schemas.microsoft.com/office/drawing/2014/main" xmlns="" id="{46E8C038-E6A1-499D-9E24-FA5980421C81}"/>
+                <a16:creationId xmlns:a16="http://schemas.microsoft.com/office/drawing/2014/main" id="{46E8C038-E6A1-499D-9E24-FA5980421C81}"/>
               </a:ext>
             </a:extLst>
           </p:cNvPr>
@@ -2982,7 +2982,7 @@
           <a:p>
             <a:fld id="{9294036C-9E7C-4FFC-99FA-414B61E345DD}" type="datetimeFigureOut">
               <a:rPr lang="en-US" smtClean="0"/>
-              <a:t>12/9/2019</a:t>
+              <a:t>12/10/2019</a:t>
             </a:fld>
             <a:endParaRPr lang="en-US" dirty="0"/>
           </a:p>
@@ -2993,7 +2993,7 @@
           <p:cNvPr id="8" name="Footer Placeholder 7">
             <a:extLst>
               <a:ext uri="{FF2B5EF4-FFF2-40B4-BE49-F238E27FC236}">
-                <a16:creationId xmlns:a16="http://schemas.microsoft.com/office/drawing/2014/main" xmlns="" id="{F9F911B6-A759-487E-8CB6-CF9EF737F076}"/>
+                <a16:creationId xmlns:a16="http://schemas.microsoft.com/office/drawing/2014/main" id="{F9F911B6-A759-487E-8CB6-CF9EF737F076}"/>
               </a:ext>
             </a:extLst>
           </p:cNvPr>
@@ -3018,7 +3018,7 @@
           <p:cNvPr id="9" name="Slide Number Placeholder 8">
             <a:extLst>
               <a:ext uri="{FF2B5EF4-FFF2-40B4-BE49-F238E27FC236}">
-                <a16:creationId xmlns:a16="http://schemas.microsoft.com/office/drawing/2014/main" xmlns="" id="{EA906EC0-369D-4138-8D70-148CFDEE55EE}"/>
+                <a16:creationId xmlns:a16="http://schemas.microsoft.com/office/drawing/2014/main" id="{EA906EC0-369D-4138-8D70-148CFDEE55EE}"/>
               </a:ext>
             </a:extLst>
           </p:cNvPr>
@@ -3077,7 +3077,7 @@
           <p:cNvPr id="2" name="Title 1">
             <a:extLst>
               <a:ext uri="{FF2B5EF4-FFF2-40B4-BE49-F238E27FC236}">
-                <a16:creationId xmlns:a16="http://schemas.microsoft.com/office/drawing/2014/main" xmlns="" id="{88E02F8A-97AC-456C-B9E3-45A7D520C5DA}"/>
+                <a16:creationId xmlns:a16="http://schemas.microsoft.com/office/drawing/2014/main" id="{88E02F8A-97AC-456C-B9E3-45A7D520C5DA}"/>
               </a:ext>
             </a:extLst>
           </p:cNvPr>
@@ -3105,7 +3105,7 @@
           <p:cNvPr id="3" name="Date Placeholder 2">
             <a:extLst>
               <a:ext uri="{FF2B5EF4-FFF2-40B4-BE49-F238E27FC236}">
-                <a16:creationId xmlns:a16="http://schemas.microsoft.com/office/drawing/2014/main" xmlns="" id="{8340F483-F2B9-47A3-9B5C-8C264B7016BD}"/>
+                <a16:creationId xmlns:a16="http://schemas.microsoft.com/office/drawing/2014/main" id="{8340F483-F2B9-47A3-9B5C-8C264B7016BD}"/>
               </a:ext>
             </a:extLst>
           </p:cNvPr>
@@ -3123,7 +3123,7 @@
           <a:p>
             <a:fld id="{9294036C-9E7C-4FFC-99FA-414B61E345DD}" type="datetimeFigureOut">
               <a:rPr lang="en-US" smtClean="0"/>
-              <a:t>12/9/2019</a:t>
+              <a:t>12/10/2019</a:t>
             </a:fld>
             <a:endParaRPr lang="en-US" dirty="0"/>
           </a:p>
@@ -3134,7 +3134,7 @@
           <p:cNvPr id="4" name="Footer Placeholder 3">
             <a:extLst>
               <a:ext uri="{FF2B5EF4-FFF2-40B4-BE49-F238E27FC236}">
-                <a16:creationId xmlns:a16="http://schemas.microsoft.com/office/drawing/2014/main" xmlns="" id="{25849874-9D9B-4597-B20D-33D6F58BCA32}"/>
+                <a16:creationId xmlns:a16="http://schemas.microsoft.com/office/drawing/2014/main" id="{25849874-9D9B-4597-B20D-33D6F58BCA32}"/>
               </a:ext>
             </a:extLst>
           </p:cNvPr>
@@ -3159,7 +3159,7 @@
           <p:cNvPr id="5" name="Slide Number Placeholder 4">
             <a:extLst>
               <a:ext uri="{FF2B5EF4-FFF2-40B4-BE49-F238E27FC236}">
-                <a16:creationId xmlns:a16="http://schemas.microsoft.com/office/drawing/2014/main" xmlns="" id="{5B35894C-9062-435A-9758-82ED9C6D787E}"/>
+                <a16:creationId xmlns:a16="http://schemas.microsoft.com/office/drawing/2014/main" id="{5B35894C-9062-435A-9758-82ED9C6D787E}"/>
               </a:ext>
             </a:extLst>
           </p:cNvPr>
@@ -3218,7 +3218,7 @@
           <p:cNvPr id="2" name="Date Placeholder 1">
             <a:extLst>
               <a:ext uri="{FF2B5EF4-FFF2-40B4-BE49-F238E27FC236}">
-                <a16:creationId xmlns:a16="http://schemas.microsoft.com/office/drawing/2014/main" xmlns="" id="{96A3F6AD-4D61-4238-AB7D-613625BFF81F}"/>
+                <a16:creationId xmlns:a16="http://schemas.microsoft.com/office/drawing/2014/main" id="{96A3F6AD-4D61-4238-AB7D-613625BFF81F}"/>
               </a:ext>
             </a:extLst>
           </p:cNvPr>
@@ -3236,7 +3236,7 @@
           <a:p>
             <a:fld id="{9294036C-9E7C-4FFC-99FA-414B61E345DD}" type="datetimeFigureOut">
               <a:rPr lang="en-US" smtClean="0"/>
-              <a:t>12/9/2019</a:t>
+              <a:t>12/10/2019</a:t>
             </a:fld>
             <a:endParaRPr lang="en-US" dirty="0"/>
           </a:p>
@@ -3247,7 +3247,7 @@
           <p:cNvPr id="3" name="Footer Placeholder 2">
             <a:extLst>
               <a:ext uri="{FF2B5EF4-FFF2-40B4-BE49-F238E27FC236}">
-                <a16:creationId xmlns:a16="http://schemas.microsoft.com/office/drawing/2014/main" xmlns="" id="{D8AACDC9-944D-47C6-B286-82C86AD94318}"/>
+                <a16:creationId xmlns:a16="http://schemas.microsoft.com/office/drawing/2014/main" id="{D8AACDC9-944D-47C6-B286-82C86AD94318}"/>
               </a:ext>
             </a:extLst>
           </p:cNvPr>
@@ -3272,7 +3272,7 @@
           <p:cNvPr id="4" name="Slide Number Placeholder 3">
             <a:extLst>
               <a:ext uri="{FF2B5EF4-FFF2-40B4-BE49-F238E27FC236}">
-                <a16:creationId xmlns:a16="http://schemas.microsoft.com/office/drawing/2014/main" xmlns="" id="{E4EAAC43-3846-4080-B764-AB2DB308C58A}"/>
+                <a16:creationId xmlns:a16="http://schemas.microsoft.com/office/drawing/2014/main" id="{E4EAAC43-3846-4080-B764-AB2DB308C58A}"/>
               </a:ext>
             </a:extLst>
           </p:cNvPr>
@@ -3331,7 +3331,7 @@
           <p:cNvPr id="2" name="Title 1">
             <a:extLst>
               <a:ext uri="{FF2B5EF4-FFF2-40B4-BE49-F238E27FC236}">
-                <a16:creationId xmlns:a16="http://schemas.microsoft.com/office/drawing/2014/main" xmlns="" id="{C86F4779-0336-4AFA-B9A7-259EE8BEC151}"/>
+                <a16:creationId xmlns:a16="http://schemas.microsoft.com/office/drawing/2014/main" id="{C86F4779-0336-4AFA-B9A7-259EE8BEC151}"/>
               </a:ext>
             </a:extLst>
           </p:cNvPr>
@@ -3368,7 +3368,7 @@
           <p:cNvPr id="3" name="Content Placeholder 2">
             <a:extLst>
               <a:ext uri="{FF2B5EF4-FFF2-40B4-BE49-F238E27FC236}">
-                <a16:creationId xmlns:a16="http://schemas.microsoft.com/office/drawing/2014/main" xmlns="" id="{DB82F449-DDC3-4694-81E5-91A4B8F433ED}"/>
+                <a16:creationId xmlns:a16="http://schemas.microsoft.com/office/drawing/2014/main" id="{DB82F449-DDC3-4694-81E5-91A4B8F433ED}"/>
               </a:ext>
             </a:extLst>
           </p:cNvPr>
@@ -3458,7 +3458,7 @@
           <p:cNvPr id="4" name="Text Placeholder 3">
             <a:extLst>
               <a:ext uri="{FF2B5EF4-FFF2-40B4-BE49-F238E27FC236}">
-                <a16:creationId xmlns:a16="http://schemas.microsoft.com/office/drawing/2014/main" xmlns="" id="{CF00A2C4-3B2E-46AC-9605-73F5B2CC1F56}"/>
+                <a16:creationId xmlns:a16="http://schemas.microsoft.com/office/drawing/2014/main" id="{CF00A2C4-3B2E-46AC-9605-73F5B2CC1F56}"/>
               </a:ext>
             </a:extLst>
           </p:cNvPr>
@@ -3529,7 +3529,7 @@
           <p:cNvPr id="5" name="Date Placeholder 4">
             <a:extLst>
               <a:ext uri="{FF2B5EF4-FFF2-40B4-BE49-F238E27FC236}">
-                <a16:creationId xmlns:a16="http://schemas.microsoft.com/office/drawing/2014/main" xmlns="" id="{46909769-F5A5-4635-BD0C-D6049DEB9632}"/>
+                <a16:creationId xmlns:a16="http://schemas.microsoft.com/office/drawing/2014/main" id="{46909769-F5A5-4635-BD0C-D6049DEB9632}"/>
               </a:ext>
             </a:extLst>
           </p:cNvPr>
@@ -3547,7 +3547,7 @@
           <a:p>
             <a:fld id="{9294036C-9E7C-4FFC-99FA-414B61E345DD}" type="datetimeFigureOut">
               <a:rPr lang="en-US" smtClean="0"/>
-              <a:t>12/9/2019</a:t>
+              <a:t>12/10/2019</a:t>
             </a:fld>
             <a:endParaRPr lang="en-US" dirty="0"/>
           </a:p>
@@ -3558,7 +3558,7 @@
           <p:cNvPr id="6" name="Footer Placeholder 5">
             <a:extLst>
               <a:ext uri="{FF2B5EF4-FFF2-40B4-BE49-F238E27FC236}">
-                <a16:creationId xmlns:a16="http://schemas.microsoft.com/office/drawing/2014/main" xmlns="" id="{F9252DC3-D3D7-446F-A866-D7820B7BF876}"/>
+                <a16:creationId xmlns:a16="http://schemas.microsoft.com/office/drawing/2014/main" id="{F9252DC3-D3D7-446F-A866-D7820B7BF876}"/>
               </a:ext>
             </a:extLst>
           </p:cNvPr>
@@ -3583,7 +3583,7 @@
           <p:cNvPr id="7" name="Slide Number Placeholder 6">
             <a:extLst>
               <a:ext uri="{FF2B5EF4-FFF2-40B4-BE49-F238E27FC236}">
-                <a16:creationId xmlns:a16="http://schemas.microsoft.com/office/drawing/2014/main" xmlns="" id="{471CDB00-5218-4567-902B-845073BE8753}"/>
+                <a16:creationId xmlns:a16="http://schemas.microsoft.com/office/drawing/2014/main" id="{471CDB00-5218-4567-902B-845073BE8753}"/>
               </a:ext>
             </a:extLst>
           </p:cNvPr>
@@ -3642,7 +3642,7 @@
           <p:cNvPr id="2" name="Title 1">
             <a:extLst>
               <a:ext uri="{FF2B5EF4-FFF2-40B4-BE49-F238E27FC236}">
-                <a16:creationId xmlns:a16="http://schemas.microsoft.com/office/drawing/2014/main" xmlns="" id="{C8F661E4-9FF7-494B-A1C9-C9A1DD7052F7}"/>
+                <a16:creationId xmlns:a16="http://schemas.microsoft.com/office/drawing/2014/main" id="{C8F661E4-9FF7-494B-A1C9-C9A1DD7052F7}"/>
               </a:ext>
             </a:extLst>
           </p:cNvPr>
@@ -3679,7 +3679,7 @@
           <p:cNvPr id="3" name="Picture Placeholder 2">
             <a:extLst>
               <a:ext uri="{FF2B5EF4-FFF2-40B4-BE49-F238E27FC236}">
-                <a16:creationId xmlns:a16="http://schemas.microsoft.com/office/drawing/2014/main" xmlns="" id="{5D245657-DA21-4769-84F8-88DC644508E0}"/>
+                <a16:creationId xmlns:a16="http://schemas.microsoft.com/office/drawing/2014/main" id="{5D245657-DA21-4769-84F8-88DC644508E0}"/>
               </a:ext>
             </a:extLst>
           </p:cNvPr>
@@ -3750,7 +3750,7 @@
           <p:cNvPr id="4" name="Text Placeholder 3">
             <a:extLst>
               <a:ext uri="{FF2B5EF4-FFF2-40B4-BE49-F238E27FC236}">
-                <a16:creationId xmlns:a16="http://schemas.microsoft.com/office/drawing/2014/main" xmlns="" id="{A167B310-6692-4981-9CB8-FE79A091FF56}"/>
+                <a16:creationId xmlns:a16="http://schemas.microsoft.com/office/drawing/2014/main" id="{A167B310-6692-4981-9CB8-FE79A091FF56}"/>
               </a:ext>
             </a:extLst>
           </p:cNvPr>
@@ -3821,7 +3821,7 @@
           <p:cNvPr id="5" name="Date Placeholder 4">
             <a:extLst>
               <a:ext uri="{FF2B5EF4-FFF2-40B4-BE49-F238E27FC236}">
-                <a16:creationId xmlns:a16="http://schemas.microsoft.com/office/drawing/2014/main" xmlns="" id="{E7DA2C9E-A9AD-4BB9-A691-90BB84F58CE9}"/>
+                <a16:creationId xmlns:a16="http://schemas.microsoft.com/office/drawing/2014/main" id="{E7DA2C9E-A9AD-4BB9-A691-90BB84F58CE9}"/>
               </a:ext>
             </a:extLst>
           </p:cNvPr>
@@ -3839,7 +3839,7 @@
           <a:p>
             <a:fld id="{9294036C-9E7C-4FFC-99FA-414B61E345DD}" type="datetimeFigureOut">
               <a:rPr lang="en-US" smtClean="0"/>
-              <a:t>12/9/2019</a:t>
+              <a:t>12/10/2019</a:t>
             </a:fld>
             <a:endParaRPr lang="en-US" dirty="0"/>
           </a:p>
@@ -3850,7 +3850,7 @@
           <p:cNvPr id="6" name="Footer Placeholder 5">
             <a:extLst>
               <a:ext uri="{FF2B5EF4-FFF2-40B4-BE49-F238E27FC236}">
-                <a16:creationId xmlns:a16="http://schemas.microsoft.com/office/drawing/2014/main" xmlns="" id="{F4B3D45D-C826-4846-BBFC-A0D98B7E7A2C}"/>
+                <a16:creationId xmlns:a16="http://schemas.microsoft.com/office/drawing/2014/main" id="{F4B3D45D-C826-4846-BBFC-A0D98B7E7A2C}"/>
               </a:ext>
             </a:extLst>
           </p:cNvPr>
@@ -3875,7 +3875,7 @@
           <p:cNvPr id="7" name="Slide Number Placeholder 6">
             <a:extLst>
               <a:ext uri="{FF2B5EF4-FFF2-40B4-BE49-F238E27FC236}">
-                <a16:creationId xmlns:a16="http://schemas.microsoft.com/office/drawing/2014/main" xmlns="" id="{93516961-40DC-443E-9DB8-3A987DF499A9}"/>
+                <a16:creationId xmlns:a16="http://schemas.microsoft.com/office/drawing/2014/main" id="{93516961-40DC-443E-9DB8-3A987DF499A9}"/>
               </a:ext>
             </a:extLst>
           </p:cNvPr>
@@ -3939,7 +3939,7 @@
           <p:cNvPr id="2" name="Title Placeholder 1">
             <a:extLst>
               <a:ext uri="{FF2B5EF4-FFF2-40B4-BE49-F238E27FC236}">
-                <a16:creationId xmlns:a16="http://schemas.microsoft.com/office/drawing/2014/main" xmlns="" id="{CE341CFC-63B9-4A19-A8AB-62B9E452AE5E}"/>
+                <a16:creationId xmlns:a16="http://schemas.microsoft.com/office/drawing/2014/main" id="{CE341CFC-63B9-4A19-A8AB-62B9E452AE5E}"/>
               </a:ext>
             </a:extLst>
           </p:cNvPr>
@@ -3977,7 +3977,7 @@
           <p:cNvPr id="3" name="Text Placeholder 2">
             <a:extLst>
               <a:ext uri="{FF2B5EF4-FFF2-40B4-BE49-F238E27FC236}">
-                <a16:creationId xmlns:a16="http://schemas.microsoft.com/office/drawing/2014/main" xmlns="" id="{115A838B-134E-40B6-A7E3-1119BB8BF5BD}"/>
+                <a16:creationId xmlns:a16="http://schemas.microsoft.com/office/drawing/2014/main" id="{115A838B-134E-40B6-A7E3-1119BB8BF5BD}"/>
               </a:ext>
             </a:extLst>
           </p:cNvPr>
@@ -4044,7 +4044,7 @@
           <p:cNvPr id="4" name="Date Placeholder 3">
             <a:extLst>
               <a:ext uri="{FF2B5EF4-FFF2-40B4-BE49-F238E27FC236}">
-                <a16:creationId xmlns:a16="http://schemas.microsoft.com/office/drawing/2014/main" xmlns="" id="{3E8943BB-9EAD-4CBC-9CA2-75F70C6B5825}"/>
+                <a16:creationId xmlns:a16="http://schemas.microsoft.com/office/drawing/2014/main" id="{3E8943BB-9EAD-4CBC-9CA2-75F70C6B5825}"/>
               </a:ext>
             </a:extLst>
           </p:cNvPr>
@@ -4080,7 +4080,7 @@
           <a:p>
             <a:fld id="{9294036C-9E7C-4FFC-99FA-414B61E345DD}" type="datetimeFigureOut">
               <a:rPr lang="en-US" smtClean="0"/>
-              <a:t>12/9/2019</a:t>
+              <a:t>12/10/2019</a:t>
             </a:fld>
             <a:endParaRPr lang="en-US" dirty="0"/>
           </a:p>
@@ -4091,7 +4091,7 @@
           <p:cNvPr id="5" name="Footer Placeholder 4">
             <a:extLst>
               <a:ext uri="{FF2B5EF4-FFF2-40B4-BE49-F238E27FC236}">
-                <a16:creationId xmlns:a16="http://schemas.microsoft.com/office/drawing/2014/main" xmlns="" id="{F204E537-5CBA-4B86-9D30-577B9F741E8D}"/>
+                <a16:creationId xmlns:a16="http://schemas.microsoft.com/office/drawing/2014/main" id="{F204E537-5CBA-4B86-9D30-577B9F741E8D}"/>
               </a:ext>
             </a:extLst>
           </p:cNvPr>
@@ -4134,7 +4134,7 @@
           <p:cNvPr id="6" name="Slide Number Placeholder 5">
             <a:extLst>
               <a:ext uri="{FF2B5EF4-FFF2-40B4-BE49-F238E27FC236}">
-                <a16:creationId xmlns:a16="http://schemas.microsoft.com/office/drawing/2014/main" xmlns="" id="{66E79E72-0F12-4646-BCDF-4C9EAA89C268}"/>
+                <a16:creationId xmlns:a16="http://schemas.microsoft.com/office/drawing/2014/main" id="{66E79E72-0F12-4646-BCDF-4C9EAA89C268}"/>
               </a:ext>
             </a:extLst>
           </p:cNvPr>
@@ -4502,7 +4502,7 @@
           <p:cNvPr id="2" name="Group 1" descr="This image is an abstract decorative shape. ">
             <a:extLst>
               <a:ext uri="{FF2B5EF4-FFF2-40B4-BE49-F238E27FC236}">
-                <a16:creationId xmlns:a16="http://schemas.microsoft.com/office/drawing/2014/main" xmlns="" id="{8E504344-8563-476C-9EF9-4200B272FDC1}"/>
+                <a16:creationId xmlns:a16="http://schemas.microsoft.com/office/drawing/2014/main" id="{8E504344-8563-476C-9EF9-4200B272FDC1}"/>
               </a:ext>
             </a:extLst>
           </p:cNvPr>
@@ -4522,7 +4522,7 @@
             <p:cNvPr id="18" name="Freeform 10">
               <a:extLst>
                 <a:ext uri="{FF2B5EF4-FFF2-40B4-BE49-F238E27FC236}">
-                  <a16:creationId xmlns:a16="http://schemas.microsoft.com/office/drawing/2014/main" xmlns="" id="{73D22BE5-D5D5-4BF2-A935-5C4AB588B458}"/>
+                  <a16:creationId xmlns:a16="http://schemas.microsoft.com/office/drawing/2014/main" id="{73D22BE5-D5D5-4BF2-A935-5C4AB588B458}"/>
                 </a:ext>
               </a:extLst>
             </p:cNvPr>
@@ -4687,7 +4687,7 @@
             <p:cNvPr id="19" name="Freeform 11">
               <a:extLst>
                 <a:ext uri="{FF2B5EF4-FFF2-40B4-BE49-F238E27FC236}">
-                  <a16:creationId xmlns:a16="http://schemas.microsoft.com/office/drawing/2014/main" xmlns="" id="{C42C174B-303A-45F6-8FF1-93001A3AAFC1}"/>
+                  <a16:creationId xmlns:a16="http://schemas.microsoft.com/office/drawing/2014/main" id="{C42C174B-303A-45F6-8FF1-93001A3AAFC1}"/>
                 </a:ext>
               </a:extLst>
             </p:cNvPr>
@@ -4852,7 +4852,7 @@
             <p:cNvPr id="20" name="Freeform 12">
               <a:extLst>
                 <a:ext uri="{FF2B5EF4-FFF2-40B4-BE49-F238E27FC236}">
-                  <a16:creationId xmlns:a16="http://schemas.microsoft.com/office/drawing/2014/main" xmlns="" id="{22AA5A4F-A0EB-453F-A699-F817D4616C6F}"/>
+                  <a16:creationId xmlns:a16="http://schemas.microsoft.com/office/drawing/2014/main" id="{22AA5A4F-A0EB-453F-A699-F817D4616C6F}"/>
                 </a:ext>
               </a:extLst>
             </p:cNvPr>
@@ -5018,7 +5018,7 @@
           <p:cNvPr id="24" name="TextBox 23">
             <a:extLst>
               <a:ext uri="{FF2B5EF4-FFF2-40B4-BE49-F238E27FC236}">
-                <a16:creationId xmlns:a16="http://schemas.microsoft.com/office/drawing/2014/main" xmlns="" id="{C1165547-DF3A-4694-9097-2BDAF2003713}"/>
+                <a16:creationId xmlns:a16="http://schemas.microsoft.com/office/drawing/2014/main" id="{C1165547-DF3A-4694-9097-2BDAF2003713}"/>
               </a:ext>
             </a:extLst>
           </p:cNvPr>
@@ -5059,7 +5059,7 @@
           <p:cNvPr id="3" name="Title 2" hidden="1">
             <a:extLst>
               <a:ext uri="{FF2B5EF4-FFF2-40B4-BE49-F238E27FC236}">
-                <a16:creationId xmlns:a16="http://schemas.microsoft.com/office/drawing/2014/main" xmlns="" id="{016C325E-5B69-4D07-BBFB-7DB217A69D48}"/>
+                <a16:creationId xmlns:a16="http://schemas.microsoft.com/office/drawing/2014/main" id="{016C325E-5B69-4D07-BBFB-7DB217A69D48}"/>
               </a:ext>
             </a:extLst>
           </p:cNvPr>
@@ -5092,13 +5092,6 @@
   <p:clrMapOvr>
     <a:masterClrMapping/>
   </p:clrMapOvr>
-  <p:timing>
-    <p:tnLst>
-      <p:par>
-        <p:cTn id="1" dur="indefinite" restart="never" nodeType="tmRoot"/>
-      </p:par>
-    </p:tnLst>
-  </p:timing>
 </p:sld>
 </file>
 
@@ -5124,7 +5117,7 @@
           <p:cNvPr id="3" name="Rectangle 2">
             <a:extLst>
               <a:ext uri="{FF2B5EF4-FFF2-40B4-BE49-F238E27FC236}">
-                <a16:creationId xmlns:a16="http://schemas.microsoft.com/office/drawing/2014/main" xmlns="" id="{C12B5D39-FFB4-48DA-8278-FC3F12E94DD9}"/>
+                <a16:creationId xmlns:a16="http://schemas.microsoft.com/office/drawing/2014/main" id="{C12B5D39-FFB4-48DA-8278-FC3F12E94DD9}"/>
               </a:ext>
             </a:extLst>
           </p:cNvPr>
@@ -6433,7 +6426,7 @@
           <p:cNvPr id="29" name="Group 28" descr="This image is an illustration of a man with a beard. ">
             <a:extLst>
               <a:ext uri="{FF2B5EF4-FFF2-40B4-BE49-F238E27FC236}">
-                <a16:creationId xmlns:a16="http://schemas.microsoft.com/office/drawing/2014/main" xmlns="" id="{F32A5E08-DAB7-4688-9995-64BE90AA2F83}"/>
+                <a16:creationId xmlns:a16="http://schemas.microsoft.com/office/drawing/2014/main" id="{F32A5E08-DAB7-4688-9995-64BE90AA2F83}"/>
               </a:ext>
             </a:extLst>
           </p:cNvPr>
@@ -6453,7 +6446,7 @@
             <p:cNvPr id="25" name="Oval 24">
               <a:extLst>
                 <a:ext uri="{FF2B5EF4-FFF2-40B4-BE49-F238E27FC236}">
-                  <a16:creationId xmlns:a16="http://schemas.microsoft.com/office/drawing/2014/main" xmlns="" id="{EEAF1E36-1F6F-484C-9CA3-D7321F33C7EE}"/>
+                  <a16:creationId xmlns:a16="http://schemas.microsoft.com/office/drawing/2014/main" id="{EEAF1E36-1F6F-484C-9CA3-D7321F33C7EE}"/>
                 </a:ext>
               </a:extLst>
             </p:cNvPr>
@@ -6507,7 +6500,7 @@
             <p:cNvPr id="24" name="Group 23">
               <a:extLst>
                 <a:ext uri="{FF2B5EF4-FFF2-40B4-BE49-F238E27FC236}">
-                  <a16:creationId xmlns:a16="http://schemas.microsoft.com/office/drawing/2014/main" xmlns="" id="{182ED547-BB7E-4187-9E8C-EA8699D2D1A2}"/>
+                  <a16:creationId xmlns:a16="http://schemas.microsoft.com/office/drawing/2014/main" id="{182ED547-BB7E-4187-9E8C-EA8699D2D1A2}"/>
                 </a:ext>
               </a:extLst>
             </p:cNvPr>
@@ -6527,7 +6520,7 @@
               <p:cNvPr id="9" name="Freeform 5">
                 <a:extLst>
                   <a:ext uri="{FF2B5EF4-FFF2-40B4-BE49-F238E27FC236}">
-                    <a16:creationId xmlns:a16="http://schemas.microsoft.com/office/drawing/2014/main" xmlns="" id="{C8571C14-2F27-4E34-B686-6E2CDCF3BA1E}"/>
+                    <a16:creationId xmlns:a16="http://schemas.microsoft.com/office/drawing/2014/main" id="{C8571C14-2F27-4E34-B686-6E2CDCF3BA1E}"/>
                   </a:ext>
                 </a:extLst>
               </p:cNvPr>
@@ -6657,7 +6650,7 @@
               <p:cNvPr id="10" name="Freeform 6">
                 <a:extLst>
                   <a:ext uri="{FF2B5EF4-FFF2-40B4-BE49-F238E27FC236}">
-                    <a16:creationId xmlns:a16="http://schemas.microsoft.com/office/drawing/2014/main" xmlns="" id="{600A3A6C-7791-471C-A365-60A8E27824DF}"/>
+                    <a16:creationId xmlns:a16="http://schemas.microsoft.com/office/drawing/2014/main" id="{600A3A6C-7791-471C-A365-60A8E27824DF}"/>
                   </a:ext>
                 </a:extLst>
               </p:cNvPr>
@@ -6959,7 +6952,7 @@
               <p:cNvPr id="11" name="Freeform 7">
                 <a:extLst>
                   <a:ext uri="{FF2B5EF4-FFF2-40B4-BE49-F238E27FC236}">
-                    <a16:creationId xmlns:a16="http://schemas.microsoft.com/office/drawing/2014/main" xmlns="" id="{84D147E2-C5A1-44B2-801C-2CD2E345CE70}"/>
+                    <a16:creationId xmlns:a16="http://schemas.microsoft.com/office/drawing/2014/main" id="{84D147E2-C5A1-44B2-801C-2CD2E345CE70}"/>
                   </a:ext>
                 </a:extLst>
               </p:cNvPr>
@@ -7139,7 +7132,7 @@
               <p:cNvPr id="12" name="Freeform 8">
                 <a:extLst>
                   <a:ext uri="{FF2B5EF4-FFF2-40B4-BE49-F238E27FC236}">
-                    <a16:creationId xmlns:a16="http://schemas.microsoft.com/office/drawing/2014/main" xmlns="" id="{8C4DC2FE-B668-467A-B05D-874A8610D329}"/>
+                    <a16:creationId xmlns:a16="http://schemas.microsoft.com/office/drawing/2014/main" id="{8C4DC2FE-B668-467A-B05D-874A8610D329}"/>
                   </a:ext>
                 </a:extLst>
               </p:cNvPr>
@@ -7351,7 +7344,7 @@
               <p:cNvPr id="13" name="Freeform 9">
                 <a:extLst>
                   <a:ext uri="{FF2B5EF4-FFF2-40B4-BE49-F238E27FC236}">
-                    <a16:creationId xmlns:a16="http://schemas.microsoft.com/office/drawing/2014/main" xmlns="" id="{B5D4840E-C693-4B8E-86D8-E3E73CEB428A}"/>
+                    <a16:creationId xmlns:a16="http://schemas.microsoft.com/office/drawing/2014/main" id="{B5D4840E-C693-4B8E-86D8-E3E73CEB428A}"/>
                   </a:ext>
                 </a:extLst>
               </p:cNvPr>
@@ -7499,7 +7492,7 @@
               <p:cNvPr id="14" name="Freeform 10">
                 <a:extLst>
                   <a:ext uri="{FF2B5EF4-FFF2-40B4-BE49-F238E27FC236}">
-                    <a16:creationId xmlns:a16="http://schemas.microsoft.com/office/drawing/2014/main" xmlns="" id="{F1A3E269-0320-4431-A8DF-43BC01E3D9BC}"/>
+                    <a16:creationId xmlns:a16="http://schemas.microsoft.com/office/drawing/2014/main" id="{F1A3E269-0320-4431-A8DF-43BC01E3D9BC}"/>
                   </a:ext>
                 </a:extLst>
               </p:cNvPr>
@@ -7617,7 +7610,7 @@
               <p:cNvPr id="15" name="Freeform 11">
                 <a:extLst>
                   <a:ext uri="{FF2B5EF4-FFF2-40B4-BE49-F238E27FC236}">
-                    <a16:creationId xmlns:a16="http://schemas.microsoft.com/office/drawing/2014/main" xmlns="" id="{68F90B1C-A4BC-499A-A3A8-6F83BFC7C353}"/>
+                    <a16:creationId xmlns:a16="http://schemas.microsoft.com/office/drawing/2014/main" id="{68F90B1C-A4BC-499A-A3A8-6F83BFC7C353}"/>
                   </a:ext>
                 </a:extLst>
               </p:cNvPr>
@@ -7719,7 +7712,7 @@
               <p:cNvPr id="16" name="Freeform 12">
                 <a:extLst>
                   <a:ext uri="{FF2B5EF4-FFF2-40B4-BE49-F238E27FC236}">
-                    <a16:creationId xmlns:a16="http://schemas.microsoft.com/office/drawing/2014/main" xmlns="" id="{0870DA8A-4FAB-4AF9-8E9C-77B8A63093AF}"/>
+                    <a16:creationId xmlns:a16="http://schemas.microsoft.com/office/drawing/2014/main" id="{0870DA8A-4FAB-4AF9-8E9C-77B8A63093AF}"/>
                   </a:ext>
                 </a:extLst>
               </p:cNvPr>
@@ -7907,7 +7900,7 @@
               <p:cNvPr id="17" name="Freeform 13">
                 <a:extLst>
                   <a:ext uri="{FF2B5EF4-FFF2-40B4-BE49-F238E27FC236}">
-                    <a16:creationId xmlns:a16="http://schemas.microsoft.com/office/drawing/2014/main" xmlns="" id="{116FA9B5-4461-4B4F-9235-D02206F69BBD}"/>
+                    <a16:creationId xmlns:a16="http://schemas.microsoft.com/office/drawing/2014/main" id="{116FA9B5-4461-4B4F-9235-D02206F69BBD}"/>
                   </a:ext>
                 </a:extLst>
               </p:cNvPr>
@@ -8055,7 +8048,7 @@
               <p:cNvPr id="18" name="Freeform 14">
                 <a:extLst>
                   <a:ext uri="{FF2B5EF4-FFF2-40B4-BE49-F238E27FC236}">
-                    <a16:creationId xmlns:a16="http://schemas.microsoft.com/office/drawing/2014/main" xmlns="" id="{2BF4B088-9F78-4017-BB28-01D01B8E13EA}"/>
+                    <a16:creationId xmlns:a16="http://schemas.microsoft.com/office/drawing/2014/main" id="{2BF4B088-9F78-4017-BB28-01D01B8E13EA}"/>
                   </a:ext>
                 </a:extLst>
               </p:cNvPr>
@@ -8295,7 +8288,7 @@
               <p:cNvPr id="19" name="Freeform 15">
                 <a:extLst>
                   <a:ext uri="{FF2B5EF4-FFF2-40B4-BE49-F238E27FC236}">
-                    <a16:creationId xmlns:a16="http://schemas.microsoft.com/office/drawing/2014/main" xmlns="" id="{52C1A77F-D0D3-4856-91DD-AD841A991733}"/>
+                    <a16:creationId xmlns:a16="http://schemas.microsoft.com/office/drawing/2014/main" id="{52C1A77F-D0D3-4856-91DD-AD841A991733}"/>
                   </a:ext>
                 </a:extLst>
               </p:cNvPr>
@@ -8525,7 +8518,7 @@
               <p:cNvPr id="20" name="Freeform 16">
                 <a:extLst>
                   <a:ext uri="{FF2B5EF4-FFF2-40B4-BE49-F238E27FC236}">
-                    <a16:creationId xmlns:a16="http://schemas.microsoft.com/office/drawing/2014/main" xmlns="" id="{AF758C60-4BC8-48B0-853B-79E4FE11DEC0}"/>
+                    <a16:creationId xmlns:a16="http://schemas.microsoft.com/office/drawing/2014/main" id="{AF758C60-4BC8-48B0-853B-79E4FE11DEC0}"/>
                   </a:ext>
                 </a:extLst>
               </p:cNvPr>
@@ -8637,7 +8630,7 @@
               <p:cNvPr id="21" name="Freeform 17">
                 <a:extLst>
                   <a:ext uri="{FF2B5EF4-FFF2-40B4-BE49-F238E27FC236}">
-                    <a16:creationId xmlns:a16="http://schemas.microsoft.com/office/drawing/2014/main" xmlns="" id="{5402D44F-972F-4278-8406-D3E44C9F1E1C}"/>
+                    <a16:creationId xmlns:a16="http://schemas.microsoft.com/office/drawing/2014/main" id="{5402D44F-972F-4278-8406-D3E44C9F1E1C}"/>
                   </a:ext>
                 </a:extLst>
               </p:cNvPr>
@@ -8778,7 +8771,7 @@
             <p:cNvPr id="27" name="Oval 26">
               <a:extLst>
                 <a:ext uri="{FF2B5EF4-FFF2-40B4-BE49-F238E27FC236}">
-                  <a16:creationId xmlns:a16="http://schemas.microsoft.com/office/drawing/2014/main" xmlns="" id="{813F705E-7B0E-4989-B447-76E85BC850C4}"/>
+                  <a16:creationId xmlns:a16="http://schemas.microsoft.com/office/drawing/2014/main" id="{813F705E-7B0E-4989-B447-76E85BC850C4}"/>
                 </a:ext>
               </a:extLst>
             </p:cNvPr>
@@ -8832,7 +8825,7 @@
             <p:cNvPr id="28" name="Oval 27">
               <a:extLst>
                 <a:ext uri="{FF2B5EF4-FFF2-40B4-BE49-F238E27FC236}">
-                  <a16:creationId xmlns:a16="http://schemas.microsoft.com/office/drawing/2014/main" xmlns="" id="{1CA7247A-56C4-4D0D-A7EB-5B7C8EDC3148}"/>
+                  <a16:creationId xmlns:a16="http://schemas.microsoft.com/office/drawing/2014/main" id="{1CA7247A-56C4-4D0D-A7EB-5B7C8EDC3148}"/>
                 </a:ext>
               </a:extLst>
             </p:cNvPr>
@@ -8883,7 +8876,7 @@
             <p:cNvPr id="26" name="Diamond 25">
               <a:extLst>
                 <a:ext uri="{FF2B5EF4-FFF2-40B4-BE49-F238E27FC236}">
-                  <a16:creationId xmlns:a16="http://schemas.microsoft.com/office/drawing/2014/main" xmlns="" id="{EDADB6E4-A33D-42FA-AF99-6073BF0A1F07}"/>
+                  <a16:creationId xmlns:a16="http://schemas.microsoft.com/office/drawing/2014/main" id="{EDADB6E4-A33D-42FA-AF99-6073BF0A1F07}"/>
                 </a:ext>
               </a:extLst>
             </p:cNvPr>
@@ -8956,7 +8949,7 @@
             <p:cNvPr id="40" name="Diamond 39">
               <a:extLst>
                 <a:ext uri="{FF2B5EF4-FFF2-40B4-BE49-F238E27FC236}">
-                  <a16:creationId xmlns:a16="http://schemas.microsoft.com/office/drawing/2014/main" xmlns="" id="{02153CFD-6A73-4AE2-B9B2-267A2F60EC4E}"/>
+                  <a16:creationId xmlns:a16="http://schemas.microsoft.com/office/drawing/2014/main" id="{02153CFD-6A73-4AE2-B9B2-267A2F60EC4E}"/>
                 </a:ext>
               </a:extLst>
             </p:cNvPr>
@@ -9029,7 +9022,7 @@
             <p:cNvPr id="41" name="Diamond 40">
               <a:extLst>
                 <a:ext uri="{FF2B5EF4-FFF2-40B4-BE49-F238E27FC236}">
-                  <a16:creationId xmlns:a16="http://schemas.microsoft.com/office/drawing/2014/main" xmlns="" id="{7381A731-66EF-4CDC-94CA-BB0DA3E7292C}"/>
+                  <a16:creationId xmlns:a16="http://schemas.microsoft.com/office/drawing/2014/main" id="{7381A731-66EF-4CDC-94CA-BB0DA3E7292C}"/>
                 </a:ext>
               </a:extLst>
             </p:cNvPr>
@@ -9103,7 +9096,7 @@
           <p:cNvPr id="43" name="TextBox 42">
             <a:extLst>
               <a:ext uri="{FF2B5EF4-FFF2-40B4-BE49-F238E27FC236}">
-                <a16:creationId xmlns:a16="http://schemas.microsoft.com/office/drawing/2014/main" xmlns="" id="{7BF380F0-E581-41AD-B9B8-4693DE21F634}"/>
+                <a16:creationId xmlns:a16="http://schemas.microsoft.com/office/drawing/2014/main" id="{7BF380F0-E581-41AD-B9B8-4693DE21F634}"/>
               </a:ext>
             </a:extLst>
           </p:cNvPr>
@@ -9149,7 +9142,7 @@
           <p:cNvPr id="6" name="Title 5" hidden="1">
             <a:extLst>
               <a:ext uri="{FF2B5EF4-FFF2-40B4-BE49-F238E27FC236}">
-                <a16:creationId xmlns:a16="http://schemas.microsoft.com/office/drawing/2014/main" xmlns="" id="{5A790B0A-0491-4358-8078-EF85845DE09F}"/>
+                <a16:creationId xmlns:a16="http://schemas.microsoft.com/office/drawing/2014/main" id="{5A790B0A-0491-4358-8078-EF85845DE09F}"/>
               </a:ext>
             </a:extLst>
           </p:cNvPr>
@@ -9182,13 +9175,6 @@
   <p:clrMapOvr>
     <a:masterClrMapping/>
   </p:clrMapOvr>
-  <p:timing>
-    <p:tnLst>
-      <p:par>
-        <p:cTn id="1" dur="indefinite" restart="never" nodeType="tmRoot"/>
-      </p:par>
-    </p:tnLst>
-  </p:timing>
 </p:sld>
 </file>
 
@@ -9214,7 +9200,7 @@
           <p:cNvPr id="2" name="TextBox 1">
             <a:extLst>
               <a:ext uri="{FF2B5EF4-FFF2-40B4-BE49-F238E27FC236}">
-                <a16:creationId xmlns:a16="http://schemas.microsoft.com/office/drawing/2014/main" xmlns="" id="{D815E537-4AB4-4445-A3AC-40D738EDF3DC}"/>
+                <a16:creationId xmlns:a16="http://schemas.microsoft.com/office/drawing/2014/main" id="{D815E537-4AB4-4445-A3AC-40D738EDF3DC}"/>
               </a:ext>
             </a:extLst>
           </p:cNvPr>
@@ -9255,10 +9241,10 @@
           <p:cNvPr id="4" name="Straight Connector 3">
             <a:extLst>
               <a:ext uri="{FF2B5EF4-FFF2-40B4-BE49-F238E27FC236}">
-                <a16:creationId xmlns:a16="http://schemas.microsoft.com/office/drawing/2014/main" xmlns="" id="{B38D4B56-7D6C-4345-912F-B3BA9A014E8B}"/>
+                <a16:creationId xmlns:a16="http://schemas.microsoft.com/office/drawing/2014/main" id="{B38D4B56-7D6C-4345-912F-B3BA9A014E8B}"/>
               </a:ext>
               <a:ext uri="{C183D7F6-B498-43B3-948B-1728B52AA6E4}">
-                <adec:decorative xmlns:adec="http://schemas.microsoft.com/office/drawing/2017/decorative" xmlns="" val="1"/>
+                <adec:decorative xmlns:adec="http://schemas.microsoft.com/office/drawing/2017/decorative" val="1"/>
               </a:ext>
             </a:extLst>
           </p:cNvPr>
@@ -9301,7 +9287,7 @@
           <p:cNvPr id="21" name="Group 20">
             <a:extLst>
               <a:ext uri="{FF2B5EF4-FFF2-40B4-BE49-F238E27FC236}">
-                <a16:creationId xmlns:a16="http://schemas.microsoft.com/office/drawing/2014/main" xmlns="" id="{B111D787-E830-4638-97B3-205F0A0ABC3F}"/>
+                <a16:creationId xmlns:a16="http://schemas.microsoft.com/office/drawing/2014/main" id="{B111D787-E830-4638-97B3-205F0A0ABC3F}"/>
               </a:ext>
             </a:extLst>
           </p:cNvPr>
@@ -9321,7 +9307,7 @@
             <p:cNvPr id="6" name="Rectangle: Rounded Corners 5">
               <a:extLst>
                 <a:ext uri="{FF2B5EF4-FFF2-40B4-BE49-F238E27FC236}">
-                  <a16:creationId xmlns:a16="http://schemas.microsoft.com/office/drawing/2014/main" xmlns="" id="{6BFCD1AA-E1CA-41D6-8605-56AFEBE4EEE3}"/>
+                  <a16:creationId xmlns:a16="http://schemas.microsoft.com/office/drawing/2014/main" id="{6BFCD1AA-E1CA-41D6-8605-56AFEBE4EEE3}"/>
                 </a:ext>
               </a:extLst>
             </p:cNvPr>
@@ -9378,7 +9364,7 @@
             <p:cNvPr id="8" name="Rectangle 7">
               <a:extLst>
                 <a:ext uri="{FF2B5EF4-FFF2-40B4-BE49-F238E27FC236}">
-                  <a16:creationId xmlns:a16="http://schemas.microsoft.com/office/drawing/2014/main" xmlns="" id="{E9101D99-B002-4698-9C7E-C942B9AA2D39}"/>
+                  <a16:creationId xmlns:a16="http://schemas.microsoft.com/office/drawing/2014/main" id="{E9101D99-B002-4698-9C7E-C942B9AA2D39}"/>
                 </a:ext>
               </a:extLst>
             </p:cNvPr>
@@ -9911,10 +9897,10 @@
           <p:cNvPr id="22" name="Oval 21">
             <a:extLst>
               <a:ext uri="{FF2B5EF4-FFF2-40B4-BE49-F238E27FC236}">
-                <a16:creationId xmlns:a16="http://schemas.microsoft.com/office/drawing/2014/main" xmlns="" id="{E7D1D117-BC5C-430A-9FEB-B231E691511F}"/>
+                <a16:creationId xmlns:a16="http://schemas.microsoft.com/office/drawing/2014/main" id="{E7D1D117-BC5C-430A-9FEB-B231E691511F}"/>
               </a:ext>
               <a:ext uri="{C183D7F6-B498-43B3-948B-1728B52AA6E4}">
-                <adec:decorative xmlns:adec="http://schemas.microsoft.com/office/drawing/2017/decorative" xmlns="" val="1"/>
+                <adec:decorative xmlns:adec="http://schemas.microsoft.com/office/drawing/2017/decorative" val="1"/>
               </a:ext>
             </a:extLst>
           </p:cNvPr>
@@ -9969,10 +9955,10 @@
           <p:cNvPr id="23" name="Oval 22">
             <a:extLst>
               <a:ext uri="{FF2B5EF4-FFF2-40B4-BE49-F238E27FC236}">
-                <a16:creationId xmlns:a16="http://schemas.microsoft.com/office/drawing/2014/main" xmlns="" id="{2577E8EA-5E95-41C5-8BE8-EE647DE2613A}"/>
+                <a16:creationId xmlns:a16="http://schemas.microsoft.com/office/drawing/2014/main" id="{2577E8EA-5E95-41C5-8BE8-EE647DE2613A}"/>
               </a:ext>
               <a:ext uri="{C183D7F6-B498-43B3-948B-1728B52AA6E4}">
-                <adec:decorative xmlns:adec="http://schemas.microsoft.com/office/drawing/2017/decorative" xmlns="" val="1"/>
+                <adec:decorative xmlns:adec="http://schemas.microsoft.com/office/drawing/2017/decorative" val="1"/>
               </a:ext>
             </a:extLst>
           </p:cNvPr>
@@ -10027,7 +10013,7 @@
           <p:cNvPr id="62" name="Group 61" descr="This image is a woman's hand writing on a piece of paper. ">
             <a:extLst>
               <a:ext uri="{FF2B5EF4-FFF2-40B4-BE49-F238E27FC236}">
-                <a16:creationId xmlns:a16="http://schemas.microsoft.com/office/drawing/2014/main" xmlns="" id="{123C05C1-3914-48FB-B4B8-1388A2DB5ACE}"/>
+                <a16:creationId xmlns:a16="http://schemas.microsoft.com/office/drawing/2014/main" id="{123C05C1-3914-48FB-B4B8-1388A2DB5ACE}"/>
               </a:ext>
             </a:extLst>
           </p:cNvPr>
@@ -10047,7 +10033,7 @@
             <p:cNvPr id="45" name="Freeform 22">
               <a:extLst>
                 <a:ext uri="{FF2B5EF4-FFF2-40B4-BE49-F238E27FC236}">
-                  <a16:creationId xmlns:a16="http://schemas.microsoft.com/office/drawing/2014/main" xmlns="" id="{52C7242F-F484-4573-8387-13E2AE9DD93F}"/>
+                  <a16:creationId xmlns:a16="http://schemas.microsoft.com/office/drawing/2014/main" id="{52C7242F-F484-4573-8387-13E2AE9DD93F}"/>
                 </a:ext>
               </a:extLst>
             </p:cNvPr>
@@ -10206,7 +10192,7 @@
             <p:cNvPr id="46" name="Freeform 23">
               <a:extLst>
                 <a:ext uri="{FF2B5EF4-FFF2-40B4-BE49-F238E27FC236}">
-                  <a16:creationId xmlns:a16="http://schemas.microsoft.com/office/drawing/2014/main" xmlns="" id="{DFA1772D-1024-422A-B407-BE0F21E16E56}"/>
+                  <a16:creationId xmlns:a16="http://schemas.microsoft.com/office/drawing/2014/main" id="{DFA1772D-1024-422A-B407-BE0F21E16E56}"/>
                 </a:ext>
               </a:extLst>
             </p:cNvPr>
@@ -10298,7 +10284,7 @@
             <p:cNvPr id="47" name="Freeform 24">
               <a:extLst>
                 <a:ext uri="{FF2B5EF4-FFF2-40B4-BE49-F238E27FC236}">
-                  <a16:creationId xmlns:a16="http://schemas.microsoft.com/office/drawing/2014/main" xmlns="" id="{30CD4E41-332B-4C6B-9927-54698D5D0DF2}"/>
+                  <a16:creationId xmlns:a16="http://schemas.microsoft.com/office/drawing/2014/main" id="{30CD4E41-332B-4C6B-9927-54698D5D0DF2}"/>
                 </a:ext>
               </a:extLst>
             </p:cNvPr>
@@ -10390,7 +10376,7 @@
             <p:cNvPr id="48" name="Freeform 25">
               <a:extLst>
                 <a:ext uri="{FF2B5EF4-FFF2-40B4-BE49-F238E27FC236}">
-                  <a16:creationId xmlns:a16="http://schemas.microsoft.com/office/drawing/2014/main" xmlns="" id="{12DCF2D5-0997-409A-9DB7-B4DFF4C5BA0B}"/>
+                  <a16:creationId xmlns:a16="http://schemas.microsoft.com/office/drawing/2014/main" id="{12DCF2D5-0997-409A-9DB7-B4DFF4C5BA0B}"/>
                 </a:ext>
               </a:extLst>
             </p:cNvPr>
@@ -10494,7 +10480,7 @@
             <p:cNvPr id="49" name="Freeform 26">
               <a:extLst>
                 <a:ext uri="{FF2B5EF4-FFF2-40B4-BE49-F238E27FC236}">
-                  <a16:creationId xmlns:a16="http://schemas.microsoft.com/office/drawing/2014/main" xmlns="" id="{56FE8491-17D1-44D2-A059-D277D43E3DDA}"/>
+                  <a16:creationId xmlns:a16="http://schemas.microsoft.com/office/drawing/2014/main" id="{56FE8491-17D1-44D2-A059-D277D43E3DDA}"/>
                 </a:ext>
               </a:extLst>
             </p:cNvPr>
@@ -10624,7 +10610,7 @@
             <p:cNvPr id="50" name="Freeform 27">
               <a:extLst>
                 <a:ext uri="{FF2B5EF4-FFF2-40B4-BE49-F238E27FC236}">
-                  <a16:creationId xmlns:a16="http://schemas.microsoft.com/office/drawing/2014/main" xmlns="" id="{59AC079D-039E-4639-B27F-9908EF107DB5}"/>
+                  <a16:creationId xmlns:a16="http://schemas.microsoft.com/office/drawing/2014/main" id="{59AC079D-039E-4639-B27F-9908EF107DB5}"/>
                 </a:ext>
               </a:extLst>
             </p:cNvPr>
@@ -10744,7 +10730,7 @@
             <p:cNvPr id="51" name="Freeform 28">
               <a:extLst>
                 <a:ext uri="{FF2B5EF4-FFF2-40B4-BE49-F238E27FC236}">
-                  <a16:creationId xmlns:a16="http://schemas.microsoft.com/office/drawing/2014/main" xmlns="" id="{C95685F9-863C-488D-A6CE-3A519F21EA34}"/>
+                  <a16:creationId xmlns:a16="http://schemas.microsoft.com/office/drawing/2014/main" id="{C95685F9-863C-488D-A6CE-3A519F21EA34}"/>
                 </a:ext>
               </a:extLst>
             </p:cNvPr>
@@ -10836,7 +10822,7 @@
             <p:cNvPr id="60" name="Group 59">
               <a:extLst>
                 <a:ext uri="{FF2B5EF4-FFF2-40B4-BE49-F238E27FC236}">
-                  <a16:creationId xmlns:a16="http://schemas.microsoft.com/office/drawing/2014/main" xmlns="" id="{D88A045D-1D47-48A7-BD6D-329F30D7916F}"/>
+                  <a16:creationId xmlns:a16="http://schemas.microsoft.com/office/drawing/2014/main" id="{D88A045D-1D47-48A7-BD6D-329F30D7916F}"/>
                 </a:ext>
               </a:extLst>
             </p:cNvPr>
@@ -10867,7 +10853,7 @@
               <p:cNvPr id="52" name="Freeform 29">
                 <a:extLst>
                   <a:ext uri="{FF2B5EF4-FFF2-40B4-BE49-F238E27FC236}">
-                    <a16:creationId xmlns:a16="http://schemas.microsoft.com/office/drawing/2014/main" xmlns="" id="{8AC43BD2-6A27-4E0F-BAFD-FDAF479A012B}"/>
+                    <a16:creationId xmlns:a16="http://schemas.microsoft.com/office/drawing/2014/main" id="{8AC43BD2-6A27-4E0F-BAFD-FDAF479A012B}"/>
                   </a:ext>
                 </a:extLst>
               </p:cNvPr>
@@ -11127,7 +11113,7 @@
               <p:cNvPr id="53" name="Freeform 30">
                 <a:extLst>
                   <a:ext uri="{FF2B5EF4-FFF2-40B4-BE49-F238E27FC236}">
-                    <a16:creationId xmlns:a16="http://schemas.microsoft.com/office/drawing/2014/main" xmlns="" id="{ADA7EFA8-1700-4615-8891-221172E4BD3B}"/>
+                    <a16:creationId xmlns:a16="http://schemas.microsoft.com/office/drawing/2014/main" id="{ADA7EFA8-1700-4615-8891-221172E4BD3B}"/>
                   </a:ext>
                 </a:extLst>
               </p:cNvPr>
@@ -11398,7 +11384,7 @@
             <p:cNvPr id="54" name="Freeform 31">
               <a:extLst>
                 <a:ext uri="{FF2B5EF4-FFF2-40B4-BE49-F238E27FC236}">
-                  <a16:creationId xmlns:a16="http://schemas.microsoft.com/office/drawing/2014/main" xmlns="" id="{B6F47CAE-1A30-4CE3-B40D-9C8C433D52D4}"/>
+                  <a16:creationId xmlns:a16="http://schemas.microsoft.com/office/drawing/2014/main" id="{B6F47CAE-1A30-4CE3-B40D-9C8C433D52D4}"/>
                 </a:ext>
               </a:extLst>
             </p:cNvPr>
@@ -12371,7 +12357,7 @@
             <p:cNvPr id="55" name="Freeform 32">
               <a:extLst>
                 <a:ext uri="{FF2B5EF4-FFF2-40B4-BE49-F238E27FC236}">
-                  <a16:creationId xmlns:a16="http://schemas.microsoft.com/office/drawing/2014/main" xmlns="" id="{742FC6CF-44F1-407F-BEB2-8F383DCEC064}"/>
+                  <a16:creationId xmlns:a16="http://schemas.microsoft.com/office/drawing/2014/main" id="{742FC6CF-44F1-407F-BEB2-8F383DCEC064}"/>
                 </a:ext>
               </a:extLst>
             </p:cNvPr>
@@ -13213,7 +13199,7 @@
             <p:cNvPr id="56" name="Freeform 33">
               <a:extLst>
                 <a:ext uri="{FF2B5EF4-FFF2-40B4-BE49-F238E27FC236}">
-                  <a16:creationId xmlns:a16="http://schemas.microsoft.com/office/drawing/2014/main" xmlns="" id="{86469AEA-7511-41DC-A011-88DD81748329}"/>
+                  <a16:creationId xmlns:a16="http://schemas.microsoft.com/office/drawing/2014/main" id="{86469AEA-7511-41DC-A011-88DD81748329}"/>
                 </a:ext>
               </a:extLst>
             </p:cNvPr>
@@ -13305,7 +13291,7 @@
             <p:cNvPr id="57" name="Freeform 34">
               <a:extLst>
                 <a:ext uri="{FF2B5EF4-FFF2-40B4-BE49-F238E27FC236}">
-                  <a16:creationId xmlns:a16="http://schemas.microsoft.com/office/drawing/2014/main" xmlns="" id="{A828F27C-2D7F-4EC9-819B-5E25949089DA}"/>
+                  <a16:creationId xmlns:a16="http://schemas.microsoft.com/office/drawing/2014/main" id="{A828F27C-2D7F-4EC9-819B-5E25949089DA}"/>
                 </a:ext>
               </a:extLst>
             </p:cNvPr>
@@ -13513,7 +13499,7 @@
             <p:cNvPr id="58" name="Freeform 35">
               <a:extLst>
                 <a:ext uri="{FF2B5EF4-FFF2-40B4-BE49-F238E27FC236}">
-                  <a16:creationId xmlns:a16="http://schemas.microsoft.com/office/drawing/2014/main" xmlns="" id="{3CEFFA90-EB51-41A6-8D88-DC1FC480C0E4}"/>
+                  <a16:creationId xmlns:a16="http://schemas.microsoft.com/office/drawing/2014/main" id="{3CEFFA90-EB51-41A6-8D88-DC1FC480C0E4}"/>
                 </a:ext>
               </a:extLst>
             </p:cNvPr>
@@ -13691,7 +13677,7 @@
             <p:cNvPr id="67" name="Freeform: Shape 66">
               <a:extLst>
                 <a:ext uri="{FF2B5EF4-FFF2-40B4-BE49-F238E27FC236}">
-                  <a16:creationId xmlns:a16="http://schemas.microsoft.com/office/drawing/2014/main" xmlns="" id="{2ACAA286-8EC7-477A-B799-85B6B23E638D}"/>
+                  <a16:creationId xmlns:a16="http://schemas.microsoft.com/office/drawing/2014/main" id="{2ACAA286-8EC7-477A-B799-85B6B23E638D}"/>
                 </a:ext>
               </a:extLst>
             </p:cNvPr>
@@ -13808,7 +13794,7 @@
           <p:cNvPr id="15" name="Title 14" hidden="1">
             <a:extLst>
               <a:ext uri="{FF2B5EF4-FFF2-40B4-BE49-F238E27FC236}">
-                <a16:creationId xmlns:a16="http://schemas.microsoft.com/office/drawing/2014/main" xmlns="" id="{1B710331-53CB-4E4F-A9D3-D1E190EEAEE4}"/>
+                <a16:creationId xmlns:a16="http://schemas.microsoft.com/office/drawing/2014/main" id="{1B710331-53CB-4E4F-A9D3-D1E190EEAEE4}"/>
               </a:ext>
             </a:extLst>
           </p:cNvPr>
@@ -13841,13 +13827,6 @@
   <p:clrMapOvr>
     <a:masterClrMapping/>
   </p:clrMapOvr>
-  <p:timing>
-    <p:tnLst>
-      <p:par>
-        <p:cTn id="1" dur="indefinite" restart="never" nodeType="tmRoot"/>
-      </p:par>
-    </p:tnLst>
-  </p:timing>
 </p:sld>
 </file>
 
@@ -13873,10 +13852,10 @@
           <p:cNvPr id="106" name="Group 105">
             <a:extLst>
               <a:ext uri="{FF2B5EF4-FFF2-40B4-BE49-F238E27FC236}">
-                <a16:creationId xmlns:a16="http://schemas.microsoft.com/office/drawing/2014/main" xmlns="" id="{3638C06D-F644-4B33-8858-D880F038FAC3}"/>
+                <a16:creationId xmlns:a16="http://schemas.microsoft.com/office/drawing/2014/main" id="{3638C06D-F644-4B33-8858-D880F038FAC3}"/>
               </a:ext>
               <a:ext uri="{C183D7F6-B498-43B3-948B-1728B52AA6E4}">
-                <adec:decorative xmlns:adec="http://schemas.microsoft.com/office/drawing/2017/decorative" xmlns="" val="1"/>
+                <adec:decorative xmlns:adec="http://schemas.microsoft.com/office/drawing/2017/decorative" val="1"/>
               </a:ext>
             </a:extLst>
           </p:cNvPr>
@@ -13896,7 +13875,7 @@
             <p:cNvPr id="16" name="Freeform 15">
               <a:extLst>
                 <a:ext uri="{FF2B5EF4-FFF2-40B4-BE49-F238E27FC236}">
-                  <a16:creationId xmlns:a16="http://schemas.microsoft.com/office/drawing/2014/main" xmlns="" id="{F9F720D8-8BAF-4A0C-B2DC-8A1F1E0B265B}"/>
+                  <a16:creationId xmlns:a16="http://schemas.microsoft.com/office/drawing/2014/main" id="{F9F720D8-8BAF-4A0C-B2DC-8A1F1E0B265B}"/>
                 </a:ext>
               </a:extLst>
             </p:cNvPr>
@@ -14031,7 +14010,7 @@
             <p:cNvPr id="17" name="Freeform 16">
               <a:extLst>
                 <a:ext uri="{FF2B5EF4-FFF2-40B4-BE49-F238E27FC236}">
-                  <a16:creationId xmlns:a16="http://schemas.microsoft.com/office/drawing/2014/main" xmlns="" id="{BB8E7BA8-3BC1-4755-AE40-0C84D9216B78}"/>
+                  <a16:creationId xmlns:a16="http://schemas.microsoft.com/office/drawing/2014/main" id="{BB8E7BA8-3BC1-4755-AE40-0C84D9216B78}"/>
                 </a:ext>
               </a:extLst>
             </p:cNvPr>
@@ -14176,7 +14155,7 @@
             <p:cNvPr id="18" name="Freeform 17">
               <a:extLst>
                 <a:ext uri="{FF2B5EF4-FFF2-40B4-BE49-F238E27FC236}">
-                  <a16:creationId xmlns:a16="http://schemas.microsoft.com/office/drawing/2014/main" xmlns="" id="{C3B6EAAE-1C2D-46EB-A473-3B6078DC2541}"/>
+                  <a16:creationId xmlns:a16="http://schemas.microsoft.com/office/drawing/2014/main" id="{C3B6EAAE-1C2D-46EB-A473-3B6078DC2541}"/>
                 </a:ext>
               </a:extLst>
             </p:cNvPr>
@@ -14311,7 +14290,7 @@
             <p:cNvPr id="19" name="Freeform 18" descr="This image is an icon of three people interacting. ">
               <a:extLst>
                 <a:ext uri="{FF2B5EF4-FFF2-40B4-BE49-F238E27FC236}">
-                  <a16:creationId xmlns:a16="http://schemas.microsoft.com/office/drawing/2014/main" xmlns="" id="{7BF3ACC0-B381-45FC-900F-55F46E5E7EFD}"/>
+                  <a16:creationId xmlns:a16="http://schemas.microsoft.com/office/drawing/2014/main" id="{7BF3ACC0-B381-45FC-900F-55F46E5E7EFD}"/>
                 </a:ext>
               </a:extLst>
             </p:cNvPr>
@@ -14426,7 +14405,7 @@
             <p:cNvPr id="20" name="Freeform 19" descr="This image is an icon of three people and a symbol that represents connection to the internet.">
               <a:extLst>
                 <a:ext uri="{FF2B5EF4-FFF2-40B4-BE49-F238E27FC236}">
-                  <a16:creationId xmlns:a16="http://schemas.microsoft.com/office/drawing/2014/main" xmlns="" id="{9E41B0EC-DA27-4BF7-891C-FC6D7EF3CCFF}"/>
+                  <a16:creationId xmlns:a16="http://schemas.microsoft.com/office/drawing/2014/main" id="{9E41B0EC-DA27-4BF7-891C-FC6D7EF3CCFF}"/>
                 </a:ext>
               </a:extLst>
             </p:cNvPr>
@@ -14563,7 +14542,7 @@
             <p:cNvPr id="21" name="Freeform 20" descr="This image is an icon of three people and a globe.">
               <a:extLst>
                 <a:ext uri="{FF2B5EF4-FFF2-40B4-BE49-F238E27FC236}">
-                  <a16:creationId xmlns:a16="http://schemas.microsoft.com/office/drawing/2014/main" xmlns="" id="{BDEE62C1-79C7-4BD6-99A1-2466D37A5EB4}"/>
+                  <a16:creationId xmlns:a16="http://schemas.microsoft.com/office/drawing/2014/main" id="{BDEE62C1-79C7-4BD6-99A1-2466D37A5EB4}"/>
                 </a:ext>
               </a:extLst>
             </p:cNvPr>
@@ -14700,7 +14679,7 @@
             <p:cNvPr id="22" name="Freeform 21" descr="This image is an icon of four people interacting. ">
               <a:extLst>
                 <a:ext uri="{FF2B5EF4-FFF2-40B4-BE49-F238E27FC236}">
-                  <a16:creationId xmlns:a16="http://schemas.microsoft.com/office/drawing/2014/main" xmlns="" id="{C8436027-C518-481B-BDB7-763A96442B5F}"/>
+                  <a16:creationId xmlns:a16="http://schemas.microsoft.com/office/drawing/2014/main" id="{C8436027-C518-481B-BDB7-763A96442B5F}"/>
                 </a:ext>
               </a:extLst>
             </p:cNvPr>
@@ -15027,7 +15006,7 @@
             <p:cNvPr id="90" name="Group 89">
               <a:extLst>
                 <a:ext uri="{FF2B5EF4-FFF2-40B4-BE49-F238E27FC236}">
-                  <a16:creationId xmlns:a16="http://schemas.microsoft.com/office/drawing/2014/main" xmlns="" id="{732C0092-A5BE-4296-9B7E-73CA9D6A0C92}"/>
+                  <a16:creationId xmlns:a16="http://schemas.microsoft.com/office/drawing/2014/main" id="{732C0092-A5BE-4296-9B7E-73CA9D6A0C92}"/>
                 </a:ext>
               </a:extLst>
             </p:cNvPr>
@@ -15047,7 +15026,7 @@
               <p:cNvPr id="91" name="Oval 309">
                 <a:extLst>
                   <a:ext uri="{FF2B5EF4-FFF2-40B4-BE49-F238E27FC236}">
-                    <a16:creationId xmlns:a16="http://schemas.microsoft.com/office/drawing/2014/main" xmlns="" id="{322943C5-DF07-4D19-80BE-A092E8DCDBC1}"/>
+                    <a16:creationId xmlns:a16="http://schemas.microsoft.com/office/drawing/2014/main" id="{322943C5-DF07-4D19-80BE-A092E8DCDBC1}"/>
                   </a:ext>
                 </a:extLst>
               </p:cNvPr>
@@ -15101,7 +15080,7 @@
               <p:cNvPr id="92" name="Freeform 310">
                 <a:extLst>
                   <a:ext uri="{FF2B5EF4-FFF2-40B4-BE49-F238E27FC236}">
-                    <a16:creationId xmlns:a16="http://schemas.microsoft.com/office/drawing/2014/main" xmlns="" id="{AD6217C9-47FE-4784-97F3-BB1CEF6B0683}"/>
+                    <a16:creationId xmlns:a16="http://schemas.microsoft.com/office/drawing/2014/main" id="{AD6217C9-47FE-4784-97F3-BB1CEF6B0683}"/>
                   </a:ext>
                 </a:extLst>
               </p:cNvPr>
@@ -15204,7 +15183,7 @@
               <p:cNvPr id="93" name="Oval 311">
                 <a:extLst>
                   <a:ext uri="{FF2B5EF4-FFF2-40B4-BE49-F238E27FC236}">
-                    <a16:creationId xmlns:a16="http://schemas.microsoft.com/office/drawing/2014/main" xmlns="" id="{145614E0-2CF6-4018-A29C-347103CC19DE}"/>
+                    <a16:creationId xmlns:a16="http://schemas.microsoft.com/office/drawing/2014/main" id="{145614E0-2CF6-4018-A29C-347103CC19DE}"/>
                   </a:ext>
                 </a:extLst>
               </p:cNvPr>
@@ -15258,7 +15237,7 @@
               <p:cNvPr id="94" name="Freeform 312">
                 <a:extLst>
                   <a:ext uri="{FF2B5EF4-FFF2-40B4-BE49-F238E27FC236}">
-                    <a16:creationId xmlns:a16="http://schemas.microsoft.com/office/drawing/2014/main" xmlns="" id="{C15930DF-7C04-43B8-94F3-9A62A91A334C}"/>
+                    <a16:creationId xmlns:a16="http://schemas.microsoft.com/office/drawing/2014/main" id="{C15930DF-7C04-43B8-94F3-9A62A91A334C}"/>
                   </a:ext>
                 </a:extLst>
               </p:cNvPr>
@@ -15361,7 +15340,7 @@
               <p:cNvPr id="95" name="Oval 313">
                 <a:extLst>
                   <a:ext uri="{FF2B5EF4-FFF2-40B4-BE49-F238E27FC236}">
-                    <a16:creationId xmlns:a16="http://schemas.microsoft.com/office/drawing/2014/main" xmlns="" id="{C37FB908-4B07-487A-8AE5-2C93E1AF86B4}"/>
+                    <a16:creationId xmlns:a16="http://schemas.microsoft.com/office/drawing/2014/main" id="{C37FB908-4B07-487A-8AE5-2C93E1AF86B4}"/>
                   </a:ext>
                 </a:extLst>
               </p:cNvPr>
@@ -15415,7 +15394,7 @@
               <p:cNvPr id="96" name="Freeform 314">
                 <a:extLst>
                   <a:ext uri="{FF2B5EF4-FFF2-40B4-BE49-F238E27FC236}">
-                    <a16:creationId xmlns:a16="http://schemas.microsoft.com/office/drawing/2014/main" xmlns="" id="{B3C647A5-00EF-45D7-A795-5CC541EFF1F9}"/>
+                    <a16:creationId xmlns:a16="http://schemas.microsoft.com/office/drawing/2014/main" id="{B3C647A5-00EF-45D7-A795-5CC541EFF1F9}"/>
                   </a:ext>
                 </a:extLst>
               </p:cNvPr>
@@ -15518,7 +15497,7 @@
               <p:cNvPr id="97" name="Oval 315">
                 <a:extLst>
                   <a:ext uri="{FF2B5EF4-FFF2-40B4-BE49-F238E27FC236}">
-                    <a16:creationId xmlns:a16="http://schemas.microsoft.com/office/drawing/2014/main" xmlns="" id="{8E007759-5FF7-4D0A-A475-0EAD05E962C7}"/>
+                    <a16:creationId xmlns:a16="http://schemas.microsoft.com/office/drawing/2014/main" id="{8E007759-5FF7-4D0A-A475-0EAD05E962C7}"/>
                   </a:ext>
                 </a:extLst>
               </p:cNvPr>
@@ -15572,7 +15551,7 @@
               <p:cNvPr id="98" name="Freeform 316">
                 <a:extLst>
                   <a:ext uri="{FF2B5EF4-FFF2-40B4-BE49-F238E27FC236}">
-                    <a16:creationId xmlns:a16="http://schemas.microsoft.com/office/drawing/2014/main" xmlns="" id="{42BF9E91-C3D1-479E-A251-AD54A926B6D3}"/>
+                    <a16:creationId xmlns:a16="http://schemas.microsoft.com/office/drawing/2014/main" id="{42BF9E91-C3D1-479E-A251-AD54A926B6D3}"/>
                   </a:ext>
                 </a:extLst>
               </p:cNvPr>
@@ -15675,7 +15654,7 @@
               <p:cNvPr id="99" name="Oval 317">
                 <a:extLst>
                   <a:ext uri="{FF2B5EF4-FFF2-40B4-BE49-F238E27FC236}">
-                    <a16:creationId xmlns:a16="http://schemas.microsoft.com/office/drawing/2014/main" xmlns="" id="{FE52E745-A552-4F06-9535-C6C622D93F35}"/>
+                    <a16:creationId xmlns:a16="http://schemas.microsoft.com/office/drawing/2014/main" id="{FE52E745-A552-4F06-9535-C6C622D93F35}"/>
                   </a:ext>
                 </a:extLst>
               </p:cNvPr>
@@ -15729,7 +15708,7 @@
               <p:cNvPr id="100" name="Freeform 318">
                 <a:extLst>
                   <a:ext uri="{FF2B5EF4-FFF2-40B4-BE49-F238E27FC236}">
-                    <a16:creationId xmlns:a16="http://schemas.microsoft.com/office/drawing/2014/main" xmlns="" id="{A9F3F5BA-CD89-43EF-82A6-14201A89D8AC}"/>
+                    <a16:creationId xmlns:a16="http://schemas.microsoft.com/office/drawing/2014/main" id="{A9F3F5BA-CD89-43EF-82A6-14201A89D8AC}"/>
                   </a:ext>
                 </a:extLst>
               </p:cNvPr>
@@ -15832,7 +15811,7 @@
               <p:cNvPr id="101" name="Freeform 319">
                 <a:extLst>
                   <a:ext uri="{FF2B5EF4-FFF2-40B4-BE49-F238E27FC236}">
-                    <a16:creationId xmlns:a16="http://schemas.microsoft.com/office/drawing/2014/main" xmlns="" id="{0C1B8AEB-E335-4D8B-8846-5975E8B3D487}"/>
+                    <a16:creationId xmlns:a16="http://schemas.microsoft.com/office/drawing/2014/main" id="{0C1B8AEB-E335-4D8B-8846-5975E8B3D487}"/>
                   </a:ext>
                 </a:extLst>
               </p:cNvPr>
@@ -15928,7 +15907,7 @@
               <p:cNvPr id="102" name="Line 320">
                 <a:extLst>
                   <a:ext uri="{FF2B5EF4-FFF2-40B4-BE49-F238E27FC236}">
-                    <a16:creationId xmlns:a16="http://schemas.microsoft.com/office/drawing/2014/main" xmlns="" id="{625F2B4F-F75B-4093-862F-865FC16ABC82}"/>
+                    <a16:creationId xmlns:a16="http://schemas.microsoft.com/office/drawing/2014/main" id="{625F2B4F-F75B-4093-862F-865FC16ABC82}"/>
                   </a:ext>
                 </a:extLst>
               </p:cNvPr>
@@ -15981,7 +15960,7 @@
             <p:cNvPr id="73" name="Group 72">
               <a:extLst>
                 <a:ext uri="{FF2B5EF4-FFF2-40B4-BE49-F238E27FC236}">
-                  <a16:creationId xmlns:a16="http://schemas.microsoft.com/office/drawing/2014/main" xmlns="" id="{B1E38458-8F3E-4314-9FA8-DC2B0EBB7E33}"/>
+                  <a16:creationId xmlns:a16="http://schemas.microsoft.com/office/drawing/2014/main" id="{B1E38458-8F3E-4314-9FA8-DC2B0EBB7E33}"/>
                 </a:ext>
               </a:extLst>
             </p:cNvPr>
@@ -16001,7 +15980,7 @@
               <p:cNvPr id="75" name="Freeform 49">
                 <a:extLst>
                   <a:ext uri="{FF2B5EF4-FFF2-40B4-BE49-F238E27FC236}">
-                    <a16:creationId xmlns:a16="http://schemas.microsoft.com/office/drawing/2014/main" xmlns="" id="{52F6AE15-148B-4DD3-9B33-E89085198CA5}"/>
+                    <a16:creationId xmlns:a16="http://schemas.microsoft.com/office/drawing/2014/main" id="{52F6AE15-148B-4DD3-9B33-E89085198CA5}"/>
                   </a:ext>
                 </a:extLst>
               </p:cNvPr>
@@ -16123,7 +16102,7 @@
               <p:cNvPr id="76" name="Freeform 50">
                 <a:extLst>
                   <a:ext uri="{FF2B5EF4-FFF2-40B4-BE49-F238E27FC236}">
-                    <a16:creationId xmlns:a16="http://schemas.microsoft.com/office/drawing/2014/main" xmlns="" id="{B7DF1EA3-5709-492C-BABE-F390B608BAC1}"/>
+                    <a16:creationId xmlns:a16="http://schemas.microsoft.com/office/drawing/2014/main" id="{B7DF1EA3-5709-492C-BABE-F390B608BAC1}"/>
                   </a:ext>
                 </a:extLst>
               </p:cNvPr>
@@ -16245,7 +16224,7 @@
               <p:cNvPr id="77" name="Oval 51">
                 <a:extLst>
                   <a:ext uri="{FF2B5EF4-FFF2-40B4-BE49-F238E27FC236}">
-                    <a16:creationId xmlns:a16="http://schemas.microsoft.com/office/drawing/2014/main" xmlns="" id="{964C8E4A-6689-4008-A522-91B998379766}"/>
+                    <a16:creationId xmlns:a16="http://schemas.microsoft.com/office/drawing/2014/main" id="{964C8E4A-6689-4008-A522-91B998379766}"/>
                   </a:ext>
                 </a:extLst>
               </p:cNvPr>
@@ -16299,7 +16278,7 @@
               <p:cNvPr id="78" name="Freeform 52">
                 <a:extLst>
                   <a:ext uri="{FF2B5EF4-FFF2-40B4-BE49-F238E27FC236}">
-                    <a16:creationId xmlns:a16="http://schemas.microsoft.com/office/drawing/2014/main" xmlns="" id="{DA8DEA77-BD29-4118-B9AB-E053B3495E6E}"/>
+                    <a16:creationId xmlns:a16="http://schemas.microsoft.com/office/drawing/2014/main" id="{DA8DEA77-BD29-4118-B9AB-E053B3495E6E}"/>
                   </a:ext>
                 </a:extLst>
               </p:cNvPr>
@@ -16391,7 +16370,7 @@
               <p:cNvPr id="79" name="Freeform 53">
                 <a:extLst>
                   <a:ext uri="{FF2B5EF4-FFF2-40B4-BE49-F238E27FC236}">
-                    <a16:creationId xmlns:a16="http://schemas.microsoft.com/office/drawing/2014/main" xmlns="" id="{7758711F-A5C0-4C30-A3B1-91B546014B22}"/>
+                    <a16:creationId xmlns:a16="http://schemas.microsoft.com/office/drawing/2014/main" id="{7758711F-A5C0-4C30-A3B1-91B546014B22}"/>
                   </a:ext>
                 </a:extLst>
               </p:cNvPr>
@@ -16513,7 +16492,7 @@
               <p:cNvPr id="80" name="Freeform 54">
                 <a:extLst>
                   <a:ext uri="{FF2B5EF4-FFF2-40B4-BE49-F238E27FC236}">
-                    <a16:creationId xmlns:a16="http://schemas.microsoft.com/office/drawing/2014/main" xmlns="" id="{A575C4B8-CC49-4D59-BC4B-A13D8D97AF1D}"/>
+                    <a16:creationId xmlns:a16="http://schemas.microsoft.com/office/drawing/2014/main" id="{A575C4B8-CC49-4D59-BC4B-A13D8D97AF1D}"/>
                   </a:ext>
                 </a:extLst>
               </p:cNvPr>
@@ -16635,7 +16614,7 @@
               <p:cNvPr id="81" name="Oval 55">
                 <a:extLst>
                   <a:ext uri="{FF2B5EF4-FFF2-40B4-BE49-F238E27FC236}">
-                    <a16:creationId xmlns:a16="http://schemas.microsoft.com/office/drawing/2014/main" xmlns="" id="{EE9FF2CA-A0D9-41EF-8A6D-06571B57B1E9}"/>
+                    <a16:creationId xmlns:a16="http://schemas.microsoft.com/office/drawing/2014/main" id="{EE9FF2CA-A0D9-41EF-8A6D-06571B57B1E9}"/>
                   </a:ext>
                 </a:extLst>
               </p:cNvPr>
@@ -16689,7 +16668,7 @@
               <p:cNvPr id="82" name="Freeform 56">
                 <a:extLst>
                   <a:ext uri="{FF2B5EF4-FFF2-40B4-BE49-F238E27FC236}">
-                    <a16:creationId xmlns:a16="http://schemas.microsoft.com/office/drawing/2014/main" xmlns="" id="{74276568-12D5-4791-8AAE-E71301B357CA}"/>
+                    <a16:creationId xmlns:a16="http://schemas.microsoft.com/office/drawing/2014/main" id="{74276568-12D5-4791-8AAE-E71301B357CA}"/>
                   </a:ext>
                 </a:extLst>
               </p:cNvPr>
@@ -16781,7 +16760,7 @@
               <p:cNvPr id="83" name="Freeform 57">
                 <a:extLst>
                   <a:ext uri="{FF2B5EF4-FFF2-40B4-BE49-F238E27FC236}">
-                    <a16:creationId xmlns:a16="http://schemas.microsoft.com/office/drawing/2014/main" xmlns="" id="{36893D6E-C781-44C6-B4DB-BF8FDD3B4DB8}"/>
+                    <a16:creationId xmlns:a16="http://schemas.microsoft.com/office/drawing/2014/main" id="{36893D6E-C781-44C6-B4DB-BF8FDD3B4DB8}"/>
                   </a:ext>
                 </a:extLst>
               </p:cNvPr>
@@ -16903,7 +16882,7 @@
               <p:cNvPr id="84" name="Freeform 58">
                 <a:extLst>
                   <a:ext uri="{FF2B5EF4-FFF2-40B4-BE49-F238E27FC236}">
-                    <a16:creationId xmlns:a16="http://schemas.microsoft.com/office/drawing/2014/main" xmlns="" id="{E40B690B-BA0B-4EEC-A0CF-7DA3B2E43E8E}"/>
+                    <a16:creationId xmlns:a16="http://schemas.microsoft.com/office/drawing/2014/main" id="{E40B690B-BA0B-4EEC-A0CF-7DA3B2E43E8E}"/>
                   </a:ext>
                 </a:extLst>
               </p:cNvPr>
@@ -17025,7 +17004,7 @@
               <p:cNvPr id="85" name="Oval 59">
                 <a:extLst>
                   <a:ext uri="{FF2B5EF4-FFF2-40B4-BE49-F238E27FC236}">
-                    <a16:creationId xmlns:a16="http://schemas.microsoft.com/office/drawing/2014/main" xmlns="" id="{971E19C9-854B-41E7-A5D7-36AE58BA61FC}"/>
+                    <a16:creationId xmlns:a16="http://schemas.microsoft.com/office/drawing/2014/main" id="{971E19C9-854B-41E7-A5D7-36AE58BA61FC}"/>
                   </a:ext>
                 </a:extLst>
               </p:cNvPr>
@@ -17079,7 +17058,7 @@
               <p:cNvPr id="86" name="Freeform 60">
                 <a:extLst>
                   <a:ext uri="{FF2B5EF4-FFF2-40B4-BE49-F238E27FC236}">
-                    <a16:creationId xmlns:a16="http://schemas.microsoft.com/office/drawing/2014/main" xmlns="" id="{DE348461-111F-4014-A8A3-F56B07127374}"/>
+                    <a16:creationId xmlns:a16="http://schemas.microsoft.com/office/drawing/2014/main" id="{DE348461-111F-4014-A8A3-F56B07127374}"/>
                   </a:ext>
                 </a:extLst>
               </p:cNvPr>
@@ -17171,7 +17150,7 @@
               <p:cNvPr id="87" name="Line 61">
                 <a:extLst>
                   <a:ext uri="{FF2B5EF4-FFF2-40B4-BE49-F238E27FC236}">
-                    <a16:creationId xmlns:a16="http://schemas.microsoft.com/office/drawing/2014/main" xmlns="" id="{22CD114E-A6F0-4722-A4EE-4C318C1DC5BA}"/>
+                    <a16:creationId xmlns:a16="http://schemas.microsoft.com/office/drawing/2014/main" id="{22CD114E-A6F0-4722-A4EE-4C318C1DC5BA}"/>
                   </a:ext>
                 </a:extLst>
               </p:cNvPr>
@@ -17223,7 +17202,7 @@
               <p:cNvPr id="88" name="Line 62">
                 <a:extLst>
                   <a:ext uri="{FF2B5EF4-FFF2-40B4-BE49-F238E27FC236}">
-                    <a16:creationId xmlns:a16="http://schemas.microsoft.com/office/drawing/2014/main" xmlns="" id="{F7E3A019-70E0-420D-BBF5-DAE0B933DE1E}"/>
+                    <a16:creationId xmlns:a16="http://schemas.microsoft.com/office/drawing/2014/main" id="{F7E3A019-70E0-420D-BBF5-DAE0B933DE1E}"/>
                   </a:ext>
                 </a:extLst>
               </p:cNvPr>
@@ -17276,7 +17255,7 @@
             <p:cNvPr id="62" name="Group 61">
               <a:extLst>
                 <a:ext uri="{FF2B5EF4-FFF2-40B4-BE49-F238E27FC236}">
-                  <a16:creationId xmlns:a16="http://schemas.microsoft.com/office/drawing/2014/main" xmlns="" id="{18E10038-0AE7-4F94-99B0-CEA210C9535B}"/>
+                  <a16:creationId xmlns:a16="http://schemas.microsoft.com/office/drawing/2014/main" id="{18E10038-0AE7-4F94-99B0-CEA210C9535B}"/>
                 </a:ext>
               </a:extLst>
             </p:cNvPr>
@@ -17296,7 +17275,7 @@
               <p:cNvPr id="64" name="Oval 268">
                 <a:extLst>
                   <a:ext uri="{FF2B5EF4-FFF2-40B4-BE49-F238E27FC236}">
-                    <a16:creationId xmlns:a16="http://schemas.microsoft.com/office/drawing/2014/main" xmlns="" id="{F7A8EBC1-9006-4CB5-A698-1D1D62E0DBEA}"/>
+                    <a16:creationId xmlns:a16="http://schemas.microsoft.com/office/drawing/2014/main" id="{F7A8EBC1-9006-4CB5-A698-1D1D62E0DBEA}"/>
                   </a:ext>
                 </a:extLst>
               </p:cNvPr>
@@ -17350,7 +17329,7 @@
               <p:cNvPr id="65" name="Freeform 269">
                 <a:extLst>
                   <a:ext uri="{FF2B5EF4-FFF2-40B4-BE49-F238E27FC236}">
-                    <a16:creationId xmlns:a16="http://schemas.microsoft.com/office/drawing/2014/main" xmlns="" id="{0CBCD43D-AE92-41F5-9C2B-B4B3FE6FFC2B}"/>
+                    <a16:creationId xmlns:a16="http://schemas.microsoft.com/office/drawing/2014/main" id="{0CBCD43D-AE92-41F5-9C2B-B4B3FE6FFC2B}"/>
                   </a:ext>
                 </a:extLst>
               </p:cNvPr>
@@ -17452,7 +17431,7 @@
               <p:cNvPr id="66" name="Oval 270">
                 <a:extLst>
                   <a:ext uri="{FF2B5EF4-FFF2-40B4-BE49-F238E27FC236}">
-                    <a16:creationId xmlns:a16="http://schemas.microsoft.com/office/drawing/2014/main" xmlns="" id="{282262E1-7304-47F8-ADFC-CA07C9ADF544}"/>
+                    <a16:creationId xmlns:a16="http://schemas.microsoft.com/office/drawing/2014/main" id="{282262E1-7304-47F8-ADFC-CA07C9ADF544}"/>
                   </a:ext>
                 </a:extLst>
               </p:cNvPr>
@@ -17506,7 +17485,7 @@
               <p:cNvPr id="67" name="Freeform 271">
                 <a:extLst>
                   <a:ext uri="{FF2B5EF4-FFF2-40B4-BE49-F238E27FC236}">
-                    <a16:creationId xmlns:a16="http://schemas.microsoft.com/office/drawing/2014/main" xmlns="" id="{61422BB8-6120-4583-B04B-D675BF21968F}"/>
+                    <a16:creationId xmlns:a16="http://schemas.microsoft.com/office/drawing/2014/main" id="{61422BB8-6120-4583-B04B-D675BF21968F}"/>
                   </a:ext>
                 </a:extLst>
               </p:cNvPr>
@@ -17608,7 +17587,7 @@
               <p:cNvPr id="68" name="Oval 272">
                 <a:extLst>
                   <a:ext uri="{FF2B5EF4-FFF2-40B4-BE49-F238E27FC236}">
-                    <a16:creationId xmlns:a16="http://schemas.microsoft.com/office/drawing/2014/main" xmlns="" id="{921647A8-2EB5-4C08-8422-414742FE7757}"/>
+                    <a16:creationId xmlns:a16="http://schemas.microsoft.com/office/drawing/2014/main" id="{921647A8-2EB5-4C08-8422-414742FE7757}"/>
                   </a:ext>
                 </a:extLst>
               </p:cNvPr>
@@ -17662,7 +17641,7 @@
               <p:cNvPr id="69" name="Freeform 273">
                 <a:extLst>
                   <a:ext uri="{FF2B5EF4-FFF2-40B4-BE49-F238E27FC236}">
-                    <a16:creationId xmlns:a16="http://schemas.microsoft.com/office/drawing/2014/main" xmlns="" id="{453B206B-E6FA-440E-8267-6B4EF680427A}"/>
+                    <a16:creationId xmlns:a16="http://schemas.microsoft.com/office/drawing/2014/main" id="{453B206B-E6FA-440E-8267-6B4EF680427A}"/>
                   </a:ext>
                 </a:extLst>
               </p:cNvPr>
@@ -17754,7 +17733,7 @@
               <p:cNvPr id="70" name="Freeform 274">
                 <a:extLst>
                   <a:ext uri="{FF2B5EF4-FFF2-40B4-BE49-F238E27FC236}">
-                    <a16:creationId xmlns:a16="http://schemas.microsoft.com/office/drawing/2014/main" xmlns="" id="{41B368DF-58C1-48A8-8E16-E3B4645A1BD8}"/>
+                    <a16:creationId xmlns:a16="http://schemas.microsoft.com/office/drawing/2014/main" id="{41B368DF-58C1-48A8-8E16-E3B4645A1BD8}"/>
                   </a:ext>
                 </a:extLst>
               </p:cNvPr>
@@ -17846,7 +17825,7 @@
               <p:cNvPr id="71" name="Freeform 275">
                 <a:extLst>
                   <a:ext uri="{FF2B5EF4-FFF2-40B4-BE49-F238E27FC236}">
-                    <a16:creationId xmlns:a16="http://schemas.microsoft.com/office/drawing/2014/main" xmlns="" id="{75651205-4A53-463F-A685-DE5C8BC6BD7D}"/>
+                    <a16:creationId xmlns:a16="http://schemas.microsoft.com/office/drawing/2014/main" id="{75651205-4A53-463F-A685-DE5C8BC6BD7D}"/>
                   </a:ext>
                 </a:extLst>
               </p:cNvPr>
@@ -17938,7 +17917,7 @@
               <p:cNvPr id="72" name="Freeform 276">
                 <a:extLst>
                   <a:ext uri="{FF2B5EF4-FFF2-40B4-BE49-F238E27FC236}">
-                    <a16:creationId xmlns:a16="http://schemas.microsoft.com/office/drawing/2014/main" xmlns="" id="{83B67D48-AF94-4FED-959B-C51A15982CF5}"/>
+                    <a16:creationId xmlns:a16="http://schemas.microsoft.com/office/drawing/2014/main" id="{83B67D48-AF94-4FED-959B-C51A15982CF5}"/>
                   </a:ext>
                 </a:extLst>
               </p:cNvPr>
@@ -18042,7 +18021,7 @@
             <p:cNvPr id="50" name="Group 49">
               <a:extLst>
                 <a:ext uri="{FF2B5EF4-FFF2-40B4-BE49-F238E27FC236}">
-                  <a16:creationId xmlns:a16="http://schemas.microsoft.com/office/drawing/2014/main" xmlns="" id="{EF6CD563-9511-4250-BCB0-1FBFAAE1289C}"/>
+                  <a16:creationId xmlns:a16="http://schemas.microsoft.com/office/drawing/2014/main" id="{EF6CD563-9511-4250-BCB0-1FBFAAE1289C}"/>
                 </a:ext>
               </a:extLst>
             </p:cNvPr>
@@ -18062,7 +18041,7 @@
               <p:cNvPr id="52" name="Freeform 258">
                 <a:extLst>
                   <a:ext uri="{FF2B5EF4-FFF2-40B4-BE49-F238E27FC236}">
-                    <a16:creationId xmlns:a16="http://schemas.microsoft.com/office/drawing/2014/main" xmlns="" id="{7B269D94-9FED-4F93-A218-57CD14D4F9C1}"/>
+                    <a16:creationId xmlns:a16="http://schemas.microsoft.com/office/drawing/2014/main" id="{7B269D94-9FED-4F93-A218-57CD14D4F9C1}"/>
                   </a:ext>
                 </a:extLst>
               </p:cNvPr>
@@ -18185,7 +18164,7 @@
               <p:cNvPr id="53" name="Freeform 259">
                 <a:extLst>
                   <a:ext uri="{FF2B5EF4-FFF2-40B4-BE49-F238E27FC236}">
-                    <a16:creationId xmlns:a16="http://schemas.microsoft.com/office/drawing/2014/main" xmlns="" id="{435DD0CD-FD16-4760-9F43-618A517E32C1}"/>
+                    <a16:creationId xmlns:a16="http://schemas.microsoft.com/office/drawing/2014/main" id="{435DD0CD-FD16-4760-9F43-618A517E32C1}"/>
                   </a:ext>
                 </a:extLst>
               </p:cNvPr>
@@ -18267,7 +18246,7 @@
               <p:cNvPr id="54" name="Freeform 260">
                 <a:extLst>
                   <a:ext uri="{FF2B5EF4-FFF2-40B4-BE49-F238E27FC236}">
-                    <a16:creationId xmlns:a16="http://schemas.microsoft.com/office/drawing/2014/main" xmlns="" id="{11230DFA-75B1-4B65-BDFE-22109071454A}"/>
+                    <a16:creationId xmlns:a16="http://schemas.microsoft.com/office/drawing/2014/main" id="{11230DFA-75B1-4B65-BDFE-22109071454A}"/>
                   </a:ext>
                 </a:extLst>
               </p:cNvPr>
@@ -18349,7 +18328,7 @@
               <p:cNvPr id="55" name="Line 261">
                 <a:extLst>
                   <a:ext uri="{FF2B5EF4-FFF2-40B4-BE49-F238E27FC236}">
-                    <a16:creationId xmlns:a16="http://schemas.microsoft.com/office/drawing/2014/main" xmlns="" id="{54B6C7BB-BBA1-4668-9BF5-325AA69CEE65}"/>
+                    <a16:creationId xmlns:a16="http://schemas.microsoft.com/office/drawing/2014/main" id="{54B6C7BB-BBA1-4668-9BF5-325AA69CEE65}"/>
                   </a:ext>
                 </a:extLst>
               </p:cNvPr>
@@ -18401,7 +18380,7 @@
               <p:cNvPr id="56" name="Line 262">
                 <a:extLst>
                   <a:ext uri="{FF2B5EF4-FFF2-40B4-BE49-F238E27FC236}">
-                    <a16:creationId xmlns:a16="http://schemas.microsoft.com/office/drawing/2014/main" xmlns="" id="{6DC0A898-A566-45D7-BD7F-6205ED16E76E}"/>
+                    <a16:creationId xmlns:a16="http://schemas.microsoft.com/office/drawing/2014/main" id="{6DC0A898-A566-45D7-BD7F-6205ED16E76E}"/>
                   </a:ext>
                 </a:extLst>
               </p:cNvPr>
@@ -18453,7 +18432,7 @@
               <p:cNvPr id="57" name="Line 263">
                 <a:extLst>
                   <a:ext uri="{FF2B5EF4-FFF2-40B4-BE49-F238E27FC236}">
-                    <a16:creationId xmlns:a16="http://schemas.microsoft.com/office/drawing/2014/main" xmlns="" id="{E201D585-E178-408E-A42A-A9FD198C4747}"/>
+                    <a16:creationId xmlns:a16="http://schemas.microsoft.com/office/drawing/2014/main" id="{E201D585-E178-408E-A42A-A9FD198C4747}"/>
                   </a:ext>
                 </a:extLst>
               </p:cNvPr>
@@ -18505,7 +18484,7 @@
               <p:cNvPr id="58" name="Oval 264">
                 <a:extLst>
                   <a:ext uri="{FF2B5EF4-FFF2-40B4-BE49-F238E27FC236}">
-                    <a16:creationId xmlns:a16="http://schemas.microsoft.com/office/drawing/2014/main" xmlns="" id="{9C382A44-3942-4A8E-98A1-2685D9AAEEEE}"/>
+                    <a16:creationId xmlns:a16="http://schemas.microsoft.com/office/drawing/2014/main" id="{9C382A44-3942-4A8E-98A1-2685D9AAEEEE}"/>
                   </a:ext>
                 </a:extLst>
               </p:cNvPr>
@@ -18559,7 +18538,7 @@
               <p:cNvPr id="59" name="Oval 265">
                 <a:extLst>
                   <a:ext uri="{FF2B5EF4-FFF2-40B4-BE49-F238E27FC236}">
-                    <a16:creationId xmlns:a16="http://schemas.microsoft.com/office/drawing/2014/main" xmlns="" id="{052D3390-46BC-4B65-B5BE-0A40578F9E61}"/>
+                    <a16:creationId xmlns:a16="http://schemas.microsoft.com/office/drawing/2014/main" id="{052D3390-46BC-4B65-B5BE-0A40578F9E61}"/>
                   </a:ext>
                 </a:extLst>
               </p:cNvPr>
@@ -18613,7 +18592,7 @@
               <p:cNvPr id="60" name="Oval 266">
                 <a:extLst>
                   <a:ext uri="{FF2B5EF4-FFF2-40B4-BE49-F238E27FC236}">
-                    <a16:creationId xmlns:a16="http://schemas.microsoft.com/office/drawing/2014/main" xmlns="" id="{0279AB69-DF67-4836-8A04-8F550D181F6D}"/>
+                    <a16:creationId xmlns:a16="http://schemas.microsoft.com/office/drawing/2014/main" id="{0279AB69-DF67-4836-8A04-8F550D181F6D}"/>
                   </a:ext>
                 </a:extLst>
               </p:cNvPr>
@@ -18667,7 +18646,7 @@
               <p:cNvPr id="61" name="Freeform 267">
                 <a:extLst>
                   <a:ext uri="{FF2B5EF4-FFF2-40B4-BE49-F238E27FC236}">
-                    <a16:creationId xmlns:a16="http://schemas.microsoft.com/office/drawing/2014/main" xmlns="" id="{E1BFECCB-F108-4293-A159-3CFFB2E29A55}"/>
+                    <a16:creationId xmlns:a16="http://schemas.microsoft.com/office/drawing/2014/main" id="{E1BFECCB-F108-4293-A159-3CFFB2E29A55}"/>
                   </a:ext>
                 </a:extLst>
               </p:cNvPr>
@@ -18812,7 +18791,7 @@
           <p:cNvPr id="107" name="TextBox 106">
             <a:extLst>
               <a:ext uri="{FF2B5EF4-FFF2-40B4-BE49-F238E27FC236}">
-                <a16:creationId xmlns:a16="http://schemas.microsoft.com/office/drawing/2014/main" xmlns="" id="{54EA7ED5-6E34-4D47-91B6-F78F5F8B4C6E}"/>
+                <a16:creationId xmlns:a16="http://schemas.microsoft.com/office/drawing/2014/main" id="{54EA7ED5-6E34-4D47-91B6-F78F5F8B4C6E}"/>
               </a:ext>
             </a:extLst>
           </p:cNvPr>
@@ -18858,10 +18837,10 @@
           <p:cNvPr id="110" name="Straight Connector 109">
             <a:extLst>
               <a:ext uri="{FF2B5EF4-FFF2-40B4-BE49-F238E27FC236}">
-                <a16:creationId xmlns:a16="http://schemas.microsoft.com/office/drawing/2014/main" xmlns="" id="{6D08E99A-0644-4757-9F3A-BBA1A4F39081}"/>
+                <a16:creationId xmlns:a16="http://schemas.microsoft.com/office/drawing/2014/main" id="{6D08E99A-0644-4757-9F3A-BBA1A4F39081}"/>
               </a:ext>
               <a:ext uri="{C183D7F6-B498-43B3-948B-1728B52AA6E4}">
-                <adec:decorative xmlns:adec="http://schemas.microsoft.com/office/drawing/2017/decorative" xmlns="" val="1"/>
+                <adec:decorative xmlns:adec="http://schemas.microsoft.com/office/drawing/2017/decorative" val="1"/>
               </a:ext>
             </a:extLst>
           </p:cNvPr>
@@ -18904,10 +18883,10 @@
           <p:cNvPr id="118" name="Rectangle: Rounded Corners 117">
             <a:extLst>
               <a:ext uri="{FF2B5EF4-FFF2-40B4-BE49-F238E27FC236}">
-                <a16:creationId xmlns:a16="http://schemas.microsoft.com/office/drawing/2014/main" xmlns="" id="{A21B85DB-181D-46E7-A9DF-F92B1DF032FD}"/>
+                <a16:creationId xmlns:a16="http://schemas.microsoft.com/office/drawing/2014/main" id="{A21B85DB-181D-46E7-A9DF-F92B1DF032FD}"/>
               </a:ext>
               <a:ext uri="{C183D7F6-B498-43B3-948B-1728B52AA6E4}">
-                <adec:decorative xmlns:adec="http://schemas.microsoft.com/office/drawing/2017/decorative" xmlns="" val="1"/>
+                <adec:decorative xmlns:adec="http://schemas.microsoft.com/office/drawing/2017/decorative" val="1"/>
               </a:ext>
             </a:extLst>
           </p:cNvPr>
@@ -18964,10 +18943,10 @@
           <p:cNvPr id="124" name="Oval 123">
             <a:extLst>
               <a:ext uri="{FF2B5EF4-FFF2-40B4-BE49-F238E27FC236}">
-                <a16:creationId xmlns:a16="http://schemas.microsoft.com/office/drawing/2014/main" xmlns="" id="{0B8C9A86-3574-4A2E-BC62-481A2BE7FBED}"/>
+                <a16:creationId xmlns:a16="http://schemas.microsoft.com/office/drawing/2014/main" id="{0B8C9A86-3574-4A2E-BC62-481A2BE7FBED}"/>
               </a:ext>
               <a:ext uri="{C183D7F6-B498-43B3-948B-1728B52AA6E4}">
-                <adec:decorative xmlns:adec="http://schemas.microsoft.com/office/drawing/2017/decorative" xmlns="" val="1"/>
+                <adec:decorative xmlns:adec="http://schemas.microsoft.com/office/drawing/2017/decorative" val="1"/>
               </a:ext>
             </a:extLst>
           </p:cNvPr>
@@ -19022,7 +19001,7 @@
           <p:cNvPr id="174" name="Group 173">
             <a:extLst>
               <a:ext uri="{FF2B5EF4-FFF2-40B4-BE49-F238E27FC236}">
-                <a16:creationId xmlns:a16="http://schemas.microsoft.com/office/drawing/2014/main" xmlns="" id="{292DC2AF-B08E-43EC-A60D-B71EFEF8E4D1}"/>
+                <a16:creationId xmlns:a16="http://schemas.microsoft.com/office/drawing/2014/main" id="{292DC2AF-B08E-43EC-A60D-B71EFEF8E4D1}"/>
               </a:ext>
             </a:extLst>
           </p:cNvPr>
@@ -19042,7 +19021,7 @@
             <p:cNvPr id="176" name="Freeform 49">
               <a:extLst>
                 <a:ext uri="{FF2B5EF4-FFF2-40B4-BE49-F238E27FC236}">
-                  <a16:creationId xmlns:a16="http://schemas.microsoft.com/office/drawing/2014/main" xmlns="" id="{17CD577B-CBE6-4837-A90F-4F36762E5332}"/>
+                  <a16:creationId xmlns:a16="http://schemas.microsoft.com/office/drawing/2014/main" id="{17CD577B-CBE6-4837-A90F-4F36762E5332}"/>
                 </a:ext>
               </a:extLst>
             </p:cNvPr>
@@ -19168,7 +19147,7 @@
             <p:cNvPr id="177" name="Freeform 50">
               <a:extLst>
                 <a:ext uri="{FF2B5EF4-FFF2-40B4-BE49-F238E27FC236}">
-                  <a16:creationId xmlns:a16="http://schemas.microsoft.com/office/drawing/2014/main" xmlns="" id="{8BB81587-7777-4AE5-985D-5B14D33AD60C}"/>
+                  <a16:creationId xmlns:a16="http://schemas.microsoft.com/office/drawing/2014/main" id="{8BB81587-7777-4AE5-985D-5B14D33AD60C}"/>
                 </a:ext>
               </a:extLst>
             </p:cNvPr>
@@ -19294,7 +19273,7 @@
             <p:cNvPr id="178" name="Oval 51">
               <a:extLst>
                 <a:ext uri="{FF2B5EF4-FFF2-40B4-BE49-F238E27FC236}">
-                  <a16:creationId xmlns:a16="http://schemas.microsoft.com/office/drawing/2014/main" xmlns="" id="{49EA0197-339C-4417-A18C-DC15037A9717}"/>
+                  <a16:creationId xmlns:a16="http://schemas.microsoft.com/office/drawing/2014/main" id="{49EA0197-339C-4417-A18C-DC15037A9717}"/>
                 </a:ext>
               </a:extLst>
             </p:cNvPr>
@@ -19352,7 +19331,7 @@
             <p:cNvPr id="179" name="Freeform 52">
               <a:extLst>
                 <a:ext uri="{FF2B5EF4-FFF2-40B4-BE49-F238E27FC236}">
-                  <a16:creationId xmlns:a16="http://schemas.microsoft.com/office/drawing/2014/main" xmlns="" id="{203C108E-5283-4E7B-B970-0E4DF3AF3AEC}"/>
+                  <a16:creationId xmlns:a16="http://schemas.microsoft.com/office/drawing/2014/main" id="{203C108E-5283-4E7B-B970-0E4DF3AF3AEC}"/>
                 </a:ext>
               </a:extLst>
             </p:cNvPr>
@@ -19448,7 +19427,7 @@
             <p:cNvPr id="180" name="Freeform 53">
               <a:extLst>
                 <a:ext uri="{FF2B5EF4-FFF2-40B4-BE49-F238E27FC236}">
-                  <a16:creationId xmlns:a16="http://schemas.microsoft.com/office/drawing/2014/main" xmlns="" id="{4A82F405-C833-4408-A2F0-752E2D6C80A8}"/>
+                  <a16:creationId xmlns:a16="http://schemas.microsoft.com/office/drawing/2014/main" id="{4A82F405-C833-4408-A2F0-752E2D6C80A8}"/>
                 </a:ext>
               </a:extLst>
             </p:cNvPr>
@@ -19574,7 +19553,7 @@
             <p:cNvPr id="181" name="Freeform 54">
               <a:extLst>
                 <a:ext uri="{FF2B5EF4-FFF2-40B4-BE49-F238E27FC236}">
-                  <a16:creationId xmlns:a16="http://schemas.microsoft.com/office/drawing/2014/main" xmlns="" id="{895EA8D0-BBA4-4370-A965-F96A9EDD4249}"/>
+                  <a16:creationId xmlns:a16="http://schemas.microsoft.com/office/drawing/2014/main" id="{895EA8D0-BBA4-4370-A965-F96A9EDD4249}"/>
                 </a:ext>
               </a:extLst>
             </p:cNvPr>
@@ -19700,7 +19679,7 @@
             <p:cNvPr id="182" name="Oval 55">
               <a:extLst>
                 <a:ext uri="{FF2B5EF4-FFF2-40B4-BE49-F238E27FC236}">
-                  <a16:creationId xmlns:a16="http://schemas.microsoft.com/office/drawing/2014/main" xmlns="" id="{94D90E4F-09C7-44B0-9D11-E32A4A0208BC}"/>
+                  <a16:creationId xmlns:a16="http://schemas.microsoft.com/office/drawing/2014/main" id="{94D90E4F-09C7-44B0-9D11-E32A4A0208BC}"/>
                 </a:ext>
               </a:extLst>
             </p:cNvPr>
@@ -19758,7 +19737,7 @@
             <p:cNvPr id="183" name="Freeform 56">
               <a:extLst>
                 <a:ext uri="{FF2B5EF4-FFF2-40B4-BE49-F238E27FC236}">
-                  <a16:creationId xmlns:a16="http://schemas.microsoft.com/office/drawing/2014/main" xmlns="" id="{0D6D6DA1-3425-44CA-B1CB-B326D2C50D5D}"/>
+                  <a16:creationId xmlns:a16="http://schemas.microsoft.com/office/drawing/2014/main" id="{0D6D6DA1-3425-44CA-B1CB-B326D2C50D5D}"/>
                 </a:ext>
               </a:extLst>
             </p:cNvPr>
@@ -19854,7 +19833,7 @@
             <p:cNvPr id="184" name="Freeform 57">
               <a:extLst>
                 <a:ext uri="{FF2B5EF4-FFF2-40B4-BE49-F238E27FC236}">
-                  <a16:creationId xmlns:a16="http://schemas.microsoft.com/office/drawing/2014/main" xmlns="" id="{A25CE64B-B92A-4562-B048-0FA2A21CB7F4}"/>
+                  <a16:creationId xmlns:a16="http://schemas.microsoft.com/office/drawing/2014/main" id="{A25CE64B-B92A-4562-B048-0FA2A21CB7F4}"/>
                 </a:ext>
               </a:extLst>
             </p:cNvPr>
@@ -19980,7 +19959,7 @@
             <p:cNvPr id="185" name="Freeform 58">
               <a:extLst>
                 <a:ext uri="{FF2B5EF4-FFF2-40B4-BE49-F238E27FC236}">
-                  <a16:creationId xmlns:a16="http://schemas.microsoft.com/office/drawing/2014/main" xmlns="" id="{80861AE6-B038-4B8C-9EF0-109DEB591A97}"/>
+                  <a16:creationId xmlns:a16="http://schemas.microsoft.com/office/drawing/2014/main" id="{80861AE6-B038-4B8C-9EF0-109DEB591A97}"/>
                 </a:ext>
               </a:extLst>
             </p:cNvPr>
@@ -20106,7 +20085,7 @@
             <p:cNvPr id="186" name="Oval 59">
               <a:extLst>
                 <a:ext uri="{FF2B5EF4-FFF2-40B4-BE49-F238E27FC236}">
-                  <a16:creationId xmlns:a16="http://schemas.microsoft.com/office/drawing/2014/main" xmlns="" id="{2505D730-7819-4CDD-9F00-8E9CEC3DF49F}"/>
+                  <a16:creationId xmlns:a16="http://schemas.microsoft.com/office/drawing/2014/main" id="{2505D730-7819-4CDD-9F00-8E9CEC3DF49F}"/>
                 </a:ext>
               </a:extLst>
             </p:cNvPr>
@@ -20164,7 +20143,7 @@
             <p:cNvPr id="187" name="Freeform 60">
               <a:extLst>
                 <a:ext uri="{FF2B5EF4-FFF2-40B4-BE49-F238E27FC236}">
-                  <a16:creationId xmlns:a16="http://schemas.microsoft.com/office/drawing/2014/main" xmlns="" id="{88FBFC84-B4E6-4DDD-9DD0-1BB91EA0E022}"/>
+                  <a16:creationId xmlns:a16="http://schemas.microsoft.com/office/drawing/2014/main" id="{88FBFC84-B4E6-4DDD-9DD0-1BB91EA0E022}"/>
                 </a:ext>
               </a:extLst>
             </p:cNvPr>
@@ -20260,7 +20239,7 @@
             <p:cNvPr id="188" name="Line 61">
               <a:extLst>
                 <a:ext uri="{FF2B5EF4-FFF2-40B4-BE49-F238E27FC236}">
-                  <a16:creationId xmlns:a16="http://schemas.microsoft.com/office/drawing/2014/main" xmlns="" id="{9689C86A-B365-433F-B326-C60DC116B48F}"/>
+                  <a16:creationId xmlns:a16="http://schemas.microsoft.com/office/drawing/2014/main" id="{9689C86A-B365-433F-B326-C60DC116B48F}"/>
                 </a:ext>
               </a:extLst>
             </p:cNvPr>
@@ -20316,7 +20295,7 @@
             <p:cNvPr id="189" name="Line 62">
               <a:extLst>
                 <a:ext uri="{FF2B5EF4-FFF2-40B4-BE49-F238E27FC236}">
-                  <a16:creationId xmlns:a16="http://schemas.microsoft.com/office/drawing/2014/main" xmlns="" id="{ED368EF9-22A8-4990-9D2E-549C76157C0F}"/>
+                  <a16:creationId xmlns:a16="http://schemas.microsoft.com/office/drawing/2014/main" id="{ED368EF9-22A8-4990-9D2E-549C76157C0F}"/>
                 </a:ext>
               </a:extLst>
             </p:cNvPr>
@@ -20373,7 +20352,7 @@
           <p:cNvPr id="204" name="Group 203" descr="This image is an icon of three people with a symbol that indicates connection to the internet. ">
             <a:extLst>
               <a:ext uri="{FF2B5EF4-FFF2-40B4-BE49-F238E27FC236}">
-                <a16:creationId xmlns:a16="http://schemas.microsoft.com/office/drawing/2014/main" xmlns="" id="{BCE3CAEB-5C3F-4903-9D74-1EC0A2984EE9}"/>
+                <a16:creationId xmlns:a16="http://schemas.microsoft.com/office/drawing/2014/main" id="{BCE3CAEB-5C3F-4903-9D74-1EC0A2984EE9}"/>
               </a:ext>
             </a:extLst>
           </p:cNvPr>
@@ -20393,7 +20372,7 @@
             <p:cNvPr id="163" name="Group 162">
               <a:extLst>
                 <a:ext uri="{FF2B5EF4-FFF2-40B4-BE49-F238E27FC236}">
-                  <a16:creationId xmlns:a16="http://schemas.microsoft.com/office/drawing/2014/main" xmlns="" id="{E79FB62D-7154-40A3-BB31-9A0934208E2F}"/>
+                  <a16:creationId xmlns:a16="http://schemas.microsoft.com/office/drawing/2014/main" id="{E79FB62D-7154-40A3-BB31-9A0934208E2F}"/>
                 </a:ext>
               </a:extLst>
             </p:cNvPr>
@@ -20413,7 +20392,7 @@
               <p:cNvPr id="165" name="Oval 268">
                 <a:extLst>
                   <a:ext uri="{FF2B5EF4-FFF2-40B4-BE49-F238E27FC236}">
-                    <a16:creationId xmlns:a16="http://schemas.microsoft.com/office/drawing/2014/main" xmlns="" id="{BD72EF5D-EE26-4982-B3AB-9CF584441806}"/>
+                    <a16:creationId xmlns:a16="http://schemas.microsoft.com/office/drawing/2014/main" id="{BD72EF5D-EE26-4982-B3AB-9CF584441806}"/>
                   </a:ext>
                 </a:extLst>
               </p:cNvPr>
@@ -20471,7 +20450,7 @@
               <p:cNvPr id="166" name="Freeform 269">
                 <a:extLst>
                   <a:ext uri="{FF2B5EF4-FFF2-40B4-BE49-F238E27FC236}">
-                    <a16:creationId xmlns:a16="http://schemas.microsoft.com/office/drawing/2014/main" xmlns="" id="{D9F3CD5B-3BA2-4D51-A0BD-6E802941FDCF}"/>
+                    <a16:creationId xmlns:a16="http://schemas.microsoft.com/office/drawing/2014/main" id="{D9F3CD5B-3BA2-4D51-A0BD-6E802941FDCF}"/>
                   </a:ext>
                 </a:extLst>
               </p:cNvPr>
@@ -20577,7 +20556,7 @@
               <p:cNvPr id="167" name="Oval 270">
                 <a:extLst>
                   <a:ext uri="{FF2B5EF4-FFF2-40B4-BE49-F238E27FC236}">
-                    <a16:creationId xmlns:a16="http://schemas.microsoft.com/office/drawing/2014/main" xmlns="" id="{85B43E76-36A9-4667-852E-AD239EC04C43}"/>
+                    <a16:creationId xmlns:a16="http://schemas.microsoft.com/office/drawing/2014/main" id="{85B43E76-36A9-4667-852E-AD239EC04C43}"/>
                   </a:ext>
                 </a:extLst>
               </p:cNvPr>
@@ -20635,7 +20614,7 @@
               <p:cNvPr id="168" name="Freeform 271">
                 <a:extLst>
                   <a:ext uri="{FF2B5EF4-FFF2-40B4-BE49-F238E27FC236}">
-                    <a16:creationId xmlns:a16="http://schemas.microsoft.com/office/drawing/2014/main" xmlns="" id="{DFF4B198-89FE-47D5-B7B7-8C893ABCC5FF}"/>
+                    <a16:creationId xmlns:a16="http://schemas.microsoft.com/office/drawing/2014/main" id="{DFF4B198-89FE-47D5-B7B7-8C893ABCC5FF}"/>
                   </a:ext>
                 </a:extLst>
               </p:cNvPr>
@@ -20741,7 +20720,7 @@
               <p:cNvPr id="169" name="Oval 272">
                 <a:extLst>
                   <a:ext uri="{FF2B5EF4-FFF2-40B4-BE49-F238E27FC236}">
-                    <a16:creationId xmlns:a16="http://schemas.microsoft.com/office/drawing/2014/main" xmlns="" id="{CE8C1F83-6F38-4A0B-8E08-4398BEC1DDBB}"/>
+                    <a16:creationId xmlns:a16="http://schemas.microsoft.com/office/drawing/2014/main" id="{CE8C1F83-6F38-4A0B-8E08-4398BEC1DDBB}"/>
                   </a:ext>
                 </a:extLst>
               </p:cNvPr>
@@ -20799,7 +20778,7 @@
               <p:cNvPr id="170" name="Freeform 273">
                 <a:extLst>
                   <a:ext uri="{FF2B5EF4-FFF2-40B4-BE49-F238E27FC236}">
-                    <a16:creationId xmlns:a16="http://schemas.microsoft.com/office/drawing/2014/main" xmlns="" id="{F5C16A34-C88B-42FA-BC46-1C9471DB8B0A}"/>
+                    <a16:creationId xmlns:a16="http://schemas.microsoft.com/office/drawing/2014/main" id="{F5C16A34-C88B-42FA-BC46-1C9471DB8B0A}"/>
                   </a:ext>
                 </a:extLst>
               </p:cNvPr>
@@ -20895,7 +20874,7 @@
               <p:cNvPr id="171" name="Freeform 274">
                 <a:extLst>
                   <a:ext uri="{FF2B5EF4-FFF2-40B4-BE49-F238E27FC236}">
-                    <a16:creationId xmlns:a16="http://schemas.microsoft.com/office/drawing/2014/main" xmlns="" id="{1D976AB4-49AA-4482-B357-FA665EA7852A}"/>
+                    <a16:creationId xmlns:a16="http://schemas.microsoft.com/office/drawing/2014/main" id="{1D976AB4-49AA-4482-B357-FA665EA7852A}"/>
                   </a:ext>
                 </a:extLst>
               </p:cNvPr>
@@ -20991,7 +20970,7 @@
               <p:cNvPr id="172" name="Freeform 275">
                 <a:extLst>
                   <a:ext uri="{FF2B5EF4-FFF2-40B4-BE49-F238E27FC236}">
-                    <a16:creationId xmlns:a16="http://schemas.microsoft.com/office/drawing/2014/main" xmlns="" id="{40CDCACF-1136-47C8-A50F-2C6DCEFC7055}"/>
+                    <a16:creationId xmlns:a16="http://schemas.microsoft.com/office/drawing/2014/main" id="{40CDCACF-1136-47C8-A50F-2C6DCEFC7055}"/>
                   </a:ext>
                 </a:extLst>
               </p:cNvPr>
@@ -21087,7 +21066,7 @@
               <p:cNvPr id="173" name="Freeform 276">
                 <a:extLst>
                   <a:ext uri="{FF2B5EF4-FFF2-40B4-BE49-F238E27FC236}">
-                    <a16:creationId xmlns:a16="http://schemas.microsoft.com/office/drawing/2014/main" xmlns="" id="{E1D8459C-3776-4E84-AC6C-5275955B3DDE}"/>
+                    <a16:creationId xmlns:a16="http://schemas.microsoft.com/office/drawing/2014/main" id="{E1D8459C-3776-4E84-AC6C-5275955B3DDE}"/>
                   </a:ext>
                 </a:extLst>
               </p:cNvPr>
@@ -21195,7 +21174,7 @@
             <p:cNvPr id="164" name="Rectangle 163">
               <a:extLst>
                 <a:ext uri="{FF2B5EF4-FFF2-40B4-BE49-F238E27FC236}">
-                  <a16:creationId xmlns:a16="http://schemas.microsoft.com/office/drawing/2014/main" xmlns="" id="{3E886A0B-A097-4934-BAAA-53B791623B0B}"/>
+                  <a16:creationId xmlns:a16="http://schemas.microsoft.com/office/drawing/2014/main" id="{3E886A0B-A097-4934-BAAA-53B791623B0B}"/>
                 </a:ext>
               </a:extLst>
             </p:cNvPr>
@@ -21303,7 +21282,7 @@
           <p:cNvPr id="4" name="Title 3" hidden="1">
             <a:extLst>
               <a:ext uri="{FF2B5EF4-FFF2-40B4-BE49-F238E27FC236}">
-                <a16:creationId xmlns:a16="http://schemas.microsoft.com/office/drawing/2014/main" xmlns="" id="{2784E464-B64A-4614-9350-2C88DBD46AB5}"/>
+                <a16:creationId xmlns:a16="http://schemas.microsoft.com/office/drawing/2014/main" id="{2784E464-B64A-4614-9350-2C88DBD46AB5}"/>
               </a:ext>
             </a:extLst>
           </p:cNvPr>
@@ -21331,7 +21310,7 @@
           <p:cNvPr id="120" name="Rectangle 119">
             <a:extLst>
               <a:ext uri="{FF2B5EF4-FFF2-40B4-BE49-F238E27FC236}">
-                <a16:creationId xmlns:a16="http://schemas.microsoft.com/office/drawing/2014/main" xmlns="" id="{0E4E4C0E-7987-45C5-B869-7E1BE6743C21}"/>
+                <a16:creationId xmlns:a16="http://schemas.microsoft.com/office/drawing/2014/main" id="{0E4E4C0E-7987-45C5-B869-7E1BE6743C21}"/>
               </a:ext>
             </a:extLst>
           </p:cNvPr>
@@ -21518,7 +21497,7 @@
           <p:cNvPr id="103" name="Freeform 102" descr="This image is an icon of three people and a globe.">
             <a:extLst>
               <a:ext uri="{FF2B5EF4-FFF2-40B4-BE49-F238E27FC236}">
-                <a16:creationId xmlns:a16="http://schemas.microsoft.com/office/drawing/2014/main" xmlns="" id="{BDEE62C1-79C7-4BD6-99A1-2466D37A5EB4}"/>
+                <a16:creationId xmlns:a16="http://schemas.microsoft.com/office/drawing/2014/main" id="{BDEE62C1-79C7-4BD6-99A1-2466D37A5EB4}"/>
               </a:ext>
             </a:extLst>
           </p:cNvPr>
@@ -21655,7 +21634,7 @@
           <p:cNvPr id="104" name="Freeform 103" descr="This image is an icon of three people and a symbol that represents connection to the internet.">
             <a:extLst>
               <a:ext uri="{FF2B5EF4-FFF2-40B4-BE49-F238E27FC236}">
-                <a16:creationId xmlns:a16="http://schemas.microsoft.com/office/drawing/2014/main" xmlns="" id="{9E41B0EC-DA27-4BF7-891C-FC6D7EF3CCFF}"/>
+                <a16:creationId xmlns:a16="http://schemas.microsoft.com/office/drawing/2014/main" id="{9E41B0EC-DA27-4BF7-891C-FC6D7EF3CCFF}"/>
               </a:ext>
             </a:extLst>
           </p:cNvPr>
@@ -21792,7 +21771,7 @@
           <p:cNvPr id="105" name="Freeform 104" descr="This image is an icon of three people interacting. ">
             <a:extLst>
               <a:ext uri="{FF2B5EF4-FFF2-40B4-BE49-F238E27FC236}">
-                <a16:creationId xmlns:a16="http://schemas.microsoft.com/office/drawing/2014/main" xmlns="" id="{7BF3ACC0-B381-45FC-900F-55F46E5E7EFD}"/>
+                <a16:creationId xmlns:a16="http://schemas.microsoft.com/office/drawing/2014/main" id="{7BF3ACC0-B381-45FC-900F-55F46E5E7EFD}"/>
               </a:ext>
             </a:extLst>
           </p:cNvPr>
@@ -21907,7 +21886,7 @@
           <p:cNvPr id="108" name="Freeform 107" descr="This image is an icon of four people interacting. ">
             <a:extLst>
               <a:ext uri="{FF2B5EF4-FFF2-40B4-BE49-F238E27FC236}">
-                <a16:creationId xmlns:a16="http://schemas.microsoft.com/office/drawing/2014/main" xmlns="" id="{C8436027-C518-481B-BDB7-763A96442B5F}"/>
+                <a16:creationId xmlns:a16="http://schemas.microsoft.com/office/drawing/2014/main" id="{C8436027-C518-481B-BDB7-763A96442B5F}"/>
               </a:ext>
             </a:extLst>
           </p:cNvPr>
@@ -22239,13 +22218,6 @@
   <p:clrMapOvr>
     <a:masterClrMapping/>
   </p:clrMapOvr>
-  <p:timing>
-    <p:tnLst>
-      <p:par>
-        <p:cTn id="1" dur="indefinite" restart="never" nodeType="tmRoot"/>
-      </p:par>
-    </p:tnLst>
-  </p:timing>
 </p:sld>
 </file>
 
@@ -22271,7 +22243,7 @@
           <p:cNvPr id="52" name="Rectangle 51">
             <a:extLst>
               <a:ext uri="{FF2B5EF4-FFF2-40B4-BE49-F238E27FC236}">
-                <a16:creationId xmlns:a16="http://schemas.microsoft.com/office/drawing/2014/main" xmlns="" id="{46969EBC-E8D3-4914-9A82-8E88F816E77E}"/>
+                <a16:creationId xmlns:a16="http://schemas.microsoft.com/office/drawing/2014/main" id="{46969EBC-E8D3-4914-9A82-8E88F816E77E}"/>
               </a:ext>
             </a:extLst>
           </p:cNvPr>
@@ -22330,7 +22302,7 @@
           <p:cNvPr id="27" name="Group 26" descr="This image is of a man seen from the back. ">
             <a:extLst>
               <a:ext uri="{FF2B5EF4-FFF2-40B4-BE49-F238E27FC236}">
-                <a16:creationId xmlns:a16="http://schemas.microsoft.com/office/drawing/2014/main" xmlns="" id="{ABC2A172-1C05-4D6F-B5FB-5CEBE6B7E962}"/>
+                <a16:creationId xmlns:a16="http://schemas.microsoft.com/office/drawing/2014/main" id="{ABC2A172-1C05-4D6F-B5FB-5CEBE6B7E962}"/>
               </a:ext>
             </a:extLst>
           </p:cNvPr>
@@ -22350,7 +22322,7 @@
             <p:cNvPr id="5" name="Freeform 5">
               <a:extLst>
                 <a:ext uri="{FF2B5EF4-FFF2-40B4-BE49-F238E27FC236}">
-                  <a16:creationId xmlns:a16="http://schemas.microsoft.com/office/drawing/2014/main" xmlns="" id="{A113113D-0844-4CD7-B171-8F00F9D68757}"/>
+                  <a16:creationId xmlns:a16="http://schemas.microsoft.com/office/drawing/2014/main" id="{A113113D-0844-4CD7-B171-8F00F9D68757}"/>
                 </a:ext>
               </a:extLst>
             </p:cNvPr>
@@ -22542,7 +22514,7 @@
             <p:cNvPr id="4" name="AutoShape 3">
               <a:extLst>
                 <a:ext uri="{FF2B5EF4-FFF2-40B4-BE49-F238E27FC236}">
-                  <a16:creationId xmlns:a16="http://schemas.microsoft.com/office/drawing/2014/main" xmlns="" id="{CBAFF68D-D572-4371-A91E-AC6024B691FF}"/>
+                  <a16:creationId xmlns:a16="http://schemas.microsoft.com/office/drawing/2014/main" id="{CBAFF68D-D572-4371-A91E-AC6024B691FF}"/>
                 </a:ext>
               </a:extLst>
             </p:cNvPr>
@@ -22600,7 +22572,7 @@
             <p:cNvPr id="6" name="Freeform 6">
               <a:extLst>
                 <a:ext uri="{FF2B5EF4-FFF2-40B4-BE49-F238E27FC236}">
-                  <a16:creationId xmlns:a16="http://schemas.microsoft.com/office/drawing/2014/main" xmlns="" id="{48C4C649-8470-4879-B490-47F99A11E63F}"/>
+                  <a16:creationId xmlns:a16="http://schemas.microsoft.com/office/drawing/2014/main" id="{48C4C649-8470-4879-B490-47F99A11E63F}"/>
                 </a:ext>
               </a:extLst>
             </p:cNvPr>
@@ -22712,7 +22684,7 @@
             <p:cNvPr id="7" name="Freeform 7">
               <a:extLst>
                 <a:ext uri="{FF2B5EF4-FFF2-40B4-BE49-F238E27FC236}">
-                  <a16:creationId xmlns:a16="http://schemas.microsoft.com/office/drawing/2014/main" xmlns="" id="{A6D0BE20-D8F3-4E9A-9E7A-BC6FFF63D4D3}"/>
+                  <a16:creationId xmlns:a16="http://schemas.microsoft.com/office/drawing/2014/main" id="{A6D0BE20-D8F3-4E9A-9E7A-BC6FFF63D4D3}"/>
                 </a:ext>
               </a:extLst>
             </p:cNvPr>
@@ -22818,7 +22790,7 @@
             <p:cNvPr id="8" name="Freeform 8">
               <a:extLst>
                 <a:ext uri="{FF2B5EF4-FFF2-40B4-BE49-F238E27FC236}">
-                  <a16:creationId xmlns:a16="http://schemas.microsoft.com/office/drawing/2014/main" xmlns="" id="{91E2CD51-2ACF-4F68-863C-840F1804E8B5}"/>
+                  <a16:creationId xmlns:a16="http://schemas.microsoft.com/office/drawing/2014/main" id="{91E2CD51-2ACF-4F68-863C-840F1804E8B5}"/>
                 </a:ext>
               </a:extLst>
             </p:cNvPr>
@@ -23160,7 +23132,7 @@
             <p:cNvPr id="9" name="Freeform 9">
               <a:extLst>
                 <a:ext uri="{FF2B5EF4-FFF2-40B4-BE49-F238E27FC236}">
-                  <a16:creationId xmlns:a16="http://schemas.microsoft.com/office/drawing/2014/main" xmlns="" id="{319F10DD-B9D3-4B3A-8314-9802E27DC1C4}"/>
+                  <a16:creationId xmlns:a16="http://schemas.microsoft.com/office/drawing/2014/main" id="{319F10DD-B9D3-4B3A-8314-9802E27DC1C4}"/>
                 </a:ext>
               </a:extLst>
             </p:cNvPr>
@@ -23352,7 +23324,7 @@
             <p:cNvPr id="10" name="Freeform 10">
               <a:extLst>
                 <a:ext uri="{FF2B5EF4-FFF2-40B4-BE49-F238E27FC236}">
-                  <a16:creationId xmlns:a16="http://schemas.microsoft.com/office/drawing/2014/main" xmlns="" id="{5849D18F-42AB-4436-A00E-CCB48479C93C}"/>
+                  <a16:creationId xmlns:a16="http://schemas.microsoft.com/office/drawing/2014/main" id="{5849D18F-42AB-4436-A00E-CCB48479C93C}"/>
                 </a:ext>
               </a:extLst>
             </p:cNvPr>
@@ -23487,7 +23459,7 @@
             <p:cNvPr id="22" name="Freeform: Shape 21">
               <a:extLst>
                 <a:ext uri="{FF2B5EF4-FFF2-40B4-BE49-F238E27FC236}">
-                  <a16:creationId xmlns:a16="http://schemas.microsoft.com/office/drawing/2014/main" xmlns="" id="{D1D8B039-3C85-439E-9B4E-0AE3B0227E37}"/>
+                  <a16:creationId xmlns:a16="http://schemas.microsoft.com/office/drawing/2014/main" id="{D1D8B039-3C85-439E-9B4E-0AE3B0227E37}"/>
                 </a:ext>
               </a:extLst>
             </p:cNvPr>
@@ -23604,7 +23576,7 @@
             <p:cNvPr id="11" name="Freeform 11">
               <a:extLst>
                 <a:ext uri="{FF2B5EF4-FFF2-40B4-BE49-F238E27FC236}">
-                  <a16:creationId xmlns:a16="http://schemas.microsoft.com/office/drawing/2014/main" xmlns="" id="{9C6C3AB2-1F41-4F9F-A40A-34C6948A2EEB}"/>
+                  <a16:creationId xmlns:a16="http://schemas.microsoft.com/office/drawing/2014/main" id="{9C6C3AB2-1F41-4F9F-A40A-34C6948A2EEB}"/>
                 </a:ext>
               </a:extLst>
             </p:cNvPr>
@@ -23726,7 +23698,7 @@
             <p:cNvPr id="12" name="Freeform 12">
               <a:extLst>
                 <a:ext uri="{FF2B5EF4-FFF2-40B4-BE49-F238E27FC236}">
-                  <a16:creationId xmlns:a16="http://schemas.microsoft.com/office/drawing/2014/main" xmlns="" id="{53D9C9B8-8241-4452-98F4-6F4696E0228C}"/>
+                  <a16:creationId xmlns:a16="http://schemas.microsoft.com/office/drawing/2014/main" id="{53D9C9B8-8241-4452-98F4-6F4696E0228C}"/>
                 </a:ext>
               </a:extLst>
             </p:cNvPr>
@@ -24128,7 +24100,7 @@
             <p:cNvPr id="13" name="Freeform 13">
               <a:extLst>
                 <a:ext uri="{FF2B5EF4-FFF2-40B4-BE49-F238E27FC236}">
-                  <a16:creationId xmlns:a16="http://schemas.microsoft.com/office/drawing/2014/main" xmlns="" id="{104737AB-59A7-4247-842C-6F97799DA28F}"/>
+                  <a16:creationId xmlns:a16="http://schemas.microsoft.com/office/drawing/2014/main" id="{104737AB-59A7-4247-842C-6F97799DA28F}"/>
                 </a:ext>
               </a:extLst>
             </p:cNvPr>
@@ -24408,7 +24380,7 @@
             <p:cNvPr id="14" name="Freeform 14">
               <a:extLst>
                 <a:ext uri="{FF2B5EF4-FFF2-40B4-BE49-F238E27FC236}">
-                  <a16:creationId xmlns:a16="http://schemas.microsoft.com/office/drawing/2014/main" xmlns="" id="{A4EE508E-C139-4549-AD46-4E5E82F754BB}"/>
+                  <a16:creationId xmlns:a16="http://schemas.microsoft.com/office/drawing/2014/main" id="{A4EE508E-C139-4549-AD46-4E5E82F754BB}"/>
                 </a:ext>
               </a:extLst>
             </p:cNvPr>
@@ -24658,7 +24630,7 @@
             <p:cNvPr id="15" name="Freeform 15">
               <a:extLst>
                 <a:ext uri="{FF2B5EF4-FFF2-40B4-BE49-F238E27FC236}">
-                  <a16:creationId xmlns:a16="http://schemas.microsoft.com/office/drawing/2014/main" xmlns="" id="{59F122DD-9773-48CA-B36A-41383E8FF7A4}"/>
+                  <a16:creationId xmlns:a16="http://schemas.microsoft.com/office/drawing/2014/main" id="{59F122DD-9773-48CA-B36A-41383E8FF7A4}"/>
                 </a:ext>
               </a:extLst>
             </p:cNvPr>
@@ -24760,7 +24732,7 @@
             <p:cNvPr id="16" name="Freeform 16">
               <a:extLst>
                 <a:ext uri="{FF2B5EF4-FFF2-40B4-BE49-F238E27FC236}">
-                  <a16:creationId xmlns:a16="http://schemas.microsoft.com/office/drawing/2014/main" xmlns="" id="{0FEF4D20-2077-46B3-889D-C3694814510E}"/>
+                  <a16:creationId xmlns:a16="http://schemas.microsoft.com/office/drawing/2014/main" id="{0FEF4D20-2077-46B3-889D-C3694814510E}"/>
                 </a:ext>
               </a:extLst>
             </p:cNvPr>
@@ -24900,7 +24872,7 @@
             <p:cNvPr id="17" name="Freeform 17">
               <a:extLst>
                 <a:ext uri="{FF2B5EF4-FFF2-40B4-BE49-F238E27FC236}">
-                  <a16:creationId xmlns:a16="http://schemas.microsoft.com/office/drawing/2014/main" xmlns="" id="{3E67FC6E-679C-4B7D-9F05-FF6856EDEB60}"/>
+                  <a16:creationId xmlns:a16="http://schemas.microsoft.com/office/drawing/2014/main" id="{3E67FC6E-679C-4B7D-9F05-FF6856EDEB60}"/>
                 </a:ext>
               </a:extLst>
             </p:cNvPr>
@@ -25012,7 +24984,7 @@
             <p:cNvPr id="18" name="Freeform 18">
               <a:extLst>
                 <a:ext uri="{FF2B5EF4-FFF2-40B4-BE49-F238E27FC236}">
-                  <a16:creationId xmlns:a16="http://schemas.microsoft.com/office/drawing/2014/main" xmlns="" id="{3E28299F-82DC-4BAC-A5BB-7B5EA5A95BC3}"/>
+                  <a16:creationId xmlns:a16="http://schemas.microsoft.com/office/drawing/2014/main" id="{3E28299F-82DC-4BAC-A5BB-7B5EA5A95BC3}"/>
                 </a:ext>
               </a:extLst>
             </p:cNvPr>
@@ -25404,7 +25376,7 @@
             <p:cNvPr id="19" name="Freeform 19">
               <a:extLst>
                 <a:ext uri="{FF2B5EF4-FFF2-40B4-BE49-F238E27FC236}">
-                  <a16:creationId xmlns:a16="http://schemas.microsoft.com/office/drawing/2014/main" xmlns="" id="{1F1055DB-0FAF-42E9-A9D9-33EEEA5E5D53}"/>
+                  <a16:creationId xmlns:a16="http://schemas.microsoft.com/office/drawing/2014/main" id="{1F1055DB-0FAF-42E9-A9D9-33EEEA5E5D53}"/>
                 </a:ext>
               </a:extLst>
             </p:cNvPr>
@@ -25494,7 +25466,7 @@
             <p:cNvPr id="20" name="Freeform 20">
               <a:extLst>
                 <a:ext uri="{FF2B5EF4-FFF2-40B4-BE49-F238E27FC236}">
-                  <a16:creationId xmlns:a16="http://schemas.microsoft.com/office/drawing/2014/main" xmlns="" id="{33DD8503-AB72-4432-BEC9-FC4887059C26}"/>
+                  <a16:creationId xmlns:a16="http://schemas.microsoft.com/office/drawing/2014/main" id="{33DD8503-AB72-4432-BEC9-FC4887059C26}"/>
                 </a:ext>
               </a:extLst>
             </p:cNvPr>
@@ -25736,7 +25708,7 @@
             <p:cNvPr id="25" name="Freeform: Shape 24">
               <a:extLst>
                 <a:ext uri="{FF2B5EF4-FFF2-40B4-BE49-F238E27FC236}">
-                  <a16:creationId xmlns:a16="http://schemas.microsoft.com/office/drawing/2014/main" xmlns="" id="{5734A953-9B6C-444B-B25F-6DF0B880B296}"/>
+                  <a16:creationId xmlns:a16="http://schemas.microsoft.com/office/drawing/2014/main" id="{5734A953-9B6C-444B-B25F-6DF0B880B296}"/>
                 </a:ext>
               </a:extLst>
             </p:cNvPr>
@@ -25836,7 +25808,7 @@
             <p:cNvPr id="150" name="Freeform: Shape 149">
               <a:extLst>
                 <a:ext uri="{FF2B5EF4-FFF2-40B4-BE49-F238E27FC236}">
-                  <a16:creationId xmlns:a16="http://schemas.microsoft.com/office/drawing/2014/main" xmlns="" id="{0981B24C-CD45-4505-87DD-EBA799A608A0}"/>
+                  <a16:creationId xmlns:a16="http://schemas.microsoft.com/office/drawing/2014/main" id="{0981B24C-CD45-4505-87DD-EBA799A608A0}"/>
                 </a:ext>
               </a:extLst>
             </p:cNvPr>
@@ -25936,7 +25908,7 @@
             <p:cNvPr id="26" name="Freeform: Shape 25">
               <a:extLst>
                 <a:ext uri="{FF2B5EF4-FFF2-40B4-BE49-F238E27FC236}">
-                  <a16:creationId xmlns:a16="http://schemas.microsoft.com/office/drawing/2014/main" xmlns="" id="{95F849CF-BB96-4670-91B9-CF85441BB33B}"/>
+                  <a16:creationId xmlns:a16="http://schemas.microsoft.com/office/drawing/2014/main" id="{95F849CF-BB96-4670-91B9-CF85441BB33B}"/>
                 </a:ext>
               </a:extLst>
             </p:cNvPr>
@@ -26041,7 +26013,7 @@
           <p:cNvPr id="40" name="Group 39" descr="This image is an icon of 1 person interacting with three people. ">
             <a:extLst>
               <a:ext uri="{FF2B5EF4-FFF2-40B4-BE49-F238E27FC236}">
-                <a16:creationId xmlns:a16="http://schemas.microsoft.com/office/drawing/2014/main" xmlns="" id="{6163EC3B-1C70-4943-88AE-C995F6AF3D2D}"/>
+                <a16:creationId xmlns:a16="http://schemas.microsoft.com/office/drawing/2014/main" id="{6163EC3B-1C70-4943-88AE-C995F6AF3D2D}"/>
               </a:ext>
             </a:extLst>
           </p:cNvPr>
@@ -26061,7 +26033,7 @@
             <p:cNvPr id="34" name="Oval 26">
               <a:extLst>
                 <a:ext uri="{FF2B5EF4-FFF2-40B4-BE49-F238E27FC236}">
-                  <a16:creationId xmlns:a16="http://schemas.microsoft.com/office/drawing/2014/main" xmlns="" id="{BAB1D2D2-1913-4FAF-8141-A2217D47D3D9}"/>
+                  <a16:creationId xmlns:a16="http://schemas.microsoft.com/office/drawing/2014/main" id="{BAB1D2D2-1913-4FAF-8141-A2217D47D3D9}"/>
                 </a:ext>
               </a:extLst>
             </p:cNvPr>
@@ -26117,7 +26089,7 @@
             <p:cNvPr id="153" name="Group 152">
               <a:extLst>
                 <a:ext uri="{FF2B5EF4-FFF2-40B4-BE49-F238E27FC236}">
-                  <a16:creationId xmlns:a16="http://schemas.microsoft.com/office/drawing/2014/main" xmlns="" id="{14E63ABA-A2BE-460E-AEC1-558B63A0D598}"/>
+                  <a16:creationId xmlns:a16="http://schemas.microsoft.com/office/drawing/2014/main" id="{14E63ABA-A2BE-460E-AEC1-558B63A0D598}"/>
                 </a:ext>
               </a:extLst>
             </p:cNvPr>
@@ -26137,7 +26109,7 @@
               <p:cNvPr id="154" name="Oval 309">
                 <a:extLst>
                   <a:ext uri="{FF2B5EF4-FFF2-40B4-BE49-F238E27FC236}">
-                    <a16:creationId xmlns:a16="http://schemas.microsoft.com/office/drawing/2014/main" xmlns="" id="{AC91C28A-AC97-43D2-BB20-485D353E831B}"/>
+                    <a16:creationId xmlns:a16="http://schemas.microsoft.com/office/drawing/2014/main" id="{AC91C28A-AC97-43D2-BB20-485D353E831B}"/>
                   </a:ext>
                 </a:extLst>
               </p:cNvPr>
@@ -26191,7 +26163,7 @@
               <p:cNvPr id="155" name="Freeform 310">
                 <a:extLst>
                   <a:ext uri="{FF2B5EF4-FFF2-40B4-BE49-F238E27FC236}">
-                    <a16:creationId xmlns:a16="http://schemas.microsoft.com/office/drawing/2014/main" xmlns="" id="{307DC6B5-75A0-4610-B431-35147A890CA0}"/>
+                    <a16:creationId xmlns:a16="http://schemas.microsoft.com/office/drawing/2014/main" id="{307DC6B5-75A0-4610-B431-35147A890CA0}"/>
                   </a:ext>
                 </a:extLst>
               </p:cNvPr>
@@ -26294,7 +26266,7 @@
               <p:cNvPr id="156" name="Oval 311">
                 <a:extLst>
                   <a:ext uri="{FF2B5EF4-FFF2-40B4-BE49-F238E27FC236}">
-                    <a16:creationId xmlns:a16="http://schemas.microsoft.com/office/drawing/2014/main" xmlns="" id="{16EA5084-E99D-4DD5-B478-224937E08C2D}"/>
+                    <a16:creationId xmlns:a16="http://schemas.microsoft.com/office/drawing/2014/main" id="{16EA5084-E99D-4DD5-B478-224937E08C2D}"/>
                   </a:ext>
                 </a:extLst>
               </p:cNvPr>
@@ -26348,7 +26320,7 @@
               <p:cNvPr id="157" name="Freeform 312">
                 <a:extLst>
                   <a:ext uri="{FF2B5EF4-FFF2-40B4-BE49-F238E27FC236}">
-                    <a16:creationId xmlns:a16="http://schemas.microsoft.com/office/drawing/2014/main" xmlns="" id="{210EC1C6-3182-40F6-869F-33B0ABF22B6A}"/>
+                    <a16:creationId xmlns:a16="http://schemas.microsoft.com/office/drawing/2014/main" id="{210EC1C6-3182-40F6-869F-33B0ABF22B6A}"/>
                   </a:ext>
                 </a:extLst>
               </p:cNvPr>
@@ -26451,7 +26423,7 @@
               <p:cNvPr id="158" name="Oval 313">
                 <a:extLst>
                   <a:ext uri="{FF2B5EF4-FFF2-40B4-BE49-F238E27FC236}">
-                    <a16:creationId xmlns:a16="http://schemas.microsoft.com/office/drawing/2014/main" xmlns="" id="{168ACDC4-22F5-4D4B-A783-44D3655B843F}"/>
+                    <a16:creationId xmlns:a16="http://schemas.microsoft.com/office/drawing/2014/main" id="{168ACDC4-22F5-4D4B-A783-44D3655B843F}"/>
                   </a:ext>
                 </a:extLst>
               </p:cNvPr>
@@ -26505,7 +26477,7 @@
               <p:cNvPr id="159" name="Freeform 314">
                 <a:extLst>
                   <a:ext uri="{FF2B5EF4-FFF2-40B4-BE49-F238E27FC236}">
-                    <a16:creationId xmlns:a16="http://schemas.microsoft.com/office/drawing/2014/main" xmlns="" id="{9350080E-FAD1-420D-A674-785E5FD1F3EE}"/>
+                    <a16:creationId xmlns:a16="http://schemas.microsoft.com/office/drawing/2014/main" id="{9350080E-FAD1-420D-A674-785E5FD1F3EE}"/>
                   </a:ext>
                 </a:extLst>
               </p:cNvPr>
@@ -26608,7 +26580,7 @@
               <p:cNvPr id="160" name="Oval 315">
                 <a:extLst>
                   <a:ext uri="{FF2B5EF4-FFF2-40B4-BE49-F238E27FC236}">
-                    <a16:creationId xmlns:a16="http://schemas.microsoft.com/office/drawing/2014/main" xmlns="" id="{A3A96249-064E-4E4F-800D-F3E32321B7D5}"/>
+                    <a16:creationId xmlns:a16="http://schemas.microsoft.com/office/drawing/2014/main" id="{A3A96249-064E-4E4F-800D-F3E32321B7D5}"/>
                   </a:ext>
                 </a:extLst>
               </p:cNvPr>
@@ -26662,7 +26634,7 @@
               <p:cNvPr id="161" name="Freeform 316">
                 <a:extLst>
                   <a:ext uri="{FF2B5EF4-FFF2-40B4-BE49-F238E27FC236}">
-                    <a16:creationId xmlns:a16="http://schemas.microsoft.com/office/drawing/2014/main" xmlns="" id="{5B0FA9F4-74E7-4069-9E66-4CD168516DBB}"/>
+                    <a16:creationId xmlns:a16="http://schemas.microsoft.com/office/drawing/2014/main" id="{5B0FA9F4-74E7-4069-9E66-4CD168516DBB}"/>
                   </a:ext>
                 </a:extLst>
               </p:cNvPr>
@@ -26765,7 +26737,7 @@
               <p:cNvPr id="162" name="Oval 317">
                 <a:extLst>
                   <a:ext uri="{FF2B5EF4-FFF2-40B4-BE49-F238E27FC236}">
-                    <a16:creationId xmlns:a16="http://schemas.microsoft.com/office/drawing/2014/main" xmlns="" id="{8B1079C4-08A2-4532-BF93-C9FBD28FC053}"/>
+                    <a16:creationId xmlns:a16="http://schemas.microsoft.com/office/drawing/2014/main" id="{8B1079C4-08A2-4532-BF93-C9FBD28FC053}"/>
                   </a:ext>
                 </a:extLst>
               </p:cNvPr>
@@ -26819,7 +26791,7 @@
               <p:cNvPr id="163" name="Freeform 318">
                 <a:extLst>
                   <a:ext uri="{FF2B5EF4-FFF2-40B4-BE49-F238E27FC236}">
-                    <a16:creationId xmlns:a16="http://schemas.microsoft.com/office/drawing/2014/main" xmlns="" id="{D2176F15-45A0-4989-901D-43FEBC8C6CA0}"/>
+                    <a16:creationId xmlns:a16="http://schemas.microsoft.com/office/drawing/2014/main" id="{D2176F15-45A0-4989-901D-43FEBC8C6CA0}"/>
                   </a:ext>
                 </a:extLst>
               </p:cNvPr>
@@ -26922,7 +26894,7 @@
               <p:cNvPr id="164" name="Freeform 319">
                 <a:extLst>
                   <a:ext uri="{FF2B5EF4-FFF2-40B4-BE49-F238E27FC236}">
-                    <a16:creationId xmlns:a16="http://schemas.microsoft.com/office/drawing/2014/main" xmlns="" id="{E441EEB4-0ED1-401E-BCE2-44490D081569}"/>
+                    <a16:creationId xmlns:a16="http://schemas.microsoft.com/office/drawing/2014/main" id="{E441EEB4-0ED1-401E-BCE2-44490D081569}"/>
                   </a:ext>
                 </a:extLst>
               </p:cNvPr>
@@ -27018,7 +26990,7 @@
               <p:cNvPr id="165" name="Line 320">
                 <a:extLst>
                   <a:ext uri="{FF2B5EF4-FFF2-40B4-BE49-F238E27FC236}">
-                    <a16:creationId xmlns:a16="http://schemas.microsoft.com/office/drawing/2014/main" xmlns="" id="{DE0936E5-0224-4C3C-9815-CA2E7C9781C1}"/>
+                    <a16:creationId xmlns:a16="http://schemas.microsoft.com/office/drawing/2014/main" id="{DE0936E5-0224-4C3C-9815-CA2E7C9781C1}"/>
                   </a:ext>
                 </a:extLst>
               </p:cNvPr>
@@ -27072,7 +27044,7 @@
           <p:cNvPr id="41" name="Group 40" descr="This image is an icon of three people interacting. ">
             <a:extLst>
               <a:ext uri="{FF2B5EF4-FFF2-40B4-BE49-F238E27FC236}">
-                <a16:creationId xmlns:a16="http://schemas.microsoft.com/office/drawing/2014/main" xmlns="" id="{7095B44D-041E-4DC3-A3B8-C4DBA721F0CF}"/>
+                <a16:creationId xmlns:a16="http://schemas.microsoft.com/office/drawing/2014/main" id="{7095B44D-041E-4DC3-A3B8-C4DBA721F0CF}"/>
               </a:ext>
             </a:extLst>
           </p:cNvPr>
@@ -27092,7 +27064,7 @@
             <p:cNvPr id="33" name="Freeform 25">
               <a:extLst>
                 <a:ext uri="{FF2B5EF4-FFF2-40B4-BE49-F238E27FC236}">
-                  <a16:creationId xmlns:a16="http://schemas.microsoft.com/office/drawing/2014/main" xmlns="" id="{82A9CD09-E5BD-4051-A55B-752BE1EA490F}"/>
+                  <a16:creationId xmlns:a16="http://schemas.microsoft.com/office/drawing/2014/main" id="{82A9CD09-E5BD-4051-A55B-752BE1EA490F}"/>
                 </a:ext>
               </a:extLst>
             </p:cNvPr>
@@ -27207,7 +27179,7 @@
             <p:cNvPr id="166" name="Group 165">
               <a:extLst>
                 <a:ext uri="{FF2B5EF4-FFF2-40B4-BE49-F238E27FC236}">
-                  <a16:creationId xmlns:a16="http://schemas.microsoft.com/office/drawing/2014/main" xmlns="" id="{F3A32F3A-3EA3-4F6F-905C-AE7E326402EF}"/>
+                  <a16:creationId xmlns:a16="http://schemas.microsoft.com/office/drawing/2014/main" id="{F3A32F3A-3EA3-4F6F-905C-AE7E326402EF}"/>
                 </a:ext>
               </a:extLst>
             </p:cNvPr>
@@ -27227,7 +27199,7 @@
               <p:cNvPr id="167" name="Freeform 49">
                 <a:extLst>
                   <a:ext uri="{FF2B5EF4-FFF2-40B4-BE49-F238E27FC236}">
-                    <a16:creationId xmlns:a16="http://schemas.microsoft.com/office/drawing/2014/main" xmlns="" id="{740B54FD-C512-4C4B-90F2-B8FE96027793}"/>
+                    <a16:creationId xmlns:a16="http://schemas.microsoft.com/office/drawing/2014/main" id="{740B54FD-C512-4C4B-90F2-B8FE96027793}"/>
                   </a:ext>
                 </a:extLst>
               </p:cNvPr>
@@ -27349,7 +27321,7 @@
               <p:cNvPr id="168" name="Freeform 50">
                 <a:extLst>
                   <a:ext uri="{FF2B5EF4-FFF2-40B4-BE49-F238E27FC236}">
-                    <a16:creationId xmlns:a16="http://schemas.microsoft.com/office/drawing/2014/main" xmlns="" id="{4FDC5A8D-821C-42CD-8C45-FB309BF76A4B}"/>
+                    <a16:creationId xmlns:a16="http://schemas.microsoft.com/office/drawing/2014/main" id="{4FDC5A8D-821C-42CD-8C45-FB309BF76A4B}"/>
                   </a:ext>
                 </a:extLst>
               </p:cNvPr>
@@ -27471,7 +27443,7 @@
               <p:cNvPr id="169" name="Oval 51">
                 <a:extLst>
                   <a:ext uri="{FF2B5EF4-FFF2-40B4-BE49-F238E27FC236}">
-                    <a16:creationId xmlns:a16="http://schemas.microsoft.com/office/drawing/2014/main" xmlns="" id="{627888DD-F7D4-4895-B336-F188BAF1D77E}"/>
+                    <a16:creationId xmlns:a16="http://schemas.microsoft.com/office/drawing/2014/main" id="{627888DD-F7D4-4895-B336-F188BAF1D77E}"/>
                   </a:ext>
                 </a:extLst>
               </p:cNvPr>
@@ -27525,7 +27497,7 @@
               <p:cNvPr id="170" name="Freeform 52">
                 <a:extLst>
                   <a:ext uri="{FF2B5EF4-FFF2-40B4-BE49-F238E27FC236}">
-                    <a16:creationId xmlns:a16="http://schemas.microsoft.com/office/drawing/2014/main" xmlns="" id="{21C53BAF-A1BD-4D9D-8C56-C5A5E2964569}"/>
+                    <a16:creationId xmlns:a16="http://schemas.microsoft.com/office/drawing/2014/main" id="{21C53BAF-A1BD-4D9D-8C56-C5A5E2964569}"/>
                   </a:ext>
                 </a:extLst>
               </p:cNvPr>
@@ -27617,7 +27589,7 @@
               <p:cNvPr id="171" name="Freeform 53">
                 <a:extLst>
                   <a:ext uri="{FF2B5EF4-FFF2-40B4-BE49-F238E27FC236}">
-                    <a16:creationId xmlns:a16="http://schemas.microsoft.com/office/drawing/2014/main" xmlns="" id="{B30A39F9-E915-4B71-94A4-3436CE4B9810}"/>
+                    <a16:creationId xmlns:a16="http://schemas.microsoft.com/office/drawing/2014/main" id="{B30A39F9-E915-4B71-94A4-3436CE4B9810}"/>
                   </a:ext>
                 </a:extLst>
               </p:cNvPr>
@@ -27739,7 +27711,7 @@
               <p:cNvPr id="172" name="Freeform 54">
                 <a:extLst>
                   <a:ext uri="{FF2B5EF4-FFF2-40B4-BE49-F238E27FC236}">
-                    <a16:creationId xmlns:a16="http://schemas.microsoft.com/office/drawing/2014/main" xmlns="" id="{92A91763-2FE9-4F49-81B3-F46A31888210}"/>
+                    <a16:creationId xmlns:a16="http://schemas.microsoft.com/office/drawing/2014/main" id="{92A91763-2FE9-4F49-81B3-F46A31888210}"/>
                   </a:ext>
                 </a:extLst>
               </p:cNvPr>
@@ -27861,7 +27833,7 @@
               <p:cNvPr id="173" name="Oval 55">
                 <a:extLst>
                   <a:ext uri="{FF2B5EF4-FFF2-40B4-BE49-F238E27FC236}">
-                    <a16:creationId xmlns:a16="http://schemas.microsoft.com/office/drawing/2014/main" xmlns="" id="{5D56157D-44A4-414B-A115-780567411345}"/>
+                    <a16:creationId xmlns:a16="http://schemas.microsoft.com/office/drawing/2014/main" id="{5D56157D-44A4-414B-A115-780567411345}"/>
                   </a:ext>
                 </a:extLst>
               </p:cNvPr>
@@ -27915,7 +27887,7 @@
               <p:cNvPr id="174" name="Freeform 56">
                 <a:extLst>
                   <a:ext uri="{FF2B5EF4-FFF2-40B4-BE49-F238E27FC236}">
-                    <a16:creationId xmlns:a16="http://schemas.microsoft.com/office/drawing/2014/main" xmlns="" id="{62DA9A80-F152-45F5-94C2-BB31EDA3C093}"/>
+                    <a16:creationId xmlns:a16="http://schemas.microsoft.com/office/drawing/2014/main" id="{62DA9A80-F152-45F5-94C2-BB31EDA3C093}"/>
                   </a:ext>
                 </a:extLst>
               </p:cNvPr>
@@ -28007,7 +27979,7 @@
               <p:cNvPr id="175" name="Freeform 57">
                 <a:extLst>
                   <a:ext uri="{FF2B5EF4-FFF2-40B4-BE49-F238E27FC236}">
-                    <a16:creationId xmlns:a16="http://schemas.microsoft.com/office/drawing/2014/main" xmlns="" id="{003EFD2E-CF90-4AC0-BEC7-7BC68564812B}"/>
+                    <a16:creationId xmlns:a16="http://schemas.microsoft.com/office/drawing/2014/main" id="{003EFD2E-CF90-4AC0-BEC7-7BC68564812B}"/>
                   </a:ext>
                 </a:extLst>
               </p:cNvPr>
@@ -28129,7 +28101,7 @@
               <p:cNvPr id="176" name="Freeform 58">
                 <a:extLst>
                   <a:ext uri="{FF2B5EF4-FFF2-40B4-BE49-F238E27FC236}">
-                    <a16:creationId xmlns:a16="http://schemas.microsoft.com/office/drawing/2014/main" xmlns="" id="{17D242C7-DED5-4760-974B-1C0C2CEDE00F}"/>
+                    <a16:creationId xmlns:a16="http://schemas.microsoft.com/office/drawing/2014/main" id="{17D242C7-DED5-4760-974B-1C0C2CEDE00F}"/>
                   </a:ext>
                 </a:extLst>
               </p:cNvPr>
@@ -28251,7 +28223,7 @@
               <p:cNvPr id="177" name="Oval 59">
                 <a:extLst>
                   <a:ext uri="{FF2B5EF4-FFF2-40B4-BE49-F238E27FC236}">
-                    <a16:creationId xmlns:a16="http://schemas.microsoft.com/office/drawing/2014/main" xmlns="" id="{4029ED17-8FD3-4AF2-A688-F0EE0CED0B1E}"/>
+                    <a16:creationId xmlns:a16="http://schemas.microsoft.com/office/drawing/2014/main" id="{4029ED17-8FD3-4AF2-A688-F0EE0CED0B1E}"/>
                   </a:ext>
                 </a:extLst>
               </p:cNvPr>
@@ -28305,7 +28277,7 @@
               <p:cNvPr id="178" name="Freeform 60">
                 <a:extLst>
                   <a:ext uri="{FF2B5EF4-FFF2-40B4-BE49-F238E27FC236}">
-                    <a16:creationId xmlns:a16="http://schemas.microsoft.com/office/drawing/2014/main" xmlns="" id="{635ABD1D-573A-4AEB-BA17-43168A9B888A}"/>
+                    <a16:creationId xmlns:a16="http://schemas.microsoft.com/office/drawing/2014/main" id="{635ABD1D-573A-4AEB-BA17-43168A9B888A}"/>
                   </a:ext>
                 </a:extLst>
               </p:cNvPr>
@@ -28397,7 +28369,7 @@
               <p:cNvPr id="179" name="Line 61">
                 <a:extLst>
                   <a:ext uri="{FF2B5EF4-FFF2-40B4-BE49-F238E27FC236}">
-                    <a16:creationId xmlns:a16="http://schemas.microsoft.com/office/drawing/2014/main" xmlns="" id="{5DC54740-A0D8-4879-95BC-57FB1ACC3E3D}"/>
+                    <a16:creationId xmlns:a16="http://schemas.microsoft.com/office/drawing/2014/main" id="{5DC54740-A0D8-4879-95BC-57FB1ACC3E3D}"/>
                   </a:ext>
                 </a:extLst>
               </p:cNvPr>
@@ -28449,7 +28421,7 @@
               <p:cNvPr id="180" name="Line 62">
                 <a:extLst>
                   <a:ext uri="{FF2B5EF4-FFF2-40B4-BE49-F238E27FC236}">
-                    <a16:creationId xmlns:a16="http://schemas.microsoft.com/office/drawing/2014/main" xmlns="" id="{E3DB3D49-FAF6-4080-AE40-81CF5899A3E2}"/>
+                    <a16:creationId xmlns:a16="http://schemas.microsoft.com/office/drawing/2014/main" id="{E3DB3D49-FAF6-4080-AE40-81CF5899A3E2}"/>
                   </a:ext>
                 </a:extLst>
               </p:cNvPr>
@@ -28503,10 +28475,10 @@
           <p:cNvPr id="42" name="Group 41" descr="This image is an icon of three people and a globe. ">
             <a:extLst>
               <a:ext uri="{FF2B5EF4-FFF2-40B4-BE49-F238E27FC236}">
-                <a16:creationId xmlns:a16="http://schemas.microsoft.com/office/drawing/2014/main" xmlns="" id="{0F9B9E83-7B40-4A58-B9B6-072ADD8AF2AD}"/>
+                <a16:creationId xmlns:a16="http://schemas.microsoft.com/office/drawing/2014/main" id="{0F9B9E83-7B40-4A58-B9B6-072ADD8AF2AD}"/>
               </a:ext>
               <a:ext uri="{C183D7F6-B498-43B3-948B-1728B52AA6E4}">
-                <adec:decorative xmlns:adec="http://schemas.microsoft.com/office/drawing/2017/decorative" xmlns="" val="0"/>
+                <adec:decorative xmlns:adec="http://schemas.microsoft.com/office/drawing/2017/decorative" val="0"/>
               </a:ext>
             </a:extLst>
           </p:cNvPr>
@@ -28526,7 +28498,7 @@
             <p:cNvPr id="32" name="Oval 24">
               <a:extLst>
                 <a:ext uri="{FF2B5EF4-FFF2-40B4-BE49-F238E27FC236}">
-                  <a16:creationId xmlns:a16="http://schemas.microsoft.com/office/drawing/2014/main" xmlns="" id="{16A34343-0998-42BB-80E4-28FB10F8BF29}"/>
+                  <a16:creationId xmlns:a16="http://schemas.microsoft.com/office/drawing/2014/main" id="{16A34343-0998-42BB-80E4-28FB10F8BF29}"/>
                 </a:ext>
               </a:extLst>
             </p:cNvPr>
@@ -28582,7 +28554,7 @@
             <p:cNvPr id="191" name="Group 190">
               <a:extLst>
                 <a:ext uri="{FF2B5EF4-FFF2-40B4-BE49-F238E27FC236}">
-                  <a16:creationId xmlns:a16="http://schemas.microsoft.com/office/drawing/2014/main" xmlns="" id="{6EF0E095-962C-4FF0-89AE-50E91D8B01BD}"/>
+                  <a16:creationId xmlns:a16="http://schemas.microsoft.com/office/drawing/2014/main" id="{6EF0E095-962C-4FF0-89AE-50E91D8B01BD}"/>
                 </a:ext>
               </a:extLst>
             </p:cNvPr>
@@ -28602,7 +28574,7 @@
               <p:cNvPr id="192" name="Freeform 258">
                 <a:extLst>
                   <a:ext uri="{FF2B5EF4-FFF2-40B4-BE49-F238E27FC236}">
-                    <a16:creationId xmlns:a16="http://schemas.microsoft.com/office/drawing/2014/main" xmlns="" id="{6406E6B6-1167-46C8-948E-C5EF17DA0E44}"/>
+                    <a16:creationId xmlns:a16="http://schemas.microsoft.com/office/drawing/2014/main" id="{6406E6B6-1167-46C8-948E-C5EF17DA0E44}"/>
                   </a:ext>
                 </a:extLst>
               </p:cNvPr>
@@ -28725,7 +28697,7 @@
               <p:cNvPr id="193" name="Freeform 259">
                 <a:extLst>
                   <a:ext uri="{FF2B5EF4-FFF2-40B4-BE49-F238E27FC236}">
-                    <a16:creationId xmlns:a16="http://schemas.microsoft.com/office/drawing/2014/main" xmlns="" id="{72ECCE91-FE4E-4D18-8094-A898EA086327}"/>
+                    <a16:creationId xmlns:a16="http://schemas.microsoft.com/office/drawing/2014/main" id="{72ECCE91-FE4E-4D18-8094-A898EA086327}"/>
                   </a:ext>
                 </a:extLst>
               </p:cNvPr>
@@ -28807,7 +28779,7 @@
               <p:cNvPr id="194" name="Freeform 260">
                 <a:extLst>
                   <a:ext uri="{FF2B5EF4-FFF2-40B4-BE49-F238E27FC236}">
-                    <a16:creationId xmlns:a16="http://schemas.microsoft.com/office/drawing/2014/main" xmlns="" id="{3548F75A-EA11-4316-A1F6-0CAEB67876FF}"/>
+                    <a16:creationId xmlns:a16="http://schemas.microsoft.com/office/drawing/2014/main" id="{3548F75A-EA11-4316-A1F6-0CAEB67876FF}"/>
                   </a:ext>
                 </a:extLst>
               </p:cNvPr>
@@ -28889,7 +28861,7 @@
               <p:cNvPr id="195" name="Line 261">
                 <a:extLst>
                   <a:ext uri="{FF2B5EF4-FFF2-40B4-BE49-F238E27FC236}">
-                    <a16:creationId xmlns:a16="http://schemas.microsoft.com/office/drawing/2014/main" xmlns="" id="{5124F4E9-141F-499A-8EEC-1241D51B25CD}"/>
+                    <a16:creationId xmlns:a16="http://schemas.microsoft.com/office/drawing/2014/main" id="{5124F4E9-141F-499A-8EEC-1241D51B25CD}"/>
                   </a:ext>
                 </a:extLst>
               </p:cNvPr>
@@ -28941,7 +28913,7 @@
               <p:cNvPr id="196" name="Line 262">
                 <a:extLst>
                   <a:ext uri="{FF2B5EF4-FFF2-40B4-BE49-F238E27FC236}">
-                    <a16:creationId xmlns:a16="http://schemas.microsoft.com/office/drawing/2014/main" xmlns="" id="{F8299F61-1975-4EE9-BAB2-3CE9A446F738}"/>
+                    <a16:creationId xmlns:a16="http://schemas.microsoft.com/office/drawing/2014/main" id="{F8299F61-1975-4EE9-BAB2-3CE9A446F738}"/>
                   </a:ext>
                 </a:extLst>
               </p:cNvPr>
@@ -28993,7 +28965,7 @@
               <p:cNvPr id="197" name="Line 263">
                 <a:extLst>
                   <a:ext uri="{FF2B5EF4-FFF2-40B4-BE49-F238E27FC236}">
-                    <a16:creationId xmlns:a16="http://schemas.microsoft.com/office/drawing/2014/main" xmlns="" id="{21DCC590-EB7E-4BE9-BE74-8FD7163D4D78}"/>
+                    <a16:creationId xmlns:a16="http://schemas.microsoft.com/office/drawing/2014/main" id="{21DCC590-EB7E-4BE9-BE74-8FD7163D4D78}"/>
                   </a:ext>
                 </a:extLst>
               </p:cNvPr>
@@ -29045,7 +29017,7 @@
               <p:cNvPr id="198" name="Oval 264">
                 <a:extLst>
                   <a:ext uri="{FF2B5EF4-FFF2-40B4-BE49-F238E27FC236}">
-                    <a16:creationId xmlns:a16="http://schemas.microsoft.com/office/drawing/2014/main" xmlns="" id="{9DD4333D-6A4C-43A4-873D-73945A8A372F}"/>
+                    <a16:creationId xmlns:a16="http://schemas.microsoft.com/office/drawing/2014/main" id="{9DD4333D-6A4C-43A4-873D-73945A8A372F}"/>
                   </a:ext>
                 </a:extLst>
               </p:cNvPr>
@@ -29099,7 +29071,7 @@
               <p:cNvPr id="199" name="Oval 265">
                 <a:extLst>
                   <a:ext uri="{FF2B5EF4-FFF2-40B4-BE49-F238E27FC236}">
-                    <a16:creationId xmlns:a16="http://schemas.microsoft.com/office/drawing/2014/main" xmlns="" id="{4BE9E84A-E911-4211-BBA2-3D0BE587575E}"/>
+                    <a16:creationId xmlns:a16="http://schemas.microsoft.com/office/drawing/2014/main" id="{4BE9E84A-E911-4211-BBA2-3D0BE587575E}"/>
                   </a:ext>
                 </a:extLst>
               </p:cNvPr>
@@ -29153,7 +29125,7 @@
               <p:cNvPr id="200" name="Oval 266">
                 <a:extLst>
                   <a:ext uri="{FF2B5EF4-FFF2-40B4-BE49-F238E27FC236}">
-                    <a16:creationId xmlns:a16="http://schemas.microsoft.com/office/drawing/2014/main" xmlns="" id="{0ECA1A96-AB7F-46A0-88B5-FCD88859225E}"/>
+                    <a16:creationId xmlns:a16="http://schemas.microsoft.com/office/drawing/2014/main" id="{0ECA1A96-AB7F-46A0-88B5-FCD88859225E}"/>
                   </a:ext>
                 </a:extLst>
               </p:cNvPr>
@@ -29207,7 +29179,7 @@
               <p:cNvPr id="201" name="Freeform 267">
                 <a:extLst>
                   <a:ext uri="{FF2B5EF4-FFF2-40B4-BE49-F238E27FC236}">
-                    <a16:creationId xmlns:a16="http://schemas.microsoft.com/office/drawing/2014/main" xmlns="" id="{75E1735F-98B1-4E7B-BDDC-FE64527C3B9F}"/>
+                    <a16:creationId xmlns:a16="http://schemas.microsoft.com/office/drawing/2014/main" id="{75E1735F-98B1-4E7B-BDDC-FE64527C3B9F}"/>
                   </a:ext>
                 </a:extLst>
               </p:cNvPr>
@@ -29352,7 +29324,7 @@
           <p:cNvPr id="38" name="Group 37" descr="This image is an icon of three people and a globe. ">
             <a:extLst>
               <a:ext uri="{FF2B5EF4-FFF2-40B4-BE49-F238E27FC236}">
-                <a16:creationId xmlns:a16="http://schemas.microsoft.com/office/drawing/2014/main" xmlns="" id="{A990E334-4A7D-4F5C-A904-F305BFAA954B}"/>
+                <a16:creationId xmlns:a16="http://schemas.microsoft.com/office/drawing/2014/main" id="{A990E334-4A7D-4F5C-A904-F305BFAA954B}"/>
               </a:ext>
             </a:extLst>
           </p:cNvPr>
@@ -29372,7 +29344,7 @@
             <p:cNvPr id="36" name="Oval 28">
               <a:extLst>
                 <a:ext uri="{FF2B5EF4-FFF2-40B4-BE49-F238E27FC236}">
-                  <a16:creationId xmlns:a16="http://schemas.microsoft.com/office/drawing/2014/main" xmlns="" id="{4699FCCF-8ACA-4F41-97A7-AD2C08AE5E98}"/>
+                  <a16:creationId xmlns:a16="http://schemas.microsoft.com/office/drawing/2014/main" id="{4699FCCF-8ACA-4F41-97A7-AD2C08AE5E98}"/>
                 </a:ext>
               </a:extLst>
             </p:cNvPr>
@@ -29428,7 +29400,7 @@
             <p:cNvPr id="202" name="Group 201">
               <a:extLst>
                 <a:ext uri="{FF2B5EF4-FFF2-40B4-BE49-F238E27FC236}">
-                  <a16:creationId xmlns:a16="http://schemas.microsoft.com/office/drawing/2014/main" xmlns="" id="{F63DE9C6-B298-4701-B108-E8E84885E8BC}"/>
+                  <a16:creationId xmlns:a16="http://schemas.microsoft.com/office/drawing/2014/main" id="{F63DE9C6-B298-4701-B108-E8E84885E8BC}"/>
                 </a:ext>
               </a:extLst>
             </p:cNvPr>
@@ -29448,7 +29420,7 @@
               <p:cNvPr id="203" name="Freeform 258">
                 <a:extLst>
                   <a:ext uri="{FF2B5EF4-FFF2-40B4-BE49-F238E27FC236}">
-                    <a16:creationId xmlns:a16="http://schemas.microsoft.com/office/drawing/2014/main" xmlns="" id="{05760EEA-E70F-4460-BC2A-336F9645E04A}"/>
+                    <a16:creationId xmlns:a16="http://schemas.microsoft.com/office/drawing/2014/main" id="{05760EEA-E70F-4460-BC2A-336F9645E04A}"/>
                   </a:ext>
                 </a:extLst>
               </p:cNvPr>
@@ -29571,7 +29543,7 @@
               <p:cNvPr id="204" name="Freeform 259">
                 <a:extLst>
                   <a:ext uri="{FF2B5EF4-FFF2-40B4-BE49-F238E27FC236}">
-                    <a16:creationId xmlns:a16="http://schemas.microsoft.com/office/drawing/2014/main" xmlns="" id="{7AE0CD2C-CD57-47B1-B505-80D106A80804}"/>
+                    <a16:creationId xmlns:a16="http://schemas.microsoft.com/office/drawing/2014/main" id="{7AE0CD2C-CD57-47B1-B505-80D106A80804}"/>
                   </a:ext>
                 </a:extLst>
               </p:cNvPr>
@@ -29653,7 +29625,7 @@
               <p:cNvPr id="205" name="Freeform 260">
                 <a:extLst>
                   <a:ext uri="{FF2B5EF4-FFF2-40B4-BE49-F238E27FC236}">
-                    <a16:creationId xmlns:a16="http://schemas.microsoft.com/office/drawing/2014/main" xmlns="" id="{872A3131-C536-4756-B975-DACC55DF3723}"/>
+                    <a16:creationId xmlns:a16="http://schemas.microsoft.com/office/drawing/2014/main" id="{872A3131-C536-4756-B975-DACC55DF3723}"/>
                   </a:ext>
                 </a:extLst>
               </p:cNvPr>
@@ -29735,7 +29707,7 @@
               <p:cNvPr id="206" name="Line 261">
                 <a:extLst>
                   <a:ext uri="{FF2B5EF4-FFF2-40B4-BE49-F238E27FC236}">
-                    <a16:creationId xmlns:a16="http://schemas.microsoft.com/office/drawing/2014/main" xmlns="" id="{8D6C92E4-36B6-469D-8D9D-7E821A2B6AD3}"/>
+                    <a16:creationId xmlns:a16="http://schemas.microsoft.com/office/drawing/2014/main" id="{8D6C92E4-36B6-469D-8D9D-7E821A2B6AD3}"/>
                   </a:ext>
                 </a:extLst>
               </p:cNvPr>
@@ -29787,7 +29759,7 @@
               <p:cNvPr id="207" name="Line 262">
                 <a:extLst>
                   <a:ext uri="{FF2B5EF4-FFF2-40B4-BE49-F238E27FC236}">
-                    <a16:creationId xmlns:a16="http://schemas.microsoft.com/office/drawing/2014/main" xmlns="" id="{B9D7D31E-100C-4875-91DB-E3AA306D1C1C}"/>
+                    <a16:creationId xmlns:a16="http://schemas.microsoft.com/office/drawing/2014/main" id="{B9D7D31E-100C-4875-91DB-E3AA306D1C1C}"/>
                   </a:ext>
                 </a:extLst>
               </p:cNvPr>
@@ -29839,7 +29811,7 @@
               <p:cNvPr id="208" name="Line 263">
                 <a:extLst>
                   <a:ext uri="{FF2B5EF4-FFF2-40B4-BE49-F238E27FC236}">
-                    <a16:creationId xmlns:a16="http://schemas.microsoft.com/office/drawing/2014/main" xmlns="" id="{29CE937B-2D75-4864-AD7D-EE0DA1EBAD70}"/>
+                    <a16:creationId xmlns:a16="http://schemas.microsoft.com/office/drawing/2014/main" id="{29CE937B-2D75-4864-AD7D-EE0DA1EBAD70}"/>
                   </a:ext>
                 </a:extLst>
               </p:cNvPr>
@@ -29891,7 +29863,7 @@
               <p:cNvPr id="209" name="Oval 264">
                 <a:extLst>
                   <a:ext uri="{FF2B5EF4-FFF2-40B4-BE49-F238E27FC236}">
-                    <a16:creationId xmlns:a16="http://schemas.microsoft.com/office/drawing/2014/main" xmlns="" id="{5C237BA8-A5D9-4E6F-B526-E9714857803B}"/>
+                    <a16:creationId xmlns:a16="http://schemas.microsoft.com/office/drawing/2014/main" id="{5C237BA8-A5D9-4E6F-B526-E9714857803B}"/>
                   </a:ext>
                 </a:extLst>
               </p:cNvPr>
@@ -29945,7 +29917,7 @@
               <p:cNvPr id="210" name="Oval 265">
                 <a:extLst>
                   <a:ext uri="{FF2B5EF4-FFF2-40B4-BE49-F238E27FC236}">
-                    <a16:creationId xmlns:a16="http://schemas.microsoft.com/office/drawing/2014/main" xmlns="" id="{661A5EFA-ECB7-4C9D-A8BD-1FACE7EBBD7D}"/>
+                    <a16:creationId xmlns:a16="http://schemas.microsoft.com/office/drawing/2014/main" id="{661A5EFA-ECB7-4C9D-A8BD-1FACE7EBBD7D}"/>
                   </a:ext>
                 </a:extLst>
               </p:cNvPr>
@@ -29999,7 +29971,7 @@
               <p:cNvPr id="211" name="Oval 266">
                 <a:extLst>
                   <a:ext uri="{FF2B5EF4-FFF2-40B4-BE49-F238E27FC236}">
-                    <a16:creationId xmlns:a16="http://schemas.microsoft.com/office/drawing/2014/main" xmlns="" id="{6503CA85-38C3-44D1-94CA-34EA501E44D5}"/>
+                    <a16:creationId xmlns:a16="http://schemas.microsoft.com/office/drawing/2014/main" id="{6503CA85-38C3-44D1-94CA-34EA501E44D5}"/>
                   </a:ext>
                 </a:extLst>
               </p:cNvPr>
@@ -30053,7 +30025,7 @@
               <p:cNvPr id="212" name="Freeform 267">
                 <a:extLst>
                   <a:ext uri="{FF2B5EF4-FFF2-40B4-BE49-F238E27FC236}">
-                    <a16:creationId xmlns:a16="http://schemas.microsoft.com/office/drawing/2014/main" xmlns="" id="{AE3AF176-184A-4597-B23C-A8ECB69459A6}"/>
+                    <a16:creationId xmlns:a16="http://schemas.microsoft.com/office/drawing/2014/main" id="{AE3AF176-184A-4597-B23C-A8ECB69459A6}"/>
                   </a:ext>
                 </a:extLst>
               </p:cNvPr>
@@ -30198,7 +30170,7 @@
           <p:cNvPr id="39" name="Group 38" descr="This image is an icon of three people interacting. ">
             <a:extLst>
               <a:ext uri="{FF2B5EF4-FFF2-40B4-BE49-F238E27FC236}">
-                <a16:creationId xmlns:a16="http://schemas.microsoft.com/office/drawing/2014/main" xmlns="" id="{D7F5E6C2-3449-4D64-AEF0-8F9AE58743E4}"/>
+                <a16:creationId xmlns:a16="http://schemas.microsoft.com/office/drawing/2014/main" id="{D7F5E6C2-3449-4D64-AEF0-8F9AE58743E4}"/>
               </a:ext>
             </a:extLst>
           </p:cNvPr>
@@ -30218,7 +30190,7 @@
             <p:cNvPr id="35" name="Freeform 27">
               <a:extLst>
                 <a:ext uri="{FF2B5EF4-FFF2-40B4-BE49-F238E27FC236}">
-                  <a16:creationId xmlns:a16="http://schemas.microsoft.com/office/drawing/2014/main" xmlns="" id="{AAE4382C-A236-4EFC-A5CF-301D418C624F}"/>
+                  <a16:creationId xmlns:a16="http://schemas.microsoft.com/office/drawing/2014/main" id="{AAE4382C-A236-4EFC-A5CF-301D418C624F}"/>
                 </a:ext>
               </a:extLst>
             </p:cNvPr>
@@ -30333,7 +30305,7 @@
             <p:cNvPr id="213" name="Group 212">
               <a:extLst>
                 <a:ext uri="{FF2B5EF4-FFF2-40B4-BE49-F238E27FC236}">
-                  <a16:creationId xmlns:a16="http://schemas.microsoft.com/office/drawing/2014/main" xmlns="" id="{84CDD73D-3AA4-4625-B9F5-1852145FC880}"/>
+                  <a16:creationId xmlns:a16="http://schemas.microsoft.com/office/drawing/2014/main" id="{84CDD73D-3AA4-4625-B9F5-1852145FC880}"/>
                 </a:ext>
               </a:extLst>
             </p:cNvPr>
@@ -30353,7 +30325,7 @@
               <p:cNvPr id="214" name="Freeform 49">
                 <a:extLst>
                   <a:ext uri="{FF2B5EF4-FFF2-40B4-BE49-F238E27FC236}">
-                    <a16:creationId xmlns:a16="http://schemas.microsoft.com/office/drawing/2014/main" xmlns="" id="{ABF2711F-75A7-4B4A-BF02-2652927EB6DB}"/>
+                    <a16:creationId xmlns:a16="http://schemas.microsoft.com/office/drawing/2014/main" id="{ABF2711F-75A7-4B4A-BF02-2652927EB6DB}"/>
                   </a:ext>
                 </a:extLst>
               </p:cNvPr>
@@ -30475,7 +30447,7 @@
               <p:cNvPr id="215" name="Freeform 50">
                 <a:extLst>
                   <a:ext uri="{FF2B5EF4-FFF2-40B4-BE49-F238E27FC236}">
-                    <a16:creationId xmlns:a16="http://schemas.microsoft.com/office/drawing/2014/main" xmlns="" id="{82DE05A5-FAEC-4B16-BF1A-19901B942D35}"/>
+                    <a16:creationId xmlns:a16="http://schemas.microsoft.com/office/drawing/2014/main" id="{82DE05A5-FAEC-4B16-BF1A-19901B942D35}"/>
                   </a:ext>
                 </a:extLst>
               </p:cNvPr>
@@ -30597,7 +30569,7 @@
               <p:cNvPr id="216" name="Oval 51">
                 <a:extLst>
                   <a:ext uri="{FF2B5EF4-FFF2-40B4-BE49-F238E27FC236}">
-                    <a16:creationId xmlns:a16="http://schemas.microsoft.com/office/drawing/2014/main" xmlns="" id="{0E0CD678-477B-451D-9104-A48469B3943C}"/>
+                    <a16:creationId xmlns:a16="http://schemas.microsoft.com/office/drawing/2014/main" id="{0E0CD678-477B-451D-9104-A48469B3943C}"/>
                   </a:ext>
                 </a:extLst>
               </p:cNvPr>
@@ -30651,7 +30623,7 @@
               <p:cNvPr id="217" name="Freeform 52">
                 <a:extLst>
                   <a:ext uri="{FF2B5EF4-FFF2-40B4-BE49-F238E27FC236}">
-                    <a16:creationId xmlns:a16="http://schemas.microsoft.com/office/drawing/2014/main" xmlns="" id="{26FA0A70-D241-45F0-830E-0A67FE310BAF}"/>
+                    <a16:creationId xmlns:a16="http://schemas.microsoft.com/office/drawing/2014/main" id="{26FA0A70-D241-45F0-830E-0A67FE310BAF}"/>
                   </a:ext>
                 </a:extLst>
               </p:cNvPr>
@@ -30743,7 +30715,7 @@
               <p:cNvPr id="218" name="Freeform 53">
                 <a:extLst>
                   <a:ext uri="{FF2B5EF4-FFF2-40B4-BE49-F238E27FC236}">
-                    <a16:creationId xmlns:a16="http://schemas.microsoft.com/office/drawing/2014/main" xmlns="" id="{A59E8B52-245F-4ACF-8281-9CF552059B59}"/>
+                    <a16:creationId xmlns:a16="http://schemas.microsoft.com/office/drawing/2014/main" id="{A59E8B52-245F-4ACF-8281-9CF552059B59}"/>
                   </a:ext>
                 </a:extLst>
               </p:cNvPr>
@@ -30865,7 +30837,7 @@
               <p:cNvPr id="219" name="Freeform 54">
                 <a:extLst>
                   <a:ext uri="{FF2B5EF4-FFF2-40B4-BE49-F238E27FC236}">
-                    <a16:creationId xmlns:a16="http://schemas.microsoft.com/office/drawing/2014/main" xmlns="" id="{899BF9CE-E77F-4F48-9450-66E3BECCB68B}"/>
+                    <a16:creationId xmlns:a16="http://schemas.microsoft.com/office/drawing/2014/main" id="{899BF9CE-E77F-4F48-9450-66E3BECCB68B}"/>
                   </a:ext>
                 </a:extLst>
               </p:cNvPr>
@@ -30987,7 +30959,7 @@
               <p:cNvPr id="220" name="Oval 55">
                 <a:extLst>
                   <a:ext uri="{FF2B5EF4-FFF2-40B4-BE49-F238E27FC236}">
-                    <a16:creationId xmlns:a16="http://schemas.microsoft.com/office/drawing/2014/main" xmlns="" id="{4BEF1ED3-5C78-40B2-8A93-4068B9D51806}"/>
+                    <a16:creationId xmlns:a16="http://schemas.microsoft.com/office/drawing/2014/main" id="{4BEF1ED3-5C78-40B2-8A93-4068B9D51806}"/>
                   </a:ext>
                 </a:extLst>
               </p:cNvPr>
@@ -31041,7 +31013,7 @@
               <p:cNvPr id="221" name="Freeform 56">
                 <a:extLst>
                   <a:ext uri="{FF2B5EF4-FFF2-40B4-BE49-F238E27FC236}">
-                    <a16:creationId xmlns:a16="http://schemas.microsoft.com/office/drawing/2014/main" xmlns="" id="{A2AAED8D-F9E0-4ECB-9AB3-CBBAFB83B1AF}"/>
+                    <a16:creationId xmlns:a16="http://schemas.microsoft.com/office/drawing/2014/main" id="{A2AAED8D-F9E0-4ECB-9AB3-CBBAFB83B1AF}"/>
                   </a:ext>
                 </a:extLst>
               </p:cNvPr>
@@ -31133,7 +31105,7 @@
               <p:cNvPr id="222" name="Freeform 57">
                 <a:extLst>
                   <a:ext uri="{FF2B5EF4-FFF2-40B4-BE49-F238E27FC236}">
-                    <a16:creationId xmlns:a16="http://schemas.microsoft.com/office/drawing/2014/main" xmlns="" id="{6002DB15-DE43-4C77-9619-8D419321F2E7}"/>
+                    <a16:creationId xmlns:a16="http://schemas.microsoft.com/office/drawing/2014/main" id="{6002DB15-DE43-4C77-9619-8D419321F2E7}"/>
                   </a:ext>
                 </a:extLst>
               </p:cNvPr>
@@ -31255,7 +31227,7 @@
               <p:cNvPr id="223" name="Freeform 58">
                 <a:extLst>
                   <a:ext uri="{FF2B5EF4-FFF2-40B4-BE49-F238E27FC236}">
-                    <a16:creationId xmlns:a16="http://schemas.microsoft.com/office/drawing/2014/main" xmlns="" id="{96593802-B775-42A3-AF14-F045D7024BCC}"/>
+                    <a16:creationId xmlns:a16="http://schemas.microsoft.com/office/drawing/2014/main" id="{96593802-B775-42A3-AF14-F045D7024BCC}"/>
                   </a:ext>
                 </a:extLst>
               </p:cNvPr>
@@ -31377,7 +31349,7 @@
               <p:cNvPr id="224" name="Oval 59">
                 <a:extLst>
                   <a:ext uri="{FF2B5EF4-FFF2-40B4-BE49-F238E27FC236}">
-                    <a16:creationId xmlns:a16="http://schemas.microsoft.com/office/drawing/2014/main" xmlns="" id="{E9093A9B-C057-4965-9778-D32C3435BAC3}"/>
+                    <a16:creationId xmlns:a16="http://schemas.microsoft.com/office/drawing/2014/main" id="{E9093A9B-C057-4965-9778-D32C3435BAC3}"/>
                   </a:ext>
                 </a:extLst>
               </p:cNvPr>
@@ -31431,7 +31403,7 @@
               <p:cNvPr id="225" name="Freeform 60">
                 <a:extLst>
                   <a:ext uri="{FF2B5EF4-FFF2-40B4-BE49-F238E27FC236}">
-                    <a16:creationId xmlns:a16="http://schemas.microsoft.com/office/drawing/2014/main" xmlns="" id="{25E38B6F-D336-4A2F-AB1E-5483A67114A8}"/>
+                    <a16:creationId xmlns:a16="http://schemas.microsoft.com/office/drawing/2014/main" id="{25E38B6F-D336-4A2F-AB1E-5483A67114A8}"/>
                   </a:ext>
                 </a:extLst>
               </p:cNvPr>
@@ -31523,7 +31495,7 @@
               <p:cNvPr id="226" name="Line 61">
                 <a:extLst>
                   <a:ext uri="{FF2B5EF4-FFF2-40B4-BE49-F238E27FC236}">
-                    <a16:creationId xmlns:a16="http://schemas.microsoft.com/office/drawing/2014/main" xmlns="" id="{C97F06C5-8609-4F4A-94C8-8D52F4857B8C}"/>
+                    <a16:creationId xmlns:a16="http://schemas.microsoft.com/office/drawing/2014/main" id="{C97F06C5-8609-4F4A-94C8-8D52F4857B8C}"/>
                   </a:ext>
                 </a:extLst>
               </p:cNvPr>
@@ -31575,7 +31547,7 @@
               <p:cNvPr id="227" name="Line 62">
                 <a:extLst>
                   <a:ext uri="{FF2B5EF4-FFF2-40B4-BE49-F238E27FC236}">
-                    <a16:creationId xmlns:a16="http://schemas.microsoft.com/office/drawing/2014/main" xmlns="" id="{7A7E2673-DEC0-43F1-9033-64A7A4DA55B2}"/>
+                    <a16:creationId xmlns:a16="http://schemas.microsoft.com/office/drawing/2014/main" id="{7A7E2673-DEC0-43F1-9033-64A7A4DA55B2}"/>
                   </a:ext>
                 </a:extLst>
               </p:cNvPr>
@@ -31629,7 +31601,7 @@
           <p:cNvPr id="332" name="Rectangle 331">
             <a:extLst>
               <a:ext uri="{FF2B5EF4-FFF2-40B4-BE49-F238E27FC236}">
-                <a16:creationId xmlns:a16="http://schemas.microsoft.com/office/drawing/2014/main" xmlns="" id="{779BDC05-BA31-44EF-B695-331F1F3CEBCA}"/>
+                <a16:creationId xmlns:a16="http://schemas.microsoft.com/office/drawing/2014/main" id="{779BDC05-BA31-44EF-B695-331F1F3CEBCA}"/>
               </a:ext>
             </a:extLst>
           </p:cNvPr>
@@ -31726,7 +31698,7 @@
           <p:cNvPr id="338" name="Rectangle 337">
             <a:extLst>
               <a:ext uri="{FF2B5EF4-FFF2-40B4-BE49-F238E27FC236}">
-                <a16:creationId xmlns:a16="http://schemas.microsoft.com/office/drawing/2014/main" xmlns="" id="{9DE6A47E-C4CC-416D-9C28-3273394521C8}"/>
+                <a16:creationId xmlns:a16="http://schemas.microsoft.com/office/drawing/2014/main" id="{9DE6A47E-C4CC-416D-9C28-3273394521C8}"/>
               </a:ext>
             </a:extLst>
           </p:cNvPr>
@@ -31833,7 +31805,7 @@
           <p:cNvPr id="341" name="Rectangle 340">
             <a:extLst>
               <a:ext uri="{FF2B5EF4-FFF2-40B4-BE49-F238E27FC236}">
-                <a16:creationId xmlns:a16="http://schemas.microsoft.com/office/drawing/2014/main" xmlns="" id="{594EDD4C-FB3C-4D67-A0E0-448BE5307678}"/>
+                <a16:creationId xmlns:a16="http://schemas.microsoft.com/office/drawing/2014/main" id="{594EDD4C-FB3C-4D67-A0E0-448BE5307678}"/>
               </a:ext>
             </a:extLst>
           </p:cNvPr>
@@ -31921,7 +31893,7 @@
           <p:cNvPr id="344" name="Rectangle 343">
             <a:extLst>
               <a:ext uri="{FF2B5EF4-FFF2-40B4-BE49-F238E27FC236}">
-                <a16:creationId xmlns:a16="http://schemas.microsoft.com/office/drawing/2014/main" xmlns="" id="{2BA0C149-973C-4722-BF48-FF9DE9B8BC55}"/>
+                <a16:creationId xmlns:a16="http://schemas.microsoft.com/office/drawing/2014/main" id="{2BA0C149-973C-4722-BF48-FF9DE9B8BC55}"/>
               </a:ext>
             </a:extLst>
           </p:cNvPr>
@@ -32009,7 +31981,7 @@
           <p:cNvPr id="347" name="Rectangle 346">
             <a:extLst>
               <a:ext uri="{FF2B5EF4-FFF2-40B4-BE49-F238E27FC236}">
-                <a16:creationId xmlns:a16="http://schemas.microsoft.com/office/drawing/2014/main" xmlns="" id="{49C08362-5A73-4AB7-8811-DC216428D42D}"/>
+                <a16:creationId xmlns:a16="http://schemas.microsoft.com/office/drawing/2014/main" id="{49C08362-5A73-4AB7-8811-DC216428D42D}"/>
               </a:ext>
             </a:extLst>
           </p:cNvPr>
@@ -32080,7 +32052,7 @@
           <p:cNvPr id="24" name="Title 23" hidden="1">
             <a:extLst>
               <a:ext uri="{FF2B5EF4-FFF2-40B4-BE49-F238E27FC236}">
-                <a16:creationId xmlns:a16="http://schemas.microsoft.com/office/drawing/2014/main" xmlns="" id="{6FF5F564-0C08-4A3C-8BAC-1FADF459417F}"/>
+                <a16:creationId xmlns:a16="http://schemas.microsoft.com/office/drawing/2014/main" id="{6FF5F564-0C08-4A3C-8BAC-1FADF459417F}"/>
               </a:ext>
             </a:extLst>
           </p:cNvPr>
@@ -32108,7 +32080,7 @@
           <p:cNvPr id="126" name="Group 125" descr="This image is an icon of 1 person interacting with three people. ">
             <a:extLst>
               <a:ext uri="{FF2B5EF4-FFF2-40B4-BE49-F238E27FC236}">
-                <a16:creationId xmlns:a16="http://schemas.microsoft.com/office/drawing/2014/main" xmlns="" id="{2197B725-A267-4445-9BEC-6417DC7E29A2}"/>
+                <a16:creationId xmlns:a16="http://schemas.microsoft.com/office/drawing/2014/main" id="{2197B725-A267-4445-9BEC-6417DC7E29A2}"/>
               </a:ext>
             </a:extLst>
           </p:cNvPr>
@@ -32128,7 +32100,7 @@
             <p:cNvPr id="127" name="Oval 26">
               <a:extLst>
                 <a:ext uri="{FF2B5EF4-FFF2-40B4-BE49-F238E27FC236}">
-                  <a16:creationId xmlns:a16="http://schemas.microsoft.com/office/drawing/2014/main" xmlns="" id="{5E9ED0C6-8007-472E-BFDA-41B6345B538D}"/>
+                  <a16:creationId xmlns:a16="http://schemas.microsoft.com/office/drawing/2014/main" id="{5E9ED0C6-8007-472E-BFDA-41B6345B538D}"/>
                 </a:ext>
               </a:extLst>
             </p:cNvPr>
@@ -32184,7 +32156,7 @@
             <p:cNvPr id="128" name="Group 127">
               <a:extLst>
                 <a:ext uri="{FF2B5EF4-FFF2-40B4-BE49-F238E27FC236}">
-                  <a16:creationId xmlns:a16="http://schemas.microsoft.com/office/drawing/2014/main" xmlns="" id="{40D88EE3-C7C2-44D1-B5D7-E5B5AD596124}"/>
+                  <a16:creationId xmlns:a16="http://schemas.microsoft.com/office/drawing/2014/main" id="{40D88EE3-C7C2-44D1-B5D7-E5B5AD596124}"/>
                 </a:ext>
               </a:extLst>
             </p:cNvPr>
@@ -32204,7 +32176,7 @@
               <p:cNvPr id="129" name="Oval 309">
                 <a:extLst>
                   <a:ext uri="{FF2B5EF4-FFF2-40B4-BE49-F238E27FC236}">
-                    <a16:creationId xmlns:a16="http://schemas.microsoft.com/office/drawing/2014/main" xmlns="" id="{4438B9F0-3940-4EB7-968E-2799028DAAC3}"/>
+                    <a16:creationId xmlns:a16="http://schemas.microsoft.com/office/drawing/2014/main" id="{4438B9F0-3940-4EB7-968E-2799028DAAC3}"/>
                   </a:ext>
                 </a:extLst>
               </p:cNvPr>
@@ -32258,7 +32230,7 @@
               <p:cNvPr id="130" name="Freeform 310">
                 <a:extLst>
                   <a:ext uri="{FF2B5EF4-FFF2-40B4-BE49-F238E27FC236}">
-                    <a16:creationId xmlns:a16="http://schemas.microsoft.com/office/drawing/2014/main" xmlns="" id="{81822169-8900-4A85-A08B-C425CFDEA917}"/>
+                    <a16:creationId xmlns:a16="http://schemas.microsoft.com/office/drawing/2014/main" id="{81822169-8900-4A85-A08B-C425CFDEA917}"/>
                   </a:ext>
                 </a:extLst>
               </p:cNvPr>
@@ -32361,7 +32333,7 @@
               <p:cNvPr id="131" name="Oval 311">
                 <a:extLst>
                   <a:ext uri="{FF2B5EF4-FFF2-40B4-BE49-F238E27FC236}">
-                    <a16:creationId xmlns:a16="http://schemas.microsoft.com/office/drawing/2014/main" xmlns="" id="{DBA48AC3-45B4-4E08-ADB8-4D722A90F4C0}"/>
+                    <a16:creationId xmlns:a16="http://schemas.microsoft.com/office/drawing/2014/main" id="{DBA48AC3-45B4-4E08-ADB8-4D722A90F4C0}"/>
                   </a:ext>
                 </a:extLst>
               </p:cNvPr>
@@ -32415,7 +32387,7 @@
               <p:cNvPr id="132" name="Freeform 312">
                 <a:extLst>
                   <a:ext uri="{FF2B5EF4-FFF2-40B4-BE49-F238E27FC236}">
-                    <a16:creationId xmlns:a16="http://schemas.microsoft.com/office/drawing/2014/main" xmlns="" id="{E21D5097-1C72-4538-85C2-E920090C4C60}"/>
+                    <a16:creationId xmlns:a16="http://schemas.microsoft.com/office/drawing/2014/main" id="{E21D5097-1C72-4538-85C2-E920090C4C60}"/>
                   </a:ext>
                 </a:extLst>
               </p:cNvPr>
@@ -32518,7 +32490,7 @@
               <p:cNvPr id="133" name="Oval 313">
                 <a:extLst>
                   <a:ext uri="{FF2B5EF4-FFF2-40B4-BE49-F238E27FC236}">
-                    <a16:creationId xmlns:a16="http://schemas.microsoft.com/office/drawing/2014/main" xmlns="" id="{1E166BE2-2025-4891-9891-AFE6EAA92387}"/>
+                    <a16:creationId xmlns:a16="http://schemas.microsoft.com/office/drawing/2014/main" id="{1E166BE2-2025-4891-9891-AFE6EAA92387}"/>
                   </a:ext>
                 </a:extLst>
               </p:cNvPr>
@@ -32572,7 +32544,7 @@
               <p:cNvPr id="134" name="Freeform 314">
                 <a:extLst>
                   <a:ext uri="{FF2B5EF4-FFF2-40B4-BE49-F238E27FC236}">
-                    <a16:creationId xmlns:a16="http://schemas.microsoft.com/office/drawing/2014/main" xmlns="" id="{273356F3-D44C-4D3F-B190-B466FE75108A}"/>
+                    <a16:creationId xmlns:a16="http://schemas.microsoft.com/office/drawing/2014/main" id="{273356F3-D44C-4D3F-B190-B466FE75108A}"/>
                   </a:ext>
                 </a:extLst>
               </p:cNvPr>
@@ -32675,7 +32647,7 @@
               <p:cNvPr id="135" name="Oval 315">
                 <a:extLst>
                   <a:ext uri="{FF2B5EF4-FFF2-40B4-BE49-F238E27FC236}">
-                    <a16:creationId xmlns:a16="http://schemas.microsoft.com/office/drawing/2014/main" xmlns="" id="{853C13FF-B4E5-4393-AB6B-9C269AB5FBE8}"/>
+                    <a16:creationId xmlns:a16="http://schemas.microsoft.com/office/drawing/2014/main" id="{853C13FF-B4E5-4393-AB6B-9C269AB5FBE8}"/>
                   </a:ext>
                 </a:extLst>
               </p:cNvPr>
@@ -32729,7 +32701,7 @@
               <p:cNvPr id="136" name="Freeform 316">
                 <a:extLst>
                   <a:ext uri="{FF2B5EF4-FFF2-40B4-BE49-F238E27FC236}">
-                    <a16:creationId xmlns:a16="http://schemas.microsoft.com/office/drawing/2014/main" xmlns="" id="{2C4EE020-EBF7-428D-A495-3A0CA543CF9F}"/>
+                    <a16:creationId xmlns:a16="http://schemas.microsoft.com/office/drawing/2014/main" id="{2C4EE020-EBF7-428D-A495-3A0CA543CF9F}"/>
                   </a:ext>
                 </a:extLst>
               </p:cNvPr>
@@ -32832,7 +32804,7 @@
               <p:cNvPr id="137" name="Oval 317">
                 <a:extLst>
                   <a:ext uri="{FF2B5EF4-FFF2-40B4-BE49-F238E27FC236}">
-                    <a16:creationId xmlns:a16="http://schemas.microsoft.com/office/drawing/2014/main" xmlns="" id="{CE8F4B81-2C13-487A-986F-E55F94D0B174}"/>
+                    <a16:creationId xmlns:a16="http://schemas.microsoft.com/office/drawing/2014/main" id="{CE8F4B81-2C13-487A-986F-E55F94D0B174}"/>
                   </a:ext>
                 </a:extLst>
               </p:cNvPr>
@@ -32886,7 +32858,7 @@
               <p:cNvPr id="138" name="Freeform 318">
                 <a:extLst>
                   <a:ext uri="{FF2B5EF4-FFF2-40B4-BE49-F238E27FC236}">
-                    <a16:creationId xmlns:a16="http://schemas.microsoft.com/office/drawing/2014/main" xmlns="" id="{4137C8FF-DC57-4B78-9D64-A6DA362268FD}"/>
+                    <a16:creationId xmlns:a16="http://schemas.microsoft.com/office/drawing/2014/main" id="{4137C8FF-DC57-4B78-9D64-A6DA362268FD}"/>
                   </a:ext>
                 </a:extLst>
               </p:cNvPr>
@@ -32989,7 +32961,7 @@
               <p:cNvPr id="139" name="Freeform 319">
                 <a:extLst>
                   <a:ext uri="{FF2B5EF4-FFF2-40B4-BE49-F238E27FC236}">
-                    <a16:creationId xmlns:a16="http://schemas.microsoft.com/office/drawing/2014/main" xmlns="" id="{DD749923-D5B7-42E1-8AD8-BC0D73207B12}"/>
+                    <a16:creationId xmlns:a16="http://schemas.microsoft.com/office/drawing/2014/main" id="{DD749923-D5B7-42E1-8AD8-BC0D73207B12}"/>
                   </a:ext>
                 </a:extLst>
               </p:cNvPr>
@@ -33085,7 +33057,7 @@
               <p:cNvPr id="140" name="Line 320">
                 <a:extLst>
                   <a:ext uri="{FF2B5EF4-FFF2-40B4-BE49-F238E27FC236}">
-                    <a16:creationId xmlns:a16="http://schemas.microsoft.com/office/drawing/2014/main" xmlns="" id="{494446F8-09B7-45FE-AB40-35D3C73E69EA}"/>
+                    <a16:creationId xmlns:a16="http://schemas.microsoft.com/office/drawing/2014/main" id="{494446F8-09B7-45FE-AB40-35D3C73E69EA}"/>
                   </a:ext>
                 </a:extLst>
               </p:cNvPr>
@@ -33139,7 +33111,7 @@
           <p:cNvPr id="146" name="Rectangle 145">
             <a:extLst>
               <a:ext uri="{FF2B5EF4-FFF2-40B4-BE49-F238E27FC236}">
-                <a16:creationId xmlns:a16="http://schemas.microsoft.com/office/drawing/2014/main" xmlns="" id="{3B7418F0-FB05-4791-BD8F-B01555464CB5}"/>
+                <a16:creationId xmlns:a16="http://schemas.microsoft.com/office/drawing/2014/main" id="{3B7418F0-FB05-4791-BD8F-B01555464CB5}"/>
               </a:ext>
             </a:extLst>
           </p:cNvPr>
@@ -33250,7 +33222,7 @@
           <p:cNvPr id="147" name="Group 146" descr="This image is an icon of three people and a globe. ">
             <a:extLst>
               <a:ext uri="{FF2B5EF4-FFF2-40B4-BE49-F238E27FC236}">
-                <a16:creationId xmlns:a16="http://schemas.microsoft.com/office/drawing/2014/main" xmlns="" id="{99529642-9987-40A3-8CF5-3D0B723A3C04}"/>
+                <a16:creationId xmlns:a16="http://schemas.microsoft.com/office/drawing/2014/main" id="{99529642-9987-40A3-8CF5-3D0B723A3C04}"/>
               </a:ext>
             </a:extLst>
           </p:cNvPr>
@@ -33270,7 +33242,7 @@
             <p:cNvPr id="148" name="Oval 28">
               <a:extLst>
                 <a:ext uri="{FF2B5EF4-FFF2-40B4-BE49-F238E27FC236}">
-                  <a16:creationId xmlns:a16="http://schemas.microsoft.com/office/drawing/2014/main" xmlns="" id="{5C099B52-6C27-474D-85BA-FC9E867604BA}"/>
+                  <a16:creationId xmlns:a16="http://schemas.microsoft.com/office/drawing/2014/main" id="{5C099B52-6C27-474D-85BA-FC9E867604BA}"/>
                 </a:ext>
               </a:extLst>
             </p:cNvPr>
@@ -33326,7 +33298,7 @@
             <p:cNvPr id="149" name="Group 148">
               <a:extLst>
                 <a:ext uri="{FF2B5EF4-FFF2-40B4-BE49-F238E27FC236}">
-                  <a16:creationId xmlns:a16="http://schemas.microsoft.com/office/drawing/2014/main" xmlns="" id="{47AFF639-241E-4844-9677-4794016F4D08}"/>
+                  <a16:creationId xmlns:a16="http://schemas.microsoft.com/office/drawing/2014/main" id="{47AFF639-241E-4844-9677-4794016F4D08}"/>
                 </a:ext>
               </a:extLst>
             </p:cNvPr>
@@ -33346,7 +33318,7 @@
               <p:cNvPr id="151" name="Freeform 258">
                 <a:extLst>
                   <a:ext uri="{FF2B5EF4-FFF2-40B4-BE49-F238E27FC236}">
-                    <a16:creationId xmlns:a16="http://schemas.microsoft.com/office/drawing/2014/main" xmlns="" id="{1A2EE4CA-0C9A-40F9-BCEB-D0D5EFEED7F9}"/>
+                    <a16:creationId xmlns:a16="http://schemas.microsoft.com/office/drawing/2014/main" id="{1A2EE4CA-0C9A-40F9-BCEB-D0D5EFEED7F9}"/>
                   </a:ext>
                 </a:extLst>
               </p:cNvPr>
@@ -33469,7 +33441,7 @@
               <p:cNvPr id="152" name="Freeform 259">
                 <a:extLst>
                   <a:ext uri="{FF2B5EF4-FFF2-40B4-BE49-F238E27FC236}">
-                    <a16:creationId xmlns:a16="http://schemas.microsoft.com/office/drawing/2014/main" xmlns="" id="{47AA3659-39C2-495D-947F-981EBCEE2A0B}"/>
+                    <a16:creationId xmlns:a16="http://schemas.microsoft.com/office/drawing/2014/main" id="{47AA3659-39C2-495D-947F-981EBCEE2A0B}"/>
                   </a:ext>
                 </a:extLst>
               </p:cNvPr>
@@ -33551,7 +33523,7 @@
               <p:cNvPr id="228" name="Freeform 260">
                 <a:extLst>
                   <a:ext uri="{FF2B5EF4-FFF2-40B4-BE49-F238E27FC236}">
-                    <a16:creationId xmlns:a16="http://schemas.microsoft.com/office/drawing/2014/main" xmlns="" id="{FE6B5066-FA9A-42E7-AFED-0D9F708829F2}"/>
+                    <a16:creationId xmlns:a16="http://schemas.microsoft.com/office/drawing/2014/main" id="{FE6B5066-FA9A-42E7-AFED-0D9F708829F2}"/>
                   </a:ext>
                 </a:extLst>
               </p:cNvPr>
@@ -33633,7 +33605,7 @@
               <p:cNvPr id="229" name="Line 261">
                 <a:extLst>
                   <a:ext uri="{FF2B5EF4-FFF2-40B4-BE49-F238E27FC236}">
-                    <a16:creationId xmlns:a16="http://schemas.microsoft.com/office/drawing/2014/main" xmlns="" id="{B8E3A2B4-6F04-420D-A23D-20579CB8006D}"/>
+                    <a16:creationId xmlns:a16="http://schemas.microsoft.com/office/drawing/2014/main" id="{B8E3A2B4-6F04-420D-A23D-20579CB8006D}"/>
                   </a:ext>
                 </a:extLst>
               </p:cNvPr>
@@ -33685,7 +33657,7 @@
               <p:cNvPr id="230" name="Line 262">
                 <a:extLst>
                   <a:ext uri="{FF2B5EF4-FFF2-40B4-BE49-F238E27FC236}">
-                    <a16:creationId xmlns:a16="http://schemas.microsoft.com/office/drawing/2014/main" xmlns="" id="{AFC8CA09-4F28-4F4F-842E-021A79D90290}"/>
+                    <a16:creationId xmlns:a16="http://schemas.microsoft.com/office/drawing/2014/main" id="{AFC8CA09-4F28-4F4F-842E-021A79D90290}"/>
                   </a:ext>
                 </a:extLst>
               </p:cNvPr>
@@ -33737,7 +33709,7 @@
               <p:cNvPr id="231" name="Line 263">
                 <a:extLst>
                   <a:ext uri="{FF2B5EF4-FFF2-40B4-BE49-F238E27FC236}">
-                    <a16:creationId xmlns:a16="http://schemas.microsoft.com/office/drawing/2014/main" xmlns="" id="{DBCFA4E4-C63E-4A6A-8C29-E53D77F7C278}"/>
+                    <a16:creationId xmlns:a16="http://schemas.microsoft.com/office/drawing/2014/main" id="{DBCFA4E4-C63E-4A6A-8C29-E53D77F7C278}"/>
                   </a:ext>
                 </a:extLst>
               </p:cNvPr>
@@ -33789,7 +33761,7 @@
               <p:cNvPr id="232" name="Oval 264">
                 <a:extLst>
                   <a:ext uri="{FF2B5EF4-FFF2-40B4-BE49-F238E27FC236}">
-                    <a16:creationId xmlns:a16="http://schemas.microsoft.com/office/drawing/2014/main" xmlns="" id="{B71C14F0-14D9-462F-A1F1-B31CC5BC147B}"/>
+                    <a16:creationId xmlns:a16="http://schemas.microsoft.com/office/drawing/2014/main" id="{B71C14F0-14D9-462F-A1F1-B31CC5BC147B}"/>
                   </a:ext>
                 </a:extLst>
               </p:cNvPr>
@@ -33843,7 +33815,7 @@
               <p:cNvPr id="233" name="Oval 265">
                 <a:extLst>
                   <a:ext uri="{FF2B5EF4-FFF2-40B4-BE49-F238E27FC236}">
-                    <a16:creationId xmlns:a16="http://schemas.microsoft.com/office/drawing/2014/main" xmlns="" id="{AAB6936A-C4EE-4F80-AA76-729E9D011034}"/>
+                    <a16:creationId xmlns:a16="http://schemas.microsoft.com/office/drawing/2014/main" id="{AAB6936A-C4EE-4F80-AA76-729E9D011034}"/>
                   </a:ext>
                 </a:extLst>
               </p:cNvPr>
@@ -33897,7 +33869,7 @@
               <p:cNvPr id="234" name="Oval 266">
                 <a:extLst>
                   <a:ext uri="{FF2B5EF4-FFF2-40B4-BE49-F238E27FC236}">
-                    <a16:creationId xmlns:a16="http://schemas.microsoft.com/office/drawing/2014/main" xmlns="" id="{D5E41830-6E75-4DAE-8FBE-0D5106CDC4B6}"/>
+                    <a16:creationId xmlns:a16="http://schemas.microsoft.com/office/drawing/2014/main" id="{D5E41830-6E75-4DAE-8FBE-0D5106CDC4B6}"/>
                   </a:ext>
                 </a:extLst>
               </p:cNvPr>
@@ -33951,7 +33923,7 @@
               <p:cNvPr id="235" name="Freeform 267">
                 <a:extLst>
                   <a:ext uri="{FF2B5EF4-FFF2-40B4-BE49-F238E27FC236}">
-                    <a16:creationId xmlns:a16="http://schemas.microsoft.com/office/drawing/2014/main" xmlns="" id="{30AD4225-8B62-4CE7-8FC4-AC9D439E74AB}"/>
+                    <a16:creationId xmlns:a16="http://schemas.microsoft.com/office/drawing/2014/main" id="{30AD4225-8B62-4CE7-8FC4-AC9D439E74AB}"/>
                   </a:ext>
                 </a:extLst>
               </p:cNvPr>
@@ -34096,7 +34068,7 @@
           <p:cNvPr id="239" name="Rectangle 238">
             <a:extLst>
               <a:ext uri="{FF2B5EF4-FFF2-40B4-BE49-F238E27FC236}">
-                <a16:creationId xmlns:a16="http://schemas.microsoft.com/office/drawing/2014/main" xmlns="" id="{F8F3BB02-2531-4CCE-93A5-025A122A8A7E}"/>
+                <a16:creationId xmlns:a16="http://schemas.microsoft.com/office/drawing/2014/main" id="{F8F3BB02-2531-4CCE-93A5-025A122A8A7E}"/>
               </a:ext>
             </a:extLst>
           </p:cNvPr>
@@ -34139,7 +34111,7 @@
               </a:rPr>
               <a:t> </a:t>
             </a:r>
-            <a:endParaRPr lang="id-ID" sz="2000" b="1" i="1" dirty="0" smtClean="0">
+            <a:endParaRPr lang="id-ID" sz="2000" b="1" i="1" dirty="0">
               <a:solidFill>
                 <a:srgbClr val="002060"/>
               </a:solidFill>
@@ -34150,7 +34122,7 @@
           <a:p>
             <a:pPr algn="ctr"/>
             <a:r>
-              <a:rPr lang="en-US" sz="2000" b="1" i="1" dirty="0" err="1" smtClean="0">
+              <a:rPr lang="en-US" sz="2000" b="1" i="1" dirty="0" err="1">
                 <a:solidFill>
                   <a:srgbClr val="002060"/>
                 </a:solidFill>
@@ -34160,7 +34132,7 @@
               <a:t>surat</a:t>
             </a:r>
             <a:r>
-              <a:rPr lang="en-US" sz="2000" b="1" i="1" dirty="0" smtClean="0">
+              <a:rPr lang="en-US" sz="2000" b="1" i="1" dirty="0">
                 <a:solidFill>
                   <a:srgbClr val="002060"/>
                 </a:solidFill>
@@ -34214,7 +34186,7 @@
           <p:cNvPr id="254" name="Oval 24">
             <a:extLst>
               <a:ext uri="{FF2B5EF4-FFF2-40B4-BE49-F238E27FC236}">
-                <a16:creationId xmlns:a16="http://schemas.microsoft.com/office/drawing/2014/main" xmlns="" id="{16A34343-0998-42BB-80E4-28FB10F8BF29}"/>
+                <a16:creationId xmlns:a16="http://schemas.microsoft.com/office/drawing/2014/main" id="{16A34343-0998-42BB-80E4-28FB10F8BF29}"/>
               </a:ext>
             </a:extLst>
           </p:cNvPr>
@@ -34270,7 +34242,7 @@
           <p:cNvPr id="255" name="Oval 24">
             <a:extLst>
               <a:ext uri="{FF2B5EF4-FFF2-40B4-BE49-F238E27FC236}">
-                <a16:creationId xmlns:a16="http://schemas.microsoft.com/office/drawing/2014/main" xmlns="" id="{16A34343-0998-42BB-80E4-28FB10F8BF29}"/>
+                <a16:creationId xmlns:a16="http://schemas.microsoft.com/office/drawing/2014/main" id="{16A34343-0998-42BB-80E4-28FB10F8BF29}"/>
               </a:ext>
             </a:extLst>
           </p:cNvPr>
@@ -34326,7 +34298,7 @@
           <p:cNvPr id="256" name="Oval 24">
             <a:extLst>
               <a:ext uri="{FF2B5EF4-FFF2-40B4-BE49-F238E27FC236}">
-                <a16:creationId xmlns:a16="http://schemas.microsoft.com/office/drawing/2014/main" xmlns="" id="{16A34343-0998-42BB-80E4-28FB10F8BF29}"/>
+                <a16:creationId xmlns:a16="http://schemas.microsoft.com/office/drawing/2014/main" id="{16A34343-0998-42BB-80E4-28FB10F8BF29}"/>
               </a:ext>
             </a:extLst>
           </p:cNvPr>
@@ -34382,7 +34354,7 @@
           <p:cNvPr id="257" name="Oval 24">
             <a:extLst>
               <a:ext uri="{FF2B5EF4-FFF2-40B4-BE49-F238E27FC236}">
-                <a16:creationId xmlns:a16="http://schemas.microsoft.com/office/drawing/2014/main" xmlns="" id="{16A34343-0998-42BB-80E4-28FB10F8BF29}"/>
+                <a16:creationId xmlns:a16="http://schemas.microsoft.com/office/drawing/2014/main" id="{16A34343-0998-42BB-80E4-28FB10F8BF29}"/>
               </a:ext>
             </a:extLst>
           </p:cNvPr>
@@ -34438,7 +34410,7 @@
           <p:cNvPr id="258" name="Oval 24">
             <a:extLst>
               <a:ext uri="{FF2B5EF4-FFF2-40B4-BE49-F238E27FC236}">
-                <a16:creationId xmlns:a16="http://schemas.microsoft.com/office/drawing/2014/main" xmlns="" id="{16A34343-0998-42BB-80E4-28FB10F8BF29}"/>
+                <a16:creationId xmlns:a16="http://schemas.microsoft.com/office/drawing/2014/main" id="{16A34343-0998-42BB-80E4-28FB10F8BF29}"/>
               </a:ext>
             </a:extLst>
           </p:cNvPr>
@@ -34494,7 +34466,7 @@
           <p:cNvPr id="259" name="Oval 24">
             <a:extLst>
               <a:ext uri="{FF2B5EF4-FFF2-40B4-BE49-F238E27FC236}">
-                <a16:creationId xmlns:a16="http://schemas.microsoft.com/office/drawing/2014/main" xmlns="" id="{16A34343-0998-42BB-80E4-28FB10F8BF29}"/>
+                <a16:creationId xmlns:a16="http://schemas.microsoft.com/office/drawing/2014/main" id="{16A34343-0998-42BB-80E4-28FB10F8BF29}"/>
               </a:ext>
             </a:extLst>
           </p:cNvPr>
@@ -34550,7 +34522,7 @@
           <p:cNvPr id="260" name="Oval 24">
             <a:extLst>
               <a:ext uri="{FF2B5EF4-FFF2-40B4-BE49-F238E27FC236}">
-                <a16:creationId xmlns:a16="http://schemas.microsoft.com/office/drawing/2014/main" xmlns="" id="{16A34343-0998-42BB-80E4-28FB10F8BF29}"/>
+                <a16:creationId xmlns:a16="http://schemas.microsoft.com/office/drawing/2014/main" id="{16A34343-0998-42BB-80E4-28FB10F8BF29}"/>
               </a:ext>
             </a:extLst>
           </p:cNvPr>
@@ -34606,7 +34578,7 @@
           <p:cNvPr id="261" name="TextBox 260">
             <a:extLst>
               <a:ext uri="{FF2B5EF4-FFF2-40B4-BE49-F238E27FC236}">
-                <a16:creationId xmlns:a16="http://schemas.microsoft.com/office/drawing/2014/main" xmlns="" id="{BAD3DD8E-0492-4A48-B06C-F87FA5CFE3C0}"/>
+                <a16:creationId xmlns:a16="http://schemas.microsoft.com/office/drawing/2014/main" id="{BAD3DD8E-0492-4A48-B06C-F87FA5CFE3C0}"/>
               </a:ext>
             </a:extLst>
           </p:cNvPr>
@@ -34654,7 +34626,7 @@
           <p:cNvPr id="262" name="TextBox 261">
             <a:extLst>
               <a:ext uri="{FF2B5EF4-FFF2-40B4-BE49-F238E27FC236}">
-                <a16:creationId xmlns:a16="http://schemas.microsoft.com/office/drawing/2014/main" xmlns="" id="{BAD3DD8E-0492-4A48-B06C-F87FA5CFE3C0}"/>
+                <a16:creationId xmlns:a16="http://schemas.microsoft.com/office/drawing/2014/main" id="{BAD3DD8E-0492-4A48-B06C-F87FA5CFE3C0}"/>
               </a:ext>
             </a:extLst>
           </p:cNvPr>
@@ -34678,7 +34650,7 @@
           <a:lstStyle/>
           <a:p>
             <a:r>
-              <a:rPr lang="id-ID" sz="6000" dirty="0" smtClean="0">
+              <a:rPr lang="id-ID" sz="6000" dirty="0">
                 <a:solidFill>
                   <a:srgbClr val="002060"/>
                 </a:solidFill>
@@ -34702,7 +34674,7 @@
           <p:cNvPr id="263" name="TextBox 262">
             <a:extLst>
               <a:ext uri="{FF2B5EF4-FFF2-40B4-BE49-F238E27FC236}">
-                <a16:creationId xmlns:a16="http://schemas.microsoft.com/office/drawing/2014/main" xmlns="" id="{BAD3DD8E-0492-4A48-B06C-F87FA5CFE3C0}"/>
+                <a16:creationId xmlns:a16="http://schemas.microsoft.com/office/drawing/2014/main" id="{BAD3DD8E-0492-4A48-B06C-F87FA5CFE3C0}"/>
               </a:ext>
             </a:extLst>
           </p:cNvPr>
@@ -34750,7 +34722,7 @@
           <p:cNvPr id="264" name="TextBox 263">
             <a:extLst>
               <a:ext uri="{FF2B5EF4-FFF2-40B4-BE49-F238E27FC236}">
-                <a16:creationId xmlns:a16="http://schemas.microsoft.com/office/drawing/2014/main" xmlns="" id="{BAD3DD8E-0492-4A48-B06C-F87FA5CFE3C0}"/>
+                <a16:creationId xmlns:a16="http://schemas.microsoft.com/office/drawing/2014/main" id="{BAD3DD8E-0492-4A48-B06C-F87FA5CFE3C0}"/>
               </a:ext>
             </a:extLst>
           </p:cNvPr>
@@ -34774,7 +34746,7 @@
           <a:lstStyle/>
           <a:p>
             <a:r>
-              <a:rPr lang="id-ID" sz="6000" dirty="0" smtClean="0">
+              <a:rPr lang="id-ID" sz="6000" dirty="0">
                 <a:solidFill>
                   <a:srgbClr val="002060"/>
                 </a:solidFill>
@@ -34798,7 +34770,7 @@
           <p:cNvPr id="265" name="TextBox 264">
             <a:extLst>
               <a:ext uri="{FF2B5EF4-FFF2-40B4-BE49-F238E27FC236}">
-                <a16:creationId xmlns:a16="http://schemas.microsoft.com/office/drawing/2014/main" xmlns="" id="{BAD3DD8E-0492-4A48-B06C-F87FA5CFE3C0}"/>
+                <a16:creationId xmlns:a16="http://schemas.microsoft.com/office/drawing/2014/main" id="{BAD3DD8E-0492-4A48-B06C-F87FA5CFE3C0}"/>
               </a:ext>
             </a:extLst>
           </p:cNvPr>
@@ -34846,7 +34818,7 @@
           <p:cNvPr id="266" name="TextBox 265">
             <a:extLst>
               <a:ext uri="{FF2B5EF4-FFF2-40B4-BE49-F238E27FC236}">
-                <a16:creationId xmlns:a16="http://schemas.microsoft.com/office/drawing/2014/main" xmlns="" id="{BAD3DD8E-0492-4A48-B06C-F87FA5CFE3C0}"/>
+                <a16:creationId xmlns:a16="http://schemas.microsoft.com/office/drawing/2014/main" id="{BAD3DD8E-0492-4A48-B06C-F87FA5CFE3C0}"/>
               </a:ext>
             </a:extLst>
           </p:cNvPr>
@@ -34870,7 +34842,7 @@
           <a:lstStyle/>
           <a:p>
             <a:r>
-              <a:rPr lang="id-ID" sz="6000" dirty="0" smtClean="0">
+              <a:rPr lang="id-ID" sz="6000" dirty="0">
                 <a:solidFill>
                   <a:srgbClr val="002060"/>
                 </a:solidFill>
@@ -34894,7 +34866,7 @@
           <p:cNvPr id="267" name="TextBox 266">
             <a:extLst>
               <a:ext uri="{FF2B5EF4-FFF2-40B4-BE49-F238E27FC236}">
-                <a16:creationId xmlns:a16="http://schemas.microsoft.com/office/drawing/2014/main" xmlns="" id="{BAD3DD8E-0492-4A48-B06C-F87FA5CFE3C0}"/>
+                <a16:creationId xmlns:a16="http://schemas.microsoft.com/office/drawing/2014/main" id="{BAD3DD8E-0492-4A48-B06C-F87FA5CFE3C0}"/>
               </a:ext>
             </a:extLst>
           </p:cNvPr>
@@ -34947,13 +34919,6 @@
   <p:clrMapOvr>
     <a:masterClrMapping/>
   </p:clrMapOvr>
-  <p:timing>
-    <p:tnLst>
-      <p:par>
-        <p:cTn id="1" dur="indefinite" restart="never" nodeType="tmRoot"/>
-      </p:par>
-    </p:tnLst>
-  </p:timing>
 </p:sld>
 </file>
 
@@ -34979,7 +34944,7 @@
           <p:cNvPr id="3" name="TextBox 2">
             <a:extLst>
               <a:ext uri="{FF2B5EF4-FFF2-40B4-BE49-F238E27FC236}">
-                <a16:creationId xmlns:a16="http://schemas.microsoft.com/office/drawing/2014/main" xmlns="" id="{CE6AF7FE-5978-4B5F-90E1-044AC25EC230}"/>
+                <a16:creationId xmlns:a16="http://schemas.microsoft.com/office/drawing/2014/main" id="{CE6AF7FE-5978-4B5F-90E1-044AC25EC230}"/>
               </a:ext>
             </a:extLst>
           </p:cNvPr>
@@ -35030,7 +34995,7 @@
           <p:cNvPr id="5" name="TextBox 4">
             <a:extLst>
               <a:ext uri="{FF2B5EF4-FFF2-40B4-BE49-F238E27FC236}">
-                <a16:creationId xmlns:a16="http://schemas.microsoft.com/office/drawing/2014/main" xmlns="" id="{11FEAF3D-6FC9-46CB-B4A4-9B8CA760AE20}"/>
+                <a16:creationId xmlns:a16="http://schemas.microsoft.com/office/drawing/2014/main" id="{11FEAF3D-6FC9-46CB-B4A4-9B8CA760AE20}"/>
               </a:ext>
             </a:extLst>
           </p:cNvPr>
@@ -35040,7 +35005,7 @@
         <p:spPr>
           <a:xfrm>
             <a:off x="726780" y="1144046"/>
-            <a:ext cx="5369219" cy="984885"/>
+            <a:ext cx="5369219" cy="3200876"/>
           </a:xfrm>
           <a:prstGeom prst="rect">
             <a:avLst/>
@@ -35065,10 +35030,379 @@
             </a:lvl1pPr>
           </a:lstStyle>
           <a:p>
-            <a:r>
-              <a:rPr lang="en-US" i="0" dirty="0"/>
-              <a:t>Sed ut perspiciatis unde omnis iste natus error sit voluptatem accusantium doloremque laudantium, totam rem aperiam, eaque ipsa quae ab illo inventore veritatis et quasi architecto beatae vitae dicta sunt explicabo. </a:t>
-            </a:r>
+            <a:pPr marL="285750" indent="-285750">
+              <a:buFont typeface="Arial" panose="020B0604020202020204" pitchFamily="34" charset="0"/>
+              <a:buChar char="•"/>
+            </a:pPr>
+            <a:r>
+              <a:rPr lang="id-ID" dirty="0"/>
+              <a:t>Sistem Informasi</a:t>
+            </a:r>
+            <a:r>
+              <a:rPr lang="en-US" dirty="0"/>
+              <a:t> </a:t>
+            </a:r>
+            <a:r>
+              <a:rPr lang="en-US" dirty="0" err="1"/>
+              <a:t>Manajemen</a:t>
+            </a:r>
+            <a:r>
+              <a:rPr lang="en-US" dirty="0"/>
+              <a:t> Surat </a:t>
+            </a:r>
+            <a:r>
+              <a:rPr lang="en-US" dirty="0" err="1"/>
+              <a:t>Perintah</a:t>
+            </a:r>
+            <a:r>
+              <a:rPr lang="en-US" dirty="0"/>
+              <a:t> </a:t>
+            </a:r>
+            <a:r>
+              <a:rPr lang="en-US" dirty="0" err="1"/>
+              <a:t>Tugas</a:t>
+            </a:r>
+            <a:r>
+              <a:rPr lang="en-US" dirty="0"/>
+              <a:t> </a:t>
+            </a:r>
+            <a:r>
+              <a:rPr lang="en-US" dirty="0" err="1"/>
+              <a:t>berbasis</a:t>
+            </a:r>
+            <a:r>
+              <a:rPr lang="en-US" dirty="0"/>
+              <a:t> web </a:t>
+            </a:r>
+            <a:r>
+              <a:rPr lang="en-US" dirty="0" err="1"/>
+              <a:t>ini</a:t>
+            </a:r>
+            <a:r>
+              <a:rPr lang="en-US" dirty="0"/>
+              <a:t> </a:t>
+            </a:r>
+            <a:r>
+              <a:rPr lang="en-US" dirty="0" err="1"/>
+              <a:t>dikelola</a:t>
+            </a:r>
+            <a:r>
+              <a:rPr lang="en-US" dirty="0"/>
+              <a:t> oleh 5 </a:t>
+            </a:r>
+            <a:r>
+              <a:rPr lang="en-US" dirty="0" err="1"/>
+              <a:t>bagian</a:t>
+            </a:r>
+            <a:r>
+              <a:rPr lang="en-US" dirty="0"/>
+              <a:t> Admin yang </a:t>
+            </a:r>
+            <a:r>
+              <a:rPr lang="en-US" dirty="0" err="1"/>
+              <a:t>saling</a:t>
+            </a:r>
+            <a:r>
+              <a:rPr lang="en-US" dirty="0"/>
+              <a:t> </a:t>
+            </a:r>
+            <a:r>
+              <a:rPr lang="en-US" dirty="0" err="1"/>
+              <a:t>terintegrasi</a:t>
+            </a:r>
+            <a:r>
+              <a:rPr lang="en-US" dirty="0"/>
+              <a:t> </a:t>
+            </a:r>
+            <a:r>
+              <a:rPr lang="en-US" dirty="0" err="1"/>
+              <a:t>yaitu</a:t>
+            </a:r>
+            <a:r>
+              <a:rPr lang="en-US" dirty="0"/>
+              <a:t> Admin(super admin), Admin TU, Admin BKD, Admin BKA dan </a:t>
+            </a:r>
+            <a:r>
+              <a:rPr lang="en-US" dirty="0" err="1"/>
+              <a:t>Kepala</a:t>
+            </a:r>
+            <a:r>
+              <a:rPr lang="en-US" dirty="0"/>
+              <a:t> </a:t>
+            </a:r>
+            <a:r>
+              <a:rPr lang="en-US" dirty="0" err="1"/>
+              <a:t>untuk</a:t>
+            </a:r>
+            <a:r>
+              <a:rPr lang="en-US" dirty="0"/>
+              <a:t> </a:t>
+            </a:r>
+            <a:r>
+              <a:rPr lang="en-US" dirty="0" err="1"/>
+              <a:t>memanajemen</a:t>
+            </a:r>
+            <a:r>
+              <a:rPr lang="en-US" dirty="0"/>
+              <a:t> data dan </a:t>
+            </a:r>
+            <a:r>
+              <a:rPr lang="en-US" dirty="0" err="1"/>
+              <a:t>disimpan</a:t>
+            </a:r>
+            <a:r>
+              <a:rPr lang="en-US" dirty="0"/>
+              <a:t> </a:t>
+            </a:r>
+            <a:r>
+              <a:rPr lang="en-US" dirty="0" err="1"/>
+              <a:t>kedalam</a:t>
+            </a:r>
+            <a:r>
+              <a:rPr lang="en-US" dirty="0"/>
+              <a:t> database</a:t>
+            </a:r>
+            <a:r>
+              <a:rPr lang="id-ID" dirty="0"/>
+              <a:t>.</a:t>
+            </a:r>
+            <a:endParaRPr lang="en-ID" dirty="0"/>
+          </a:p>
+          <a:p>
+            <a:pPr marL="285750" indent="-285750">
+              <a:buFont typeface="Arial" panose="020B0604020202020204" pitchFamily="34" charset="0"/>
+              <a:buChar char="•"/>
+            </a:pPr>
+            <a:r>
+              <a:rPr lang="id-ID" dirty="0"/>
+              <a:t>Sistem Informasi </a:t>
+            </a:r>
+            <a:r>
+              <a:rPr lang="en-US" dirty="0" err="1"/>
+              <a:t>Manajemen</a:t>
+            </a:r>
+            <a:r>
+              <a:rPr lang="en-US" dirty="0"/>
+              <a:t> Surat </a:t>
+            </a:r>
+            <a:r>
+              <a:rPr lang="en-US" dirty="0" err="1"/>
+              <a:t>Perintah</a:t>
+            </a:r>
+            <a:r>
+              <a:rPr lang="en-US" dirty="0"/>
+              <a:t> </a:t>
+            </a:r>
+            <a:r>
+              <a:rPr lang="en-US" dirty="0" err="1"/>
+              <a:t>Tugas</a:t>
+            </a:r>
+            <a:r>
+              <a:rPr lang="en-US" dirty="0"/>
+              <a:t> </a:t>
+            </a:r>
+            <a:r>
+              <a:rPr lang="en-US" dirty="0" err="1"/>
+              <a:t>berbasis</a:t>
+            </a:r>
+            <a:r>
+              <a:rPr lang="en-US" dirty="0"/>
+              <a:t> web </a:t>
+            </a:r>
+            <a:r>
+              <a:rPr lang="id-ID" dirty="0"/>
+              <a:t>ini dapat mendukung proses </a:t>
+            </a:r>
+            <a:r>
+              <a:rPr lang="en-US" dirty="0"/>
+              <a:t>monitoring </a:t>
+            </a:r>
+            <a:r>
+              <a:rPr lang="en-US" dirty="0" err="1"/>
+              <a:t>surat</a:t>
+            </a:r>
+            <a:r>
+              <a:rPr lang="en-US" dirty="0"/>
+              <a:t> </a:t>
+            </a:r>
+            <a:r>
+              <a:rPr lang="en-US" dirty="0" err="1"/>
+              <a:t>perintah</a:t>
+            </a:r>
+            <a:r>
+              <a:rPr lang="en-US" dirty="0"/>
+              <a:t> </a:t>
+            </a:r>
+            <a:r>
+              <a:rPr lang="en-US" dirty="0" err="1"/>
+              <a:t>tugas</a:t>
+            </a:r>
+            <a:r>
+              <a:rPr lang="en-US" dirty="0"/>
+              <a:t> yang </a:t>
+            </a:r>
+            <a:r>
+              <a:rPr lang="en-US" dirty="0" err="1"/>
+              <a:t>sangat</a:t>
+            </a:r>
+            <a:r>
+              <a:rPr lang="en-US" dirty="0"/>
+              <a:t> </a:t>
+            </a:r>
+            <a:r>
+              <a:rPr lang="en-US" dirty="0" err="1"/>
+              <a:t>berguna</a:t>
+            </a:r>
+            <a:r>
+              <a:rPr lang="en-US" dirty="0"/>
+              <a:t> </a:t>
+            </a:r>
+            <a:r>
+              <a:rPr lang="en-US" dirty="0" err="1"/>
+              <a:t>untuk</a:t>
+            </a:r>
+            <a:r>
+              <a:rPr lang="en-US" dirty="0"/>
+              <a:t> </a:t>
+            </a:r>
+            <a:r>
+              <a:rPr lang="en-US" dirty="0" err="1"/>
+              <a:t>dibuat</a:t>
+            </a:r>
+            <a:r>
+              <a:rPr lang="en-US" dirty="0"/>
+              <a:t> </a:t>
+            </a:r>
+            <a:r>
+              <a:rPr lang="en-US" dirty="0" err="1"/>
+              <a:t>laporan</a:t>
+            </a:r>
+            <a:r>
+              <a:rPr lang="en-US" dirty="0"/>
+              <a:t> </a:t>
+            </a:r>
+            <a:r>
+              <a:rPr lang="en-US" dirty="0" err="1"/>
+              <a:t>kepada</a:t>
+            </a:r>
+            <a:r>
+              <a:rPr lang="en-US" dirty="0"/>
+              <a:t> </a:t>
+            </a:r>
+            <a:r>
+              <a:rPr lang="en-US" dirty="0" err="1"/>
+              <a:t>kepala</a:t>
+            </a:r>
+            <a:r>
+              <a:rPr lang="en-US" dirty="0"/>
+              <a:t>.</a:t>
+            </a:r>
+            <a:endParaRPr lang="en-ID" dirty="0"/>
+          </a:p>
+          <a:p>
+            <a:pPr marL="285750" indent="-285750">
+              <a:buFont typeface="Arial" panose="020B0604020202020204" pitchFamily="34" charset="0"/>
+              <a:buChar char="•"/>
+            </a:pPr>
+            <a:r>
+              <a:rPr lang="id-ID" dirty="0"/>
+              <a:t>Sistem Informasi </a:t>
+            </a:r>
+            <a:r>
+              <a:rPr lang="en-US" dirty="0" err="1"/>
+              <a:t>Manajemen</a:t>
+            </a:r>
+            <a:r>
+              <a:rPr lang="en-US" dirty="0"/>
+              <a:t> Surat </a:t>
+            </a:r>
+            <a:r>
+              <a:rPr lang="en-US" dirty="0" err="1"/>
+              <a:t>Perintah</a:t>
+            </a:r>
+            <a:r>
+              <a:rPr lang="en-US" dirty="0"/>
+              <a:t> </a:t>
+            </a:r>
+            <a:r>
+              <a:rPr lang="en-US" dirty="0" err="1"/>
+              <a:t>Tugas</a:t>
+            </a:r>
+            <a:r>
+              <a:rPr lang="en-US" dirty="0"/>
+              <a:t> </a:t>
+            </a:r>
+            <a:r>
+              <a:rPr lang="en-US" dirty="0" err="1"/>
+              <a:t>Telah</a:t>
+            </a:r>
+            <a:r>
+              <a:rPr lang="en-US" dirty="0"/>
+              <a:t> </a:t>
+            </a:r>
+            <a:r>
+              <a:rPr lang="id-ID" dirty="0"/>
+              <a:t>dapat melakukan proses </a:t>
+            </a:r>
+            <a:r>
+              <a:rPr lang="en-US" dirty="0" err="1"/>
+              <a:t>manejemen</a:t>
+            </a:r>
+            <a:r>
+              <a:rPr lang="en-US" dirty="0"/>
+              <a:t> </a:t>
+            </a:r>
+            <a:r>
+              <a:rPr lang="en-US" dirty="0" err="1"/>
+              <a:t>surat</a:t>
+            </a:r>
+            <a:r>
+              <a:rPr lang="en-US" dirty="0"/>
+              <a:t> </a:t>
+            </a:r>
+            <a:r>
+              <a:rPr lang="en-US" dirty="0" err="1"/>
+              <a:t>perinta</a:t>
+            </a:r>
+            <a:r>
+              <a:rPr lang="en-US" dirty="0"/>
+              <a:t> </a:t>
+            </a:r>
+            <a:r>
+              <a:rPr lang="en-US" dirty="0" err="1"/>
+              <a:t>tugas</a:t>
+            </a:r>
+            <a:r>
+              <a:rPr lang="en-US" dirty="0"/>
+              <a:t> </a:t>
+            </a:r>
+            <a:r>
+              <a:rPr lang="en-US" dirty="0" err="1"/>
+              <a:t>dengan</a:t>
+            </a:r>
+            <a:r>
+              <a:rPr lang="en-US" dirty="0"/>
+              <a:t> </a:t>
+            </a:r>
+            <a:r>
+              <a:rPr lang="en-US" dirty="0" err="1"/>
+              <a:t>baik</a:t>
+            </a:r>
+            <a:r>
+              <a:rPr lang="en-US" dirty="0"/>
+              <a:t> </a:t>
+            </a:r>
+            <a:r>
+              <a:rPr lang="id-ID" dirty="0"/>
+              <a:t>sesuai dari hasil pengujian Black Box.</a:t>
+            </a:r>
+            <a:endParaRPr lang="en-ID" dirty="0"/>
+          </a:p>
+          <a:p>
+            <a:pPr marL="285750" indent="-285750">
+              <a:buFont typeface="Arial" panose="020B0604020202020204" pitchFamily="34" charset="0"/>
+              <a:buChar char="•"/>
+            </a:pPr>
             <a:endParaRPr lang="en-US" dirty="0"/>
           </a:p>
         </p:txBody>
@@ -35078,7 +35412,7 @@
           <p:cNvPr id="163" name="Picture 162" descr="This image is of two sets of hands putting puzzle pieces together. ">
             <a:extLst>
               <a:ext uri="{FF2B5EF4-FFF2-40B4-BE49-F238E27FC236}">
-                <a16:creationId xmlns:a16="http://schemas.microsoft.com/office/drawing/2014/main" xmlns="" id="{AB835B29-19DB-41C9-9C29-FB52358C44C7}"/>
+                <a16:creationId xmlns:a16="http://schemas.microsoft.com/office/drawing/2014/main" id="{AB835B29-19DB-41C9-9C29-FB52358C44C7}"/>
               </a:ext>
             </a:extLst>
           </p:cNvPr>
@@ -35107,7 +35441,7 @@
           <p:cNvPr id="53" name="Title 52" hidden="1">
             <a:extLst>
               <a:ext uri="{FF2B5EF4-FFF2-40B4-BE49-F238E27FC236}">
-                <a16:creationId xmlns:a16="http://schemas.microsoft.com/office/drawing/2014/main" xmlns="" id="{6BCAF586-A14B-4A3B-A249-655ADDBB3A4C}"/>
+                <a16:creationId xmlns:a16="http://schemas.microsoft.com/office/drawing/2014/main" id="{6BCAF586-A14B-4A3B-A249-655ADDBB3A4C}"/>
               </a:ext>
             </a:extLst>
           </p:cNvPr>
@@ -35140,13 +35474,6 @@
   <p:clrMapOvr>
     <a:masterClrMapping/>
   </p:clrMapOvr>
-  <p:timing>
-    <p:tnLst>
-      <p:par>
-        <p:cTn id="1" dur="indefinite" restart="never" nodeType="tmRoot"/>
-      </p:par>
-    </p:tnLst>
-  </p:timing>
 </p:sld>
 </file>
 
@@ -35172,7 +35499,7 @@
           <p:cNvPr id="3" name="TextBox 2">
             <a:extLst>
               <a:ext uri="{FF2B5EF4-FFF2-40B4-BE49-F238E27FC236}">
-                <a16:creationId xmlns:a16="http://schemas.microsoft.com/office/drawing/2014/main" xmlns="" id="{9436B850-15F2-41BC-A54E-6E0F332F011D}"/>
+                <a16:creationId xmlns:a16="http://schemas.microsoft.com/office/drawing/2014/main" id="{9436B850-15F2-41BC-A54E-6E0F332F011D}"/>
               </a:ext>
             </a:extLst>
           </p:cNvPr>
@@ -35213,7 +35540,7 @@
           <p:cNvPr id="23" name="Group 22" descr="This image is of an abstract shape. ">
             <a:extLst>
               <a:ext uri="{FF2B5EF4-FFF2-40B4-BE49-F238E27FC236}">
-                <a16:creationId xmlns:a16="http://schemas.microsoft.com/office/drawing/2014/main" xmlns="" id="{C5C1EC81-7459-4B76-B0C8-CF221BB21A2F}"/>
+                <a16:creationId xmlns:a16="http://schemas.microsoft.com/office/drawing/2014/main" id="{C5C1EC81-7459-4B76-B0C8-CF221BB21A2F}"/>
               </a:ext>
             </a:extLst>
           </p:cNvPr>
@@ -35233,7 +35560,7 @@
             <p:cNvPr id="20" name="Freeform 10">
               <a:extLst>
                 <a:ext uri="{FF2B5EF4-FFF2-40B4-BE49-F238E27FC236}">
-                  <a16:creationId xmlns:a16="http://schemas.microsoft.com/office/drawing/2014/main" xmlns="" id="{6067105C-8C4E-4F4D-AF25-4E9E7FEE0199}"/>
+                  <a16:creationId xmlns:a16="http://schemas.microsoft.com/office/drawing/2014/main" id="{6067105C-8C4E-4F4D-AF25-4E9E7FEE0199}"/>
                 </a:ext>
               </a:extLst>
             </p:cNvPr>
@@ -35398,7 +35725,7 @@
             <p:cNvPr id="21" name="Freeform 11">
               <a:extLst>
                 <a:ext uri="{FF2B5EF4-FFF2-40B4-BE49-F238E27FC236}">
-                  <a16:creationId xmlns:a16="http://schemas.microsoft.com/office/drawing/2014/main" xmlns="" id="{70B75532-3E3F-4E79-89ED-8E7671BB9C68}"/>
+                  <a16:creationId xmlns:a16="http://schemas.microsoft.com/office/drawing/2014/main" id="{70B75532-3E3F-4E79-89ED-8E7671BB9C68}"/>
                 </a:ext>
               </a:extLst>
             </p:cNvPr>
@@ -35563,7 +35890,7 @@
             <p:cNvPr id="22" name="Freeform 12">
               <a:extLst>
                 <a:ext uri="{FF2B5EF4-FFF2-40B4-BE49-F238E27FC236}">
-                  <a16:creationId xmlns:a16="http://schemas.microsoft.com/office/drawing/2014/main" xmlns="" id="{517F7404-4FD2-4A56-9BC1-55945A2E0042}"/>
+                  <a16:creationId xmlns:a16="http://schemas.microsoft.com/office/drawing/2014/main" id="{517F7404-4FD2-4A56-9BC1-55945A2E0042}"/>
                 </a:ext>
               </a:extLst>
             </p:cNvPr>
@@ -35729,7 +36056,7 @@
           <p:cNvPr id="25" name="Title 24" hidden="1">
             <a:extLst>
               <a:ext uri="{FF2B5EF4-FFF2-40B4-BE49-F238E27FC236}">
-                <a16:creationId xmlns:a16="http://schemas.microsoft.com/office/drawing/2014/main" xmlns="" id="{24922840-A8AD-427F-889C-2B79CACC872F}"/>
+                <a16:creationId xmlns:a16="http://schemas.microsoft.com/office/drawing/2014/main" id="{24922840-A8AD-427F-889C-2B79CACC872F}"/>
               </a:ext>
             </a:extLst>
           </p:cNvPr>
@@ -35762,13 +36089,6 @@
   <p:clrMapOvr>
     <a:masterClrMapping/>
   </p:clrMapOvr>
-  <p:timing>
-    <p:tnLst>
-      <p:par>
-        <p:cTn id="1" dur="indefinite" restart="never" nodeType="tmRoot"/>
-      </p:par>
-    </p:tnLst>
-  </p:timing>
 </p:sld>
 </file>
 
@@ -36061,7 +36381,7 @@
   <a:extraClrSchemeLst/>
   <a:extLst>
     <a:ext uri="{05A4C25C-085E-4340-85A3-A5531E510DB2}">
-      <thm15:themeFamily xmlns:thm15="http://schemas.microsoft.com/office/thememl/2012/main" xmlns="" name="TM33668227_Human resources, from 24Slides_SL_V1" id="{617D8675-87EA-4E65-899C-EC1AA060F43B}" vid="{A0FF6A7D-4118-4569-8B1F-1CBD407F0755}"/>
+      <thm15:themeFamily xmlns:thm15="http://schemas.microsoft.com/office/thememl/2012/main" name="TM33668227_Human resources, from 24Slides_SL_V1" id="{617D8675-87EA-4E65-899C-EC1AA060F43B}" vid="{A0FF6A7D-4118-4569-8B1F-1CBD407F0755}"/>
     </a:ext>
   </a:extLst>
 </a:theme>
@@ -36356,7 +36676,7 @@
   <a:extraClrSchemeLst/>
   <a:extLst>
     <a:ext uri="{05A4C25C-085E-4340-85A3-A5531E510DB2}">
-      <thm15:themeFamily xmlns:thm15="http://schemas.microsoft.com/office/thememl/2012/main" xmlns="" name="Office Theme" id="{62F939B6-93AF-4DB8-9C6B-D6C7DFDC589F}" vid="{4A3C46E8-61CC-4603-A589-7422A47A8E4A}"/>
+      <thm15:themeFamily xmlns:thm15="http://schemas.microsoft.com/office/thememl/2012/main" name="Office Theme" id="{62F939B6-93AF-4DB8-9C6B-D6C7DFDC589F}" vid="{4A3C46E8-61CC-4603-A589-7422A47A8E4A}"/>
     </a:ext>
   </a:extLst>
 </a:theme>
@@ -36651,13 +36971,30 @@
   <a:extraClrSchemeLst/>
   <a:extLst>
     <a:ext uri="{05A4C25C-085E-4340-85A3-A5531E510DB2}">
-      <thm15:themeFamily xmlns:thm15="http://schemas.microsoft.com/office/thememl/2012/main" xmlns="" name="Office Theme" id="{62F939B6-93AF-4DB8-9C6B-D6C7DFDC589F}" vid="{4A3C46E8-61CC-4603-A589-7422A47A8E4A}"/>
+      <thm15:themeFamily xmlns:thm15="http://schemas.microsoft.com/office/thememl/2012/main" name="Office Theme" id="{62F939B6-93AF-4DB8-9C6B-D6C7DFDC589F}" vid="{4A3C46E8-61CC-4603-A589-7422A47A8E4A}"/>
     </a:ext>
   </a:extLst>
 </a:theme>
 </file>
 
 <file path=customXml/item1.xml><?xml version="1.0" encoding="utf-8"?>
+<p:properties xmlns:p="http://schemas.microsoft.com/office/2006/metadata/properties" xmlns:xsi="http://www.w3.org/2001/XMLSchema-instance" xmlns:pc="http://schemas.microsoft.com/office/infopath/2007/PartnerControls">
+  <documentManagement>
+    <MediaServiceKeyPoints xmlns="71af3243-3dd4-4a8d-8c0d-dd76da1f02a5" xsi:nil="true"/>
+  </documentManagement>
+</p:properties>
+</file>
+
+<file path=customXml/item2.xml><?xml version="1.0" encoding="utf-8"?>
+<?mso-contentType ?>
+<FormTemplates xmlns="http://schemas.microsoft.com/sharepoint/v3/contenttype/forms">
+  <Display>DocumentLibraryForm</Display>
+  <Edit>DocumentLibraryForm</Edit>
+  <New>DocumentLibraryForm</New>
+</FormTemplates>
+</file>
+
+<file path=customXml/item3.xml><?xml version="1.0" encoding="utf-8"?>
 <ct:contentTypeSchema xmlns:ct="http://schemas.microsoft.com/office/2006/metadata/contentType" xmlns:ma="http://schemas.microsoft.com/office/2006/metadata/properties/metaAttributes" ct:_="" ma:_="" ma:contentTypeName="Document" ma:contentTypeID="0x01010079F111ED35F8CC479449609E8A0923A6" ma:contentTypeVersion="11" ma:contentTypeDescription="Create a new document." ma:contentTypeScope="" ma:versionID="9677210f24a1be23c92c90fd886aa0aa">
   <xsd:schema xmlns:xsd="http://www.w3.org/2001/XMLSchema" xmlns:xs="http://www.w3.org/2001/XMLSchema" xmlns:p="http://schemas.microsoft.com/office/2006/metadata/properties" xmlns:ns2="71af3243-3dd4-4a8d-8c0d-dd76da1f02a5" xmlns:ns3="16c05727-aa75-4e4a-9b5f-8a80a1165891" targetNamespace="http://schemas.microsoft.com/office/2006/metadata/properties" ma:root="true" ma:fieldsID="60e05723c5c1908df1a1a4ebf11d344e" ns2:_="" ns3:_="">
     <xsd:import namespace="71af3243-3dd4-4a8d-8c0d-dd76da1f02a5"/>
@@ -36868,24 +37205,32 @@
 </ct:contentTypeSchema>
 </file>
 
-<file path=customXml/item2.xml><?xml version="1.0" encoding="utf-8"?>
-<?mso-contentType ?>
-<FormTemplates xmlns="http://schemas.microsoft.com/sharepoint/v3/contenttype/forms">
-  <Display>DocumentLibraryForm</Display>
-  <Edit>DocumentLibraryForm</Edit>
-  <New>DocumentLibraryForm</New>
-</FormTemplates>
+<file path=customXml/itemProps1.xml><?xml version="1.0" encoding="utf-8"?>
+<ds:datastoreItem xmlns:ds="http://schemas.openxmlformats.org/officeDocument/2006/customXml" ds:itemID="{9043F418-8757-4A9C-9AAF-2EFD75A2BEFB}">
+  <ds:schemaRefs>
+    <ds:schemaRef ds:uri="http://purl.org/dc/elements/1.1/"/>
+    <ds:schemaRef ds:uri="71af3243-3dd4-4a8d-8c0d-dd76da1f02a5"/>
+    <ds:schemaRef ds:uri="http://purl.org/dc/terms/"/>
+    <ds:schemaRef ds:uri="http://purl.org/dc/dcmitype/"/>
+    <ds:schemaRef ds:uri="http://schemas.microsoft.com/office/infopath/2007/PartnerControls"/>
+    <ds:schemaRef ds:uri="http://schemas.microsoft.com/office/2006/documentManagement/types"/>
+    <ds:schemaRef ds:uri="http://schemas.microsoft.com/office/2006/metadata/properties"/>
+    <ds:schemaRef ds:uri="http://schemas.openxmlformats.org/package/2006/metadata/core-properties"/>
+    <ds:schemaRef ds:uri="16c05727-aa75-4e4a-9b5f-8a80a1165891"/>
+    <ds:schemaRef ds:uri="http://www.w3.org/XML/1998/namespace"/>
+  </ds:schemaRefs>
+</ds:datastoreItem>
 </file>
 
-<file path=customXml/item3.xml><?xml version="1.0" encoding="utf-8"?>
-<p:properties xmlns:p="http://schemas.microsoft.com/office/2006/metadata/properties" xmlns:xsi="http://www.w3.org/2001/XMLSchema-instance" xmlns:pc="http://schemas.microsoft.com/office/infopath/2007/PartnerControls">
-  <documentManagement>
-    <MediaServiceKeyPoints xmlns="71af3243-3dd4-4a8d-8c0d-dd76da1f02a5" xsi:nil="true"/>
-  </documentManagement>
-</p:properties>
+<file path=customXml/itemProps2.xml><?xml version="1.0" encoding="utf-8"?>
+<ds:datastoreItem xmlns:ds="http://schemas.openxmlformats.org/officeDocument/2006/customXml" ds:itemID="{C9C8C966-778B-43A2-9BDE-D67CABE9D324}">
+  <ds:schemaRefs>
+    <ds:schemaRef ds:uri="http://schemas.microsoft.com/sharepoint/v3/contenttype/forms"/>
+  </ds:schemaRefs>
+</ds:datastoreItem>
 </file>
 
-<file path=customXml/itemProps1.xml><?xml version="1.0" encoding="utf-8"?>
+<file path=customXml/itemProps3.xml><?xml version="1.0" encoding="utf-8"?>
 <ds:datastoreItem xmlns:ds="http://schemas.openxmlformats.org/officeDocument/2006/customXml" ds:itemID="{789EF843-5375-4D6F-A270-54A9909B0994}">
   <ds:schemaRefs>
     <ds:schemaRef ds:uri="http://schemas.microsoft.com/office/2006/metadata/contentType"/>
@@ -36902,29 +37247,4 @@
     <ds:schemaRef ds:uri="http://schemas.microsoft.com/internal/obd"/>
   </ds:schemaRefs>
 </ds:datastoreItem>
-</file>
-
-<file path=customXml/itemProps2.xml><?xml version="1.0" encoding="utf-8"?>
-<ds:datastoreItem xmlns:ds="http://schemas.openxmlformats.org/officeDocument/2006/customXml" ds:itemID="{C9C8C966-778B-43A2-9BDE-D67CABE9D324}">
-  <ds:schemaRefs>
-    <ds:schemaRef ds:uri="http://schemas.microsoft.com/sharepoint/v3/contenttype/forms"/>
-  </ds:schemaRefs>
-</ds:datastoreItem>
-</file>
-
-<file path=customXml/itemProps3.xml><?xml version="1.0" encoding="utf-8"?>
-<ds:datastoreItem xmlns:ds="http://schemas.openxmlformats.org/officeDocument/2006/customXml" ds:itemID="{9043F418-8757-4A9C-9AAF-2EFD75A2BEFB}">
-  <ds:schemaRefs>
-    <ds:schemaRef ds:uri="http://purl.org/dc/elements/1.1/"/>
-    <ds:schemaRef ds:uri="71af3243-3dd4-4a8d-8c0d-dd76da1f02a5"/>
-    <ds:schemaRef ds:uri="http://purl.org/dc/terms/"/>
-    <ds:schemaRef ds:uri="http://purl.org/dc/dcmitype/"/>
-    <ds:schemaRef ds:uri="http://schemas.microsoft.com/office/infopath/2007/PartnerControls"/>
-    <ds:schemaRef ds:uri="http://schemas.microsoft.com/office/2006/documentManagement/types"/>
-    <ds:schemaRef ds:uri="http://schemas.microsoft.com/office/2006/metadata/properties"/>
-    <ds:schemaRef ds:uri="http://schemas.openxmlformats.org/package/2006/metadata/core-properties"/>
-    <ds:schemaRef ds:uri="16c05727-aa75-4e4a-9b5f-8a80a1165891"/>
-    <ds:schemaRef ds:uri="http://www.w3.org/XML/1998/namespace"/>
-  </ds:schemaRefs>
-</ds:datastoreItem>
 </file>